--- a/ARDC_Skills_Summit_GM.pptx
+++ b/ARDC_Skills_Summit_GM.pptx
@@ -5,13 +5,14 @@
     <p:sldMasterId id="2147483648" r:id="rId1"/>
   </p:sldMasterIdLst>
   <p:notesMasterIdLst>
-    <p:notesMasterId r:id="rId6"/>
+    <p:notesMasterId r:id="rId7"/>
   </p:notesMasterIdLst>
   <p:sldIdLst>
     <p:sldId id="260" r:id="rId2"/>
     <p:sldId id="256" r:id="rId3"/>
-    <p:sldId id="261" r:id="rId4"/>
-    <p:sldId id="262" r:id="rId5"/>
+    <p:sldId id="263" r:id="rId4"/>
+    <p:sldId id="261" r:id="rId5"/>
+    <p:sldId id="262" r:id="rId6"/>
   </p:sldIdLst>
   <p:sldSz cx="12192000" cy="6858000"/>
   <p:notesSz cx="6858000" cy="9144000"/>
@@ -200,7 +201,7 @@
           <a:p>
             <a:fld id="{896B3550-5FCA-7648-836C-1C1168E430A4}" type="datetimeFigureOut">
               <a:rPr lang="en-US" smtClean="0"/>
-              <a:t>2/7/23</a:t>
+              <a:t>2/8/23</a:t>
             </a:fld>
             <a:endParaRPr lang="en-US"/>
           </a:p>
@@ -710,7 +711,7 @@
     </p:spTree>
     <p:extLst>
       <p:ext uri="{BB962C8B-B14F-4D97-AF65-F5344CB8AC3E}">
-        <p14:creationId xmlns:p14="http://schemas.microsoft.com/office/powerpoint/2010/main" val="175731108"/>
+        <p14:creationId xmlns:p14="http://schemas.microsoft.com/office/powerpoint/2010/main" val="1694745938"/>
       </p:ext>
     </p:extLst>
   </p:cSld>
@@ -786,6 +787,90 @@
             <a:fld id="{2F387A4A-38E2-8B4A-B498-C80CB2950CC5}" type="slidenum">
               <a:rPr lang="en-US" smtClean="0"/>
               <a:t>4</a:t>
+            </a:fld>
+            <a:endParaRPr lang="en-US"/>
+          </a:p>
+        </p:txBody>
+      </p:sp>
+    </p:spTree>
+    <p:extLst>
+      <p:ext uri="{BB962C8B-B14F-4D97-AF65-F5344CB8AC3E}">
+        <p14:creationId xmlns:p14="http://schemas.microsoft.com/office/powerpoint/2010/main" val="175731108"/>
+      </p:ext>
+    </p:extLst>
+  </p:cSld>
+  <p:clrMapOvr>
+    <a:masterClrMapping/>
+  </p:clrMapOvr>
+</p:notes>
+</file>
+
+<file path=ppt/notesSlides/notesSlide5.xml><?xml version="1.0" encoding="utf-8"?>
+<p:notes xmlns:a="http://schemas.openxmlformats.org/drawingml/2006/main" xmlns:r="http://schemas.openxmlformats.org/officeDocument/2006/relationships" xmlns:p="http://schemas.openxmlformats.org/presentationml/2006/main">
+  <p:cSld>
+    <p:spTree>
+      <p:nvGrpSpPr>
+        <p:cNvPr id="1" name=""/>
+        <p:cNvGrpSpPr/>
+        <p:nvPr/>
+      </p:nvGrpSpPr>
+      <p:grpSpPr>
+        <a:xfrm>
+          <a:off x="0" y="0"/>
+          <a:ext cx="0" cy="0"/>
+          <a:chOff x="0" y="0"/>
+          <a:chExt cx="0" cy="0"/>
+        </a:xfrm>
+      </p:grpSpPr>
+      <p:sp>
+        <p:nvSpPr>
+          <p:cNvPr id="2" name="Slide Image Placeholder 1"/>
+          <p:cNvSpPr>
+            <a:spLocks noGrp="1" noRot="1" noChangeAspect="1"/>
+          </p:cNvSpPr>
+          <p:nvPr>
+            <p:ph type="sldImg"/>
+          </p:nvPr>
+        </p:nvSpPr>
+        <p:spPr/>
+      </p:sp>
+      <p:sp>
+        <p:nvSpPr>
+          <p:cNvPr id="3" name="Notes Placeholder 2"/>
+          <p:cNvSpPr>
+            <a:spLocks noGrp="1"/>
+          </p:cNvSpPr>
+          <p:nvPr>
+            <p:ph type="body" idx="1"/>
+          </p:nvPr>
+        </p:nvSpPr>
+        <p:spPr/>
+        <p:txBody>
+          <a:bodyPr/>
+          <a:lstStyle/>
+          <a:p>
+            <a:endParaRPr lang="en-US" dirty="0"/>
+          </a:p>
+        </p:txBody>
+      </p:sp>
+      <p:sp>
+        <p:nvSpPr>
+          <p:cNvPr id="4" name="Slide Number Placeholder 3"/>
+          <p:cNvSpPr>
+            <a:spLocks noGrp="1"/>
+          </p:cNvSpPr>
+          <p:nvPr>
+            <p:ph type="sldNum" sz="quarter" idx="5"/>
+          </p:nvPr>
+        </p:nvSpPr>
+        <p:spPr/>
+        <p:txBody>
+          <a:bodyPr/>
+          <a:lstStyle/>
+          <a:p>
+            <a:fld id="{2F387A4A-38E2-8B4A-B498-C80CB2950CC5}" type="slidenum">
+              <a:rPr lang="en-US" smtClean="0"/>
+              <a:t>5</a:t>
             </a:fld>
             <a:endParaRPr lang="en-US"/>
           </a:p>
@@ -953,7 +1038,7 @@
           <a:p>
             <a:fld id="{5C2B7263-6268-194D-A416-77473944E13B}" type="datetimeFigureOut">
               <a:rPr lang="en-US" smtClean="0"/>
-              <a:t>2/7/23</a:t>
+              <a:t>2/8/23</a:t>
             </a:fld>
             <a:endParaRPr lang="en-US"/>
           </a:p>
@@ -1153,7 +1238,7 @@
           <a:p>
             <a:fld id="{5C2B7263-6268-194D-A416-77473944E13B}" type="datetimeFigureOut">
               <a:rPr lang="en-US" smtClean="0"/>
-              <a:t>2/7/23</a:t>
+              <a:t>2/8/23</a:t>
             </a:fld>
             <a:endParaRPr lang="en-US"/>
           </a:p>
@@ -1363,7 +1448,7 @@
           <a:p>
             <a:fld id="{5C2B7263-6268-194D-A416-77473944E13B}" type="datetimeFigureOut">
               <a:rPr lang="en-US" smtClean="0"/>
-              <a:t>2/7/23</a:t>
+              <a:t>2/8/23</a:t>
             </a:fld>
             <a:endParaRPr lang="en-US"/>
           </a:p>
@@ -1563,7 +1648,7 @@
           <a:p>
             <a:fld id="{5C2B7263-6268-194D-A416-77473944E13B}" type="datetimeFigureOut">
               <a:rPr lang="en-US" smtClean="0"/>
-              <a:t>2/7/23</a:t>
+              <a:t>2/8/23</a:t>
             </a:fld>
             <a:endParaRPr lang="en-US"/>
           </a:p>
@@ -1839,7 +1924,7 @@
           <a:p>
             <a:fld id="{5C2B7263-6268-194D-A416-77473944E13B}" type="datetimeFigureOut">
               <a:rPr lang="en-US" smtClean="0"/>
-              <a:t>2/7/23</a:t>
+              <a:t>2/8/23</a:t>
             </a:fld>
             <a:endParaRPr lang="en-US"/>
           </a:p>
@@ -2107,7 +2192,7 @@
           <a:p>
             <a:fld id="{5C2B7263-6268-194D-A416-77473944E13B}" type="datetimeFigureOut">
               <a:rPr lang="en-US" smtClean="0"/>
-              <a:t>2/7/23</a:t>
+              <a:t>2/8/23</a:t>
             </a:fld>
             <a:endParaRPr lang="en-US"/>
           </a:p>
@@ -2522,7 +2607,7 @@
           <a:p>
             <a:fld id="{5C2B7263-6268-194D-A416-77473944E13B}" type="datetimeFigureOut">
               <a:rPr lang="en-US" smtClean="0"/>
-              <a:t>2/7/23</a:t>
+              <a:t>2/8/23</a:t>
             </a:fld>
             <a:endParaRPr lang="en-US"/>
           </a:p>
@@ -2664,7 +2749,7 @@
           <a:p>
             <a:fld id="{5C2B7263-6268-194D-A416-77473944E13B}" type="datetimeFigureOut">
               <a:rPr lang="en-US" smtClean="0"/>
-              <a:t>2/7/23</a:t>
+              <a:t>2/8/23</a:t>
             </a:fld>
             <a:endParaRPr lang="en-US"/>
           </a:p>
@@ -2777,7 +2862,7 @@
           <a:p>
             <a:fld id="{5C2B7263-6268-194D-A416-77473944E13B}" type="datetimeFigureOut">
               <a:rPr lang="en-US" smtClean="0"/>
-              <a:t>2/7/23</a:t>
+              <a:t>2/8/23</a:t>
             </a:fld>
             <a:endParaRPr lang="en-US"/>
           </a:p>
@@ -3090,7 +3175,7 @@
           <a:p>
             <a:fld id="{5C2B7263-6268-194D-A416-77473944E13B}" type="datetimeFigureOut">
               <a:rPr lang="en-US" smtClean="0"/>
-              <a:t>2/7/23</a:t>
+              <a:t>2/8/23</a:t>
             </a:fld>
             <a:endParaRPr lang="en-US"/>
           </a:p>
@@ -3379,7 +3464,7 @@
           <a:p>
             <a:fld id="{5C2B7263-6268-194D-A416-77473944E13B}" type="datetimeFigureOut">
               <a:rPr lang="en-US" smtClean="0"/>
-              <a:t>2/7/23</a:t>
+              <a:t>2/8/23</a:t>
             </a:fld>
             <a:endParaRPr lang="en-US"/>
           </a:p>
@@ -3622,7 +3707,7 @@
           <a:p>
             <a:fld id="{5C2B7263-6268-194D-A416-77473944E13B}" type="datetimeFigureOut">
               <a:rPr lang="en-US" smtClean="0"/>
-              <a:t>2/7/23</a:t>
+              <a:t>2/8/23</a:t>
             </a:fld>
             <a:endParaRPr lang="en-US"/>
           </a:p>
@@ -6589,8 +6674,8 @@
         </p:nvSpPr>
         <p:spPr>
           <a:xfrm>
-            <a:off x="25676" y="1745619"/>
-            <a:ext cx="4040708" cy="4313664"/>
+            <a:off x="106858" y="1745619"/>
+            <a:ext cx="3923077" cy="4698212"/>
           </a:xfrm>
           <a:prstGeom prst="rect">
             <a:avLst/>
@@ -6601,8 +6686,13 @@
               <a:lumOff val="40000"/>
             </a:schemeClr>
           </a:solidFill>
-          <a:ln>
-            <a:noFill/>
+          <a:ln w="57150">
+            <a:solidFill>
+              <a:schemeClr val="accent1">
+                <a:lumMod val="60000"/>
+                <a:lumOff val="40000"/>
+              </a:schemeClr>
+            </a:solidFill>
           </a:ln>
         </p:spPr>
         <p:style>
@@ -6629,8 +6719,38 @@
               <a:buFont typeface="Arial" panose="020B0604020202020204" pitchFamily="34" charset="0"/>
               <a:buChar char="•"/>
             </a:pPr>
+            <a:endParaRPr lang="en-AU" sz="2400" b="1" dirty="0">
+              <a:solidFill>
+                <a:schemeClr val="bg1"/>
+              </a:solidFill>
+              <a:effectLst/>
+              <a:latin typeface="Arial" panose="020B0604020202020204" pitchFamily="34" charset="0"/>
+              <a:ea typeface="Calibri" panose="020F0502020204030204" pitchFamily="34" charset="0"/>
+              <a:cs typeface="Arial" panose="020B0604020202020204" pitchFamily="34" charset="0"/>
+            </a:endParaRPr>
+          </a:p>
+          <a:p>
+            <a:pPr marL="342900" indent="-342900" algn="ctr">
+              <a:buFont typeface="Arial" panose="020B0604020202020204" pitchFamily="34" charset="0"/>
+              <a:buChar char="•"/>
+            </a:pPr>
+            <a:endParaRPr lang="en-AU" sz="2400" b="1" dirty="0">
+              <a:solidFill>
+                <a:schemeClr val="bg1"/>
+              </a:solidFill>
+              <a:effectLst/>
+              <a:latin typeface="Arial" panose="020B0604020202020204" pitchFamily="34" charset="0"/>
+              <a:ea typeface="Calibri" panose="020F0502020204030204" pitchFamily="34" charset="0"/>
+              <a:cs typeface="Arial" panose="020B0604020202020204" pitchFamily="34" charset="0"/>
+            </a:endParaRPr>
+          </a:p>
+          <a:p>
+            <a:pPr marL="342900" indent="-342900" algn="ctr">
+              <a:buFont typeface="Arial" panose="020B0604020202020204" pitchFamily="34" charset="0"/>
+              <a:buChar char="•"/>
+            </a:pPr>
             <a:r>
-              <a:rPr lang="en-AU" sz="2000" b="1" dirty="0">
+              <a:rPr lang="en-AU" sz="2400" b="1" dirty="0">
                 <a:solidFill>
                   <a:schemeClr val="bg1"/>
                 </a:solidFill>
@@ -6642,7 +6762,7 @@
               <a:t>Further ongoing collaboration beyond the single course;</a:t>
             </a:r>
             <a:br>
-              <a:rPr lang="en-AU" sz="2000" b="1" dirty="0">
+              <a:rPr lang="en-AU" sz="2400" b="1" dirty="0">
                 <a:solidFill>
                   <a:schemeClr val="bg1"/>
                 </a:solidFill>
@@ -6652,7 +6772,7 @@
                 <a:cs typeface="Arial" panose="020B0604020202020204" pitchFamily="34" charset="0"/>
               </a:rPr>
             </a:br>
-            <a:endParaRPr lang="en-AU" sz="2000" b="1" dirty="0">
+            <a:endParaRPr lang="en-AU" sz="2400" b="1" dirty="0">
               <a:solidFill>
                 <a:schemeClr val="bg1"/>
               </a:solidFill>
@@ -6668,7 +6788,7 @@
               <a:buChar char="•"/>
             </a:pPr>
             <a:r>
-              <a:rPr lang="en-AU" sz="2000" b="1" dirty="0">
+              <a:rPr lang="en-AU" sz="2400" b="1" dirty="0">
                 <a:solidFill>
                   <a:schemeClr val="bg1"/>
                 </a:solidFill>
@@ -6679,7 +6799,7 @@
               </a:rPr>
               <a:t>Improved reputation and visibility in industry/academic community;</a:t>
             </a:r>
-            <a:endParaRPr lang="en-AU" sz="2000" b="1" dirty="0">
+            <a:endParaRPr lang="en-AU" sz="2400" b="1" dirty="0">
               <a:solidFill>
                 <a:schemeClr val="bg1"/>
               </a:solidFill>
@@ -6693,7 +6813,7 @@
               <a:buFont typeface="Arial" panose="020B0604020202020204" pitchFamily="34" charset="0"/>
               <a:buChar char="•"/>
             </a:pPr>
-            <a:endParaRPr lang="en-AU" sz="2000" b="1" dirty="0">
+            <a:endParaRPr lang="en-AU" sz="2400" b="1" dirty="0">
               <a:solidFill>
                 <a:schemeClr val="bg1"/>
               </a:solidFill>
@@ -6709,7 +6829,7 @@
               <a:buChar char="•"/>
             </a:pPr>
             <a:r>
-              <a:rPr lang="en-AU" sz="2000" b="1" dirty="0">
+              <a:rPr lang="en-AU" sz="2400" b="1" dirty="0">
                 <a:solidFill>
                   <a:schemeClr val="bg1"/>
                 </a:solidFill>
@@ -6720,8 +6840,11 @@
               </a:rPr>
               <a:t>Opportunities to upskill employees/researchers</a:t>
             </a:r>
+          </a:p>
+          <a:p>
+            <a:pPr algn="ctr"/>
             <a:br>
-              <a:rPr lang="en-AU" sz="2000" b="1" dirty="0">
+              <a:rPr lang="en-AU" sz="2400" b="1" dirty="0">
                 <a:solidFill>
                   <a:schemeClr val="bg1"/>
                 </a:solidFill>
@@ -6731,7 +6854,7 @@
                 <a:cs typeface="Arial" panose="020B0604020202020204" pitchFamily="34" charset="0"/>
               </a:rPr>
             </a:br>
-            <a:endParaRPr lang="en-US" sz="2000" b="1" dirty="0">
+            <a:endParaRPr lang="en-US" sz="2400" b="1" dirty="0">
               <a:solidFill>
                 <a:schemeClr val="bg1"/>
               </a:solidFill>
@@ -6755,8 +6878,8 @@
         </p:nvSpPr>
         <p:spPr>
           <a:xfrm>
-            <a:off x="54581" y="913859"/>
-            <a:ext cx="3981951" cy="831760"/>
+            <a:off x="106857" y="913859"/>
+            <a:ext cx="3923077" cy="831760"/>
           </a:xfrm>
           <a:prstGeom prst="rect">
             <a:avLst/>
@@ -8754,8 +8877,8 @@
         </p:nvSpPr>
         <p:spPr>
           <a:xfrm>
-            <a:off x="560948" y="1311420"/>
-            <a:ext cx="11361718" cy="461665"/>
+            <a:off x="405594" y="1420791"/>
+            <a:ext cx="11361718" cy="2000548"/>
           </a:xfrm>
           <a:prstGeom prst="rect">
             <a:avLst/>
@@ -8773,26 +8896,45 @@
           <a:p>
             <a:pPr algn="ctr"/>
             <a:r>
-              <a:rPr lang="en-AU" sz="2400" b="1" i="0" u="none" strike="noStrike" dirty="0">
+              <a:rPr lang="en-AU" sz="3200" b="1" i="0" u="none" strike="noStrike" dirty="0">
                 <a:effectLst/>
                 <a:latin typeface="Arial" panose="020B0604020202020204" pitchFamily="34" charset="0"/>
                 <a:cs typeface="Arial" panose="020B0604020202020204" pitchFamily="34" charset="0"/>
               </a:rPr>
-              <a:t>Universities and industry are “natural partners” for bridging the skills gap;</a:t>
+              <a:t>Practical considerations for a collaborative engagement</a:t>
             </a:r>
-            <a:endParaRPr lang="en-US" sz="2400" b="1" dirty="0">
+          </a:p>
+          <a:p>
+            <a:pPr algn="ctr"/>
+            <a:endParaRPr lang="en-AU" sz="3200" b="1" dirty="0">
               <a:latin typeface="Arial" panose="020B0604020202020204" pitchFamily="34" charset="0"/>
               <a:cs typeface="Arial" panose="020B0604020202020204" pitchFamily="34" charset="0"/>
             </a:endParaRPr>
           </a:p>
-        </p:txBody>
-      </p:sp>
-      <p:sp>
-        <p:nvSpPr>
-          <p:cNvPr id="10" name="TextBox 9">
-            <a:extLst>
-              <a:ext uri="{FF2B5EF4-FFF2-40B4-BE49-F238E27FC236}">
-                <a16:creationId xmlns:a16="http://schemas.microsoft.com/office/drawing/2014/main" id="{31DCC32C-1C61-D05F-E2BF-0D4215F48A67}"/>
+          <a:p>
+            <a:pPr marL="285750" indent="-285750" algn="ctr">
+              <a:buFont typeface="Arial" panose="020B0604020202020204" pitchFamily="34" charset="0"/>
+              <a:buChar char="•"/>
+            </a:pPr>
+            <a:endParaRPr lang="en-US" sz="2800" dirty="0">
+              <a:latin typeface="Arial" panose="020B0604020202020204" pitchFamily="34" charset="0"/>
+            </a:endParaRPr>
+          </a:p>
+          <a:p>
+            <a:pPr algn="ctr"/>
+            <a:endParaRPr lang="en-US" sz="3200" b="1" dirty="0">
+              <a:latin typeface="Arial" panose="020B0604020202020204" pitchFamily="34" charset="0"/>
+              <a:cs typeface="Arial" panose="020B0604020202020204" pitchFamily="34" charset="0"/>
+            </a:endParaRPr>
+          </a:p>
+        </p:txBody>
+      </p:sp>
+      <p:sp>
+        <p:nvSpPr>
+          <p:cNvPr id="3" name="TextBox 2">
+            <a:extLst>
+              <a:ext uri="{FF2B5EF4-FFF2-40B4-BE49-F238E27FC236}">
+                <a16:creationId xmlns:a16="http://schemas.microsoft.com/office/drawing/2014/main" id="{1C4043DD-EE01-B84F-EADE-5EF618305B6C}"/>
               </a:ext>
             </a:extLst>
           </p:cNvPr>
@@ -8801,8 +8943,1380 @@
         </p:nvSpPr>
         <p:spPr>
           <a:xfrm>
-            <a:off x="1084323" y="2820701"/>
-            <a:ext cx="10004259" cy="830997"/>
+            <a:off x="202797" y="2346493"/>
+            <a:ext cx="11786406" cy="523220"/>
+          </a:xfrm>
+          <a:prstGeom prst="rect">
+            <a:avLst/>
+          </a:prstGeom>
+          <a:noFill/>
+        </p:spPr>
+        <p:txBody>
+          <a:bodyPr wrap="square">
+            <a:spAutoFit/>
+          </a:bodyPr>
+          <a:lstStyle/>
+          <a:p>
+            <a:pPr marL="285750" indent="-285750" algn="ctr">
+              <a:buFont typeface="Arial" panose="020B0604020202020204" pitchFamily="34" charset="0"/>
+              <a:buChar char="•"/>
+            </a:pPr>
+            <a:r>
+              <a:rPr lang="en-AU" sz="2800" dirty="0">
+                <a:latin typeface="Arial" panose="020B0604020202020204" pitchFamily="34" charset="0"/>
+              </a:rPr>
+              <a:t>Differences in disciplines and knowledge levels among participants;</a:t>
+            </a:r>
+          </a:p>
+        </p:txBody>
+      </p:sp>
+      <p:sp>
+        <p:nvSpPr>
+          <p:cNvPr id="5" name="TextBox 4">
+            <a:extLst>
+              <a:ext uri="{FF2B5EF4-FFF2-40B4-BE49-F238E27FC236}">
+                <a16:creationId xmlns:a16="http://schemas.microsoft.com/office/drawing/2014/main" id="{2E1022F2-F37B-4A9D-B47C-15988718B5B2}"/>
+              </a:ext>
+            </a:extLst>
+          </p:cNvPr>
+          <p:cNvSpPr txBox="1"/>
+          <p:nvPr/>
+        </p:nvSpPr>
+        <p:spPr>
+          <a:xfrm>
+            <a:off x="159741" y="3344506"/>
+            <a:ext cx="11588477" cy="523220"/>
+          </a:xfrm>
+          <a:prstGeom prst="rect">
+            <a:avLst/>
+          </a:prstGeom>
+          <a:noFill/>
+        </p:spPr>
+        <p:txBody>
+          <a:bodyPr wrap="square">
+            <a:spAutoFit/>
+          </a:bodyPr>
+          <a:lstStyle/>
+          <a:p>
+            <a:pPr marL="285750" indent="-285750" algn="ctr">
+              <a:buFont typeface="Arial" panose="020B0604020202020204" pitchFamily="34" charset="0"/>
+              <a:buChar char="•"/>
+            </a:pPr>
+            <a:r>
+              <a:rPr lang="en-US" sz="2800" dirty="0">
+                <a:latin typeface="Arial" panose="020B0604020202020204" pitchFamily="34" charset="0"/>
+              </a:rPr>
+              <a:t>Manage expectations on training content and delivery format;</a:t>
+            </a:r>
+          </a:p>
+        </p:txBody>
+      </p:sp>
+      <p:sp>
+        <p:nvSpPr>
+          <p:cNvPr id="7" name="TextBox 6">
+            <a:extLst>
+              <a:ext uri="{FF2B5EF4-FFF2-40B4-BE49-F238E27FC236}">
+                <a16:creationId xmlns:a16="http://schemas.microsoft.com/office/drawing/2014/main" id="{8A0F4D51-22CA-0C23-0006-EB686A0F6AD6}"/>
+              </a:ext>
+            </a:extLst>
+          </p:cNvPr>
+          <p:cNvSpPr txBox="1"/>
+          <p:nvPr/>
+        </p:nvSpPr>
+        <p:spPr>
+          <a:xfrm>
+            <a:off x="-426527" y="4298102"/>
+            <a:ext cx="13025957" cy="523220"/>
+          </a:xfrm>
+          <a:prstGeom prst="rect">
+            <a:avLst/>
+          </a:prstGeom>
+          <a:noFill/>
+        </p:spPr>
+        <p:txBody>
+          <a:bodyPr wrap="square">
+            <a:spAutoFit/>
+          </a:bodyPr>
+          <a:lstStyle/>
+          <a:p>
+            <a:pPr marL="285750" indent="-285750" algn="ctr">
+              <a:buFont typeface="Arial" panose="020B0604020202020204" pitchFamily="34" charset="0"/>
+              <a:buChar char="•"/>
+            </a:pPr>
+            <a:r>
+              <a:rPr lang="en-AU" sz="2800" dirty="0">
+                <a:latin typeface="Arial" panose="020B0604020202020204" pitchFamily="34" charset="0"/>
+              </a:rPr>
+              <a:t>Leverage university expertise for effective training development.</a:t>
+            </a:r>
+          </a:p>
+        </p:txBody>
+      </p:sp>
+    </p:spTree>
+    <p:extLst>
+      <p:ext uri="{BB962C8B-B14F-4D97-AF65-F5344CB8AC3E}">
+        <p14:creationId xmlns:p14="http://schemas.microsoft.com/office/powerpoint/2010/main" val="1456622688"/>
+      </p:ext>
+    </p:extLst>
+  </p:cSld>
+  <p:clrMapOvr>
+    <a:masterClrMapping/>
+  </p:clrMapOvr>
+  <p:timing>
+    <p:tnLst>
+      <p:par>
+        <p:cTn id="1" dur="indefinite" restart="never" nodeType="tmRoot">
+          <p:childTnLst>
+            <p:seq concurrent="1" nextAc="seek">
+              <p:cTn id="2" dur="indefinite" nodeType="mainSeq">
+                <p:childTnLst>
+                  <p:par>
+                    <p:cTn id="3" fill="hold">
+                      <p:stCondLst>
+                        <p:cond delay="indefinite"/>
+                      </p:stCondLst>
+                      <p:childTnLst>
+                        <p:par>
+                          <p:cTn id="4" fill="hold">
+                            <p:stCondLst>
+                              <p:cond delay="0"/>
+                            </p:stCondLst>
+                            <p:childTnLst>
+                              <p:par>
+                                <p:cTn id="5" presetID="9" presetClass="entr" presetSubtype="0" fill="hold" grpId="0" nodeType="clickEffect">
+                                  <p:stCondLst>
+                                    <p:cond delay="0"/>
+                                  </p:stCondLst>
+                                  <p:childTnLst>
+                                    <p:set>
+                                      <p:cBhvr>
+                                        <p:cTn id="6" dur="1" fill="hold">
+                                          <p:stCondLst>
+                                            <p:cond delay="0"/>
+                                          </p:stCondLst>
+                                        </p:cTn>
+                                        <p:tgtEl>
+                                          <p:spTgt spid="3"/>
+                                        </p:tgtEl>
+                                        <p:attrNameLst>
+                                          <p:attrName>style.visibility</p:attrName>
+                                        </p:attrNameLst>
+                                      </p:cBhvr>
+                                      <p:to>
+                                        <p:strVal val="visible"/>
+                                      </p:to>
+                                    </p:set>
+                                    <p:animEffect transition="in" filter="dissolve">
+                                      <p:cBhvr>
+                                        <p:cTn id="7" dur="500"/>
+                                        <p:tgtEl>
+                                          <p:spTgt spid="3"/>
+                                        </p:tgtEl>
+                                      </p:cBhvr>
+                                    </p:animEffect>
+                                  </p:childTnLst>
+                                </p:cTn>
+                              </p:par>
+                            </p:childTnLst>
+                          </p:cTn>
+                        </p:par>
+                      </p:childTnLst>
+                    </p:cTn>
+                  </p:par>
+                  <p:par>
+                    <p:cTn id="8" fill="hold">
+                      <p:stCondLst>
+                        <p:cond delay="indefinite"/>
+                      </p:stCondLst>
+                      <p:childTnLst>
+                        <p:par>
+                          <p:cTn id="9" fill="hold">
+                            <p:stCondLst>
+                              <p:cond delay="0"/>
+                            </p:stCondLst>
+                            <p:childTnLst>
+                              <p:par>
+                                <p:cTn id="10" presetID="9" presetClass="entr" presetSubtype="0" fill="hold" grpId="0" nodeType="clickEffect">
+                                  <p:stCondLst>
+                                    <p:cond delay="0"/>
+                                  </p:stCondLst>
+                                  <p:childTnLst>
+                                    <p:set>
+                                      <p:cBhvr>
+                                        <p:cTn id="11" dur="1" fill="hold">
+                                          <p:stCondLst>
+                                            <p:cond delay="0"/>
+                                          </p:stCondLst>
+                                        </p:cTn>
+                                        <p:tgtEl>
+                                          <p:spTgt spid="5"/>
+                                        </p:tgtEl>
+                                        <p:attrNameLst>
+                                          <p:attrName>style.visibility</p:attrName>
+                                        </p:attrNameLst>
+                                      </p:cBhvr>
+                                      <p:to>
+                                        <p:strVal val="visible"/>
+                                      </p:to>
+                                    </p:set>
+                                    <p:animEffect transition="in" filter="dissolve">
+                                      <p:cBhvr>
+                                        <p:cTn id="12" dur="500"/>
+                                        <p:tgtEl>
+                                          <p:spTgt spid="5"/>
+                                        </p:tgtEl>
+                                      </p:cBhvr>
+                                    </p:animEffect>
+                                  </p:childTnLst>
+                                </p:cTn>
+                              </p:par>
+                            </p:childTnLst>
+                          </p:cTn>
+                        </p:par>
+                      </p:childTnLst>
+                    </p:cTn>
+                  </p:par>
+                  <p:par>
+                    <p:cTn id="13" fill="hold">
+                      <p:stCondLst>
+                        <p:cond delay="indefinite"/>
+                      </p:stCondLst>
+                      <p:childTnLst>
+                        <p:par>
+                          <p:cTn id="14" fill="hold">
+                            <p:stCondLst>
+                              <p:cond delay="0"/>
+                            </p:stCondLst>
+                            <p:childTnLst>
+                              <p:par>
+                                <p:cTn id="15" presetID="9" presetClass="entr" presetSubtype="0" fill="hold" grpId="0" nodeType="clickEffect">
+                                  <p:stCondLst>
+                                    <p:cond delay="0"/>
+                                  </p:stCondLst>
+                                  <p:childTnLst>
+                                    <p:set>
+                                      <p:cBhvr>
+                                        <p:cTn id="16" dur="1" fill="hold">
+                                          <p:stCondLst>
+                                            <p:cond delay="0"/>
+                                          </p:stCondLst>
+                                        </p:cTn>
+                                        <p:tgtEl>
+                                          <p:spTgt spid="7"/>
+                                        </p:tgtEl>
+                                        <p:attrNameLst>
+                                          <p:attrName>style.visibility</p:attrName>
+                                        </p:attrNameLst>
+                                      </p:cBhvr>
+                                      <p:to>
+                                        <p:strVal val="visible"/>
+                                      </p:to>
+                                    </p:set>
+                                    <p:animEffect transition="in" filter="dissolve">
+                                      <p:cBhvr>
+                                        <p:cTn id="17" dur="500"/>
+                                        <p:tgtEl>
+                                          <p:spTgt spid="7"/>
+                                        </p:tgtEl>
+                                      </p:cBhvr>
+                                    </p:animEffect>
+                                  </p:childTnLst>
+                                </p:cTn>
+                              </p:par>
+                            </p:childTnLst>
+                          </p:cTn>
+                        </p:par>
+                      </p:childTnLst>
+                    </p:cTn>
+                  </p:par>
+                </p:childTnLst>
+              </p:cTn>
+              <p:prevCondLst>
+                <p:cond evt="onPrev" delay="0">
+                  <p:tgtEl>
+                    <p:sldTgt/>
+                  </p:tgtEl>
+                </p:cond>
+              </p:prevCondLst>
+              <p:nextCondLst>
+                <p:cond evt="onNext" delay="0">
+                  <p:tgtEl>
+                    <p:sldTgt/>
+                  </p:tgtEl>
+                </p:cond>
+              </p:nextCondLst>
+            </p:seq>
+          </p:childTnLst>
+        </p:cTn>
+      </p:par>
+    </p:tnLst>
+    <p:bldLst>
+      <p:bldP spid="3" grpId="0"/>
+      <p:bldP spid="5" grpId="0"/>
+      <p:bldP spid="7" grpId="0"/>
+    </p:bldLst>
+  </p:timing>
+</p:sld>
+</file>
+
+<file path=ppt/slides/slide4.xml><?xml version="1.0" encoding="utf-8"?>
+<p:sld xmlns:a="http://schemas.openxmlformats.org/drawingml/2006/main" xmlns:r="http://schemas.openxmlformats.org/officeDocument/2006/relationships" xmlns:p="http://schemas.openxmlformats.org/presentationml/2006/main">
+  <p:cSld>
+    <p:bg>
+      <p:bgPr>
+        <a:solidFill>
+          <a:schemeClr val="bg1"/>
+        </a:solidFill>
+        <a:effectLst/>
+      </p:bgPr>
+    </p:bg>
+    <p:spTree>
+      <p:nvGrpSpPr>
+        <p:cNvPr id="1" name=""/>
+        <p:cNvGrpSpPr/>
+        <p:nvPr/>
+      </p:nvGrpSpPr>
+      <p:grpSpPr>
+        <a:xfrm>
+          <a:off x="0" y="0"/>
+          <a:ext cx="0" cy="0"/>
+          <a:chOff x="0" y="0"/>
+          <a:chExt cx="0" cy="0"/>
+        </a:xfrm>
+      </p:grpSpPr>
+      <p:sp useBgFill="1">
+        <p:nvSpPr>
+          <p:cNvPr id="1031" name="Rectangle 1030">
+            <a:extLst>
+              <a:ext uri="{FF2B5EF4-FFF2-40B4-BE49-F238E27FC236}">
+                <a16:creationId xmlns:a16="http://schemas.microsoft.com/office/drawing/2014/main" id="{362D44EE-C852-4460-B8B5-C4F2BC20510C}"/>
+              </a:ext>
+              <a:ext uri="{C183D7F6-B498-43B3-948B-1728B52AA6E4}">
+                <adec:decorative xmlns:adec="http://schemas.microsoft.com/office/drawing/2017/decorative" val="1"/>
+              </a:ext>
+            </a:extLst>
+          </p:cNvPr>
+          <p:cNvSpPr>
+            <a:spLocks noGrp="1" noRot="1" noChangeAspect="1" noMove="1" noResize="1" noEditPoints="1" noAdjustHandles="1" noChangeArrowheads="1" noChangeShapeType="1" noTextEdit="1"/>
+          </p:cNvSpPr>
+          <p:nvPr>
+            <p:extLst>
+              <p:ext uri="{386F3935-93C4-4BCD-93E2-E3B085C9AB24}">
+                <p16:designElem xmlns:p16="http://schemas.microsoft.com/office/powerpoint/2015/main" val="1"/>
+              </p:ext>
+            </p:extLst>
+          </p:nvPr>
+        </p:nvSpPr>
+        <p:spPr>
+          <a:xfrm>
+            <a:off x="0" y="0"/>
+            <a:ext cx="12192000" cy="6858000"/>
+          </a:xfrm>
+          <a:prstGeom prst="rect">
+            <a:avLst/>
+          </a:prstGeom>
+          <a:ln>
+            <a:noFill/>
+          </a:ln>
+        </p:spPr>
+        <p:style>
+          <a:lnRef idx="2">
+            <a:schemeClr val="accent1">
+              <a:shade val="50000"/>
+            </a:schemeClr>
+          </a:lnRef>
+          <a:fillRef idx="1">
+            <a:schemeClr val="accent1"/>
+          </a:fillRef>
+          <a:effectRef idx="0">
+            <a:schemeClr val="accent1"/>
+          </a:effectRef>
+          <a:fontRef idx="minor">
+            <a:schemeClr val="lt1"/>
+          </a:fontRef>
+        </p:style>
+        <p:txBody>
+          <a:bodyPr rtlCol="0" anchor="ctr"/>
+          <a:lstStyle/>
+          <a:p>
+            <a:pPr algn="ctr"/>
+            <a:endParaRPr lang="en-US"/>
+          </a:p>
+        </p:txBody>
+      </p:sp>
+      <p:sp>
+        <p:nvSpPr>
+          <p:cNvPr id="1033" name="Freeform: Shape 1032">
+            <a:extLst>
+              <a:ext uri="{FF2B5EF4-FFF2-40B4-BE49-F238E27FC236}">
+                <a16:creationId xmlns:a16="http://schemas.microsoft.com/office/drawing/2014/main" id="{658970D8-8D1D-4B5C-894B-E871CC86543D}"/>
+              </a:ext>
+              <a:ext uri="{C183D7F6-B498-43B3-948B-1728B52AA6E4}">
+                <adec:decorative xmlns:adec="http://schemas.microsoft.com/office/drawing/2017/decorative" val="1"/>
+              </a:ext>
+            </a:extLst>
+          </p:cNvPr>
+          <p:cNvSpPr>
+            <a:spLocks noGrp="1" noRot="1" noChangeAspect="1" noMove="1" noResize="1" noEditPoints="1" noAdjustHandles="1" noChangeArrowheads="1" noChangeShapeType="1" noTextEdit="1"/>
+          </p:cNvSpPr>
+          <p:nvPr>
+            <p:extLst>
+              <p:ext uri="{386F3935-93C4-4BCD-93E2-E3B085C9AB24}">
+                <p16:designElem xmlns:p16="http://schemas.microsoft.com/office/powerpoint/2015/main" val="1"/>
+              </p:ext>
+            </p:extLst>
+          </p:nvPr>
+        </p:nvSpPr>
+        <p:spPr>
+          <a:xfrm flipH="1">
+            <a:off x="530529" y="1"/>
+            <a:ext cx="1155142" cy="591009"/>
+          </a:xfrm>
+          <a:custGeom>
+            <a:avLst/>
+            <a:gdLst>
+              <a:gd name="connsiteX0" fmla="*/ 1355 w 1155142"/>
+              <a:gd name="connsiteY0" fmla="*/ 0 h 591009"/>
+              <a:gd name="connsiteX1" fmla="*/ 1153787 w 1155142"/>
+              <a:gd name="connsiteY1" fmla="*/ 0 h 591009"/>
+              <a:gd name="connsiteX2" fmla="*/ 1155142 w 1155142"/>
+              <a:gd name="connsiteY2" fmla="*/ 13438 h 591009"/>
+              <a:gd name="connsiteX3" fmla="*/ 577571 w 1155142"/>
+              <a:gd name="connsiteY3" fmla="*/ 591009 h 591009"/>
+              <a:gd name="connsiteX4" fmla="*/ 0 w 1155142"/>
+              <a:gd name="connsiteY4" fmla="*/ 13438 h 591009"/>
+            </a:gdLst>
+            <a:ahLst/>
+            <a:cxnLst>
+              <a:cxn ang="0">
+                <a:pos x="connsiteX0" y="connsiteY0"/>
+              </a:cxn>
+              <a:cxn ang="0">
+                <a:pos x="connsiteX1" y="connsiteY1"/>
+              </a:cxn>
+              <a:cxn ang="0">
+                <a:pos x="connsiteX2" y="connsiteY2"/>
+              </a:cxn>
+              <a:cxn ang="0">
+                <a:pos x="connsiteX3" y="connsiteY3"/>
+              </a:cxn>
+              <a:cxn ang="0">
+                <a:pos x="connsiteX4" y="connsiteY4"/>
+              </a:cxn>
+            </a:cxnLst>
+            <a:rect l="l" t="t" r="r" b="b"/>
+            <a:pathLst>
+              <a:path w="1155142" h="591009">
+                <a:moveTo>
+                  <a:pt x="1355" y="0"/>
+                </a:moveTo>
+                <a:lnTo>
+                  <a:pt x="1153787" y="0"/>
+                </a:lnTo>
+                <a:lnTo>
+                  <a:pt x="1155142" y="13438"/>
+                </a:lnTo>
+                <a:cubicBezTo>
+                  <a:pt x="1155142" y="332422"/>
+                  <a:pt x="896555" y="591009"/>
+                  <a:pt x="577571" y="591009"/>
+                </a:cubicBezTo>
+                <a:cubicBezTo>
+                  <a:pt x="258587" y="591009"/>
+                  <a:pt x="0" y="332422"/>
+                  <a:pt x="0" y="13438"/>
+                </a:cubicBezTo>
+                <a:close/>
+              </a:path>
+            </a:pathLst>
+          </a:custGeom>
+          <a:solidFill>
+            <a:schemeClr val="accent5"/>
+          </a:solidFill>
+          <a:ln>
+            <a:noFill/>
+          </a:ln>
+        </p:spPr>
+        <p:style>
+          <a:lnRef idx="2">
+            <a:schemeClr val="accent1">
+              <a:shade val="50000"/>
+            </a:schemeClr>
+          </a:lnRef>
+          <a:fillRef idx="1">
+            <a:schemeClr val="accent1"/>
+          </a:fillRef>
+          <a:effectRef idx="0">
+            <a:schemeClr val="accent1"/>
+          </a:effectRef>
+          <a:fontRef idx="minor">
+            <a:schemeClr val="lt1"/>
+          </a:fontRef>
+        </p:style>
+        <p:txBody>
+          <a:bodyPr wrap="square" rtlCol="0" anchor="ctr">
+            <a:noAutofit/>
+          </a:bodyPr>
+          <a:lstStyle/>
+          <a:p>
+            <a:pPr algn="ctr"/>
+            <a:endParaRPr lang="en-US"/>
+          </a:p>
+        </p:txBody>
+      </p:sp>
+      <p:sp>
+        <p:nvSpPr>
+          <p:cNvPr id="1035" name="Freeform: Shape 1034">
+            <a:extLst>
+              <a:ext uri="{FF2B5EF4-FFF2-40B4-BE49-F238E27FC236}">
+                <a16:creationId xmlns:a16="http://schemas.microsoft.com/office/drawing/2014/main" id="{F227E5B6-9132-43CA-B503-37A18562ADF2}"/>
+              </a:ext>
+              <a:ext uri="{C183D7F6-B498-43B3-948B-1728B52AA6E4}">
+                <adec:decorative xmlns:adec="http://schemas.microsoft.com/office/drawing/2017/decorative" val="1"/>
+              </a:ext>
+            </a:extLst>
+          </p:cNvPr>
+          <p:cNvSpPr>
+            <a:spLocks noGrp="1" noRot="1" noChangeAspect="1" noMove="1" noResize="1" noEditPoints="1" noAdjustHandles="1" noChangeArrowheads="1" noChangeShapeType="1" noTextEdit="1"/>
+          </p:cNvSpPr>
+          <p:nvPr>
+            <p:extLst>
+              <p:ext uri="{386F3935-93C4-4BCD-93E2-E3B085C9AB24}">
+                <p16:designElem xmlns:p16="http://schemas.microsoft.com/office/powerpoint/2015/main" val="1"/>
+              </p:ext>
+            </p:extLst>
+          </p:nvPr>
+        </p:nvSpPr>
+        <p:spPr>
+          <a:xfrm flipH="1">
+            <a:off x="4349052" y="0"/>
+            <a:ext cx="1737401" cy="959536"/>
+          </a:xfrm>
+          <a:custGeom>
+            <a:avLst/>
+            <a:gdLst>
+              <a:gd name="connsiteX0" fmla="*/ 0 w 1737401"/>
+              <a:gd name="connsiteY0" fmla="*/ 0 h 959536"/>
+              <a:gd name="connsiteX1" fmla="*/ 123825 w 1737401"/>
+              <a:gd name="connsiteY1" fmla="*/ 0 h 959536"/>
+              <a:gd name="connsiteX2" fmla="*/ 123825 w 1737401"/>
+              <a:gd name="connsiteY2" fmla="*/ 790277 h 959536"/>
+              <a:gd name="connsiteX3" fmla="*/ 1490095 w 1737401"/>
+              <a:gd name="connsiteY3" fmla="*/ 0 h 959536"/>
+              <a:gd name="connsiteX4" fmla="*/ 1737401 w 1737401"/>
+              <a:gd name="connsiteY4" fmla="*/ 0 h 959536"/>
+              <a:gd name="connsiteX5" fmla="*/ 92869 w 1737401"/>
+              <a:gd name="connsiteY5" fmla="*/ 951249 h 959536"/>
+              <a:gd name="connsiteX6" fmla="*/ 61913 w 1737401"/>
+              <a:gd name="connsiteY6" fmla="*/ 959536 h 959536"/>
+              <a:gd name="connsiteX7" fmla="*/ 0 w 1737401"/>
+              <a:gd name="connsiteY7" fmla="*/ 897624 h 959536"/>
+            </a:gdLst>
+            <a:ahLst/>
+            <a:cxnLst>
+              <a:cxn ang="0">
+                <a:pos x="connsiteX0" y="connsiteY0"/>
+              </a:cxn>
+              <a:cxn ang="0">
+                <a:pos x="connsiteX1" y="connsiteY1"/>
+              </a:cxn>
+              <a:cxn ang="0">
+                <a:pos x="connsiteX2" y="connsiteY2"/>
+              </a:cxn>
+              <a:cxn ang="0">
+                <a:pos x="connsiteX3" y="connsiteY3"/>
+              </a:cxn>
+              <a:cxn ang="0">
+                <a:pos x="connsiteX4" y="connsiteY4"/>
+              </a:cxn>
+              <a:cxn ang="0">
+                <a:pos x="connsiteX5" y="connsiteY5"/>
+              </a:cxn>
+              <a:cxn ang="0">
+                <a:pos x="connsiteX6" y="connsiteY6"/>
+              </a:cxn>
+              <a:cxn ang="0">
+                <a:pos x="connsiteX7" y="connsiteY7"/>
+              </a:cxn>
+            </a:cxnLst>
+            <a:rect l="l" t="t" r="r" b="b"/>
+            <a:pathLst>
+              <a:path w="1737401" h="959536">
+                <a:moveTo>
+                  <a:pt x="0" y="0"/>
+                </a:moveTo>
+                <a:lnTo>
+                  <a:pt x="123825" y="0"/>
+                </a:lnTo>
+                <a:lnTo>
+                  <a:pt x="123825" y="790277"/>
+                </a:lnTo>
+                <a:lnTo>
+                  <a:pt x="1490095" y="0"/>
+                </a:lnTo>
+                <a:lnTo>
+                  <a:pt x="1737401" y="0"/>
+                </a:lnTo>
+                <a:lnTo>
+                  <a:pt x="92869" y="951249"/>
+                </a:lnTo>
+                <a:cubicBezTo>
+                  <a:pt x="83458" y="956688"/>
+                  <a:pt x="72780" y="959546"/>
+                  <a:pt x="61913" y="959536"/>
+                </a:cubicBezTo>
+                <a:cubicBezTo>
+                  <a:pt x="27719" y="959536"/>
+                  <a:pt x="0" y="931818"/>
+                  <a:pt x="0" y="897624"/>
+                </a:cubicBezTo>
+                <a:close/>
+              </a:path>
+            </a:pathLst>
+          </a:custGeom>
+          <a:solidFill>
+            <a:schemeClr val="accent6"/>
+          </a:solidFill>
+          <a:ln w="9525" cap="flat">
+            <a:noFill/>
+            <a:prstDash val="solid"/>
+            <a:miter/>
+          </a:ln>
+        </p:spPr>
+        <p:txBody>
+          <a:bodyPr rtlCol="0" anchor="ctr"/>
+          <a:lstStyle/>
+          <a:p>
+            <a:endParaRPr lang="en-US"/>
+          </a:p>
+        </p:txBody>
+      </p:sp>
+      <p:sp>
+        <p:nvSpPr>
+          <p:cNvPr id="1037" name="Freeform: Shape 1036">
+            <a:extLst>
+              <a:ext uri="{FF2B5EF4-FFF2-40B4-BE49-F238E27FC236}">
+                <a16:creationId xmlns:a16="http://schemas.microsoft.com/office/drawing/2014/main" id="{03C2051E-A88D-48E5-BACF-AAED17892722}"/>
+              </a:ext>
+              <a:ext uri="{C183D7F6-B498-43B3-948B-1728B52AA6E4}">
+                <adec:decorative xmlns:adec="http://schemas.microsoft.com/office/drawing/2017/decorative" val="1"/>
+              </a:ext>
+            </a:extLst>
+          </p:cNvPr>
+          <p:cNvSpPr>
+            <a:spLocks noGrp="1" noRot="1" noChangeAspect="1" noMove="1" noResize="1" noEditPoints="1" noAdjustHandles="1" noChangeArrowheads="1" noChangeShapeType="1" noTextEdit="1"/>
+          </p:cNvSpPr>
+          <p:nvPr>
+            <p:extLst>
+              <p:ext uri="{386F3935-93C4-4BCD-93E2-E3B085C9AB24}">
+                <p16:designElem xmlns:p16="http://schemas.microsoft.com/office/powerpoint/2015/main" val="1"/>
+              </p:ext>
+            </p:extLst>
+          </p:nvPr>
+        </p:nvSpPr>
+        <p:spPr>
+          <a:xfrm flipH="1">
+            <a:off x="0" y="2916245"/>
+            <a:ext cx="159741" cy="552996"/>
+          </a:xfrm>
+          <a:custGeom>
+            <a:avLst/>
+            <a:gdLst>
+              <a:gd name="connsiteX0" fmla="*/ 159741 w 159741"/>
+              <a:gd name="connsiteY0" fmla="*/ 0 h 552996"/>
+              <a:gd name="connsiteX1" fmla="*/ 159741 w 159741"/>
+              <a:gd name="connsiteY1" fmla="*/ 552996 h 552996"/>
+              <a:gd name="connsiteX2" fmla="*/ 141849 w 159741"/>
+              <a:gd name="connsiteY2" fmla="*/ 543285 h 552996"/>
+              <a:gd name="connsiteX3" fmla="*/ 0 w 159741"/>
+              <a:gd name="connsiteY3" fmla="*/ 276498 h 552996"/>
+              <a:gd name="connsiteX4" fmla="*/ 141849 w 159741"/>
+              <a:gd name="connsiteY4" fmla="*/ 9711 h 552996"/>
+            </a:gdLst>
+            <a:ahLst/>
+            <a:cxnLst>
+              <a:cxn ang="0">
+                <a:pos x="connsiteX0" y="connsiteY0"/>
+              </a:cxn>
+              <a:cxn ang="0">
+                <a:pos x="connsiteX1" y="connsiteY1"/>
+              </a:cxn>
+              <a:cxn ang="0">
+                <a:pos x="connsiteX2" y="connsiteY2"/>
+              </a:cxn>
+              <a:cxn ang="0">
+                <a:pos x="connsiteX3" y="connsiteY3"/>
+              </a:cxn>
+              <a:cxn ang="0">
+                <a:pos x="connsiteX4" y="connsiteY4"/>
+              </a:cxn>
+            </a:cxnLst>
+            <a:rect l="l" t="t" r="r" b="b"/>
+            <a:pathLst>
+              <a:path w="159741" h="552996">
+                <a:moveTo>
+                  <a:pt x="159741" y="0"/>
+                </a:moveTo>
+                <a:lnTo>
+                  <a:pt x="159741" y="552996"/>
+                </a:lnTo>
+                <a:lnTo>
+                  <a:pt x="141849" y="543285"/>
+                </a:lnTo>
+                <a:cubicBezTo>
+                  <a:pt x="56268" y="485467"/>
+                  <a:pt x="0" y="387554"/>
+                  <a:pt x="0" y="276498"/>
+                </a:cubicBezTo>
+                <a:cubicBezTo>
+                  <a:pt x="0" y="165443"/>
+                  <a:pt x="56268" y="67529"/>
+                  <a:pt x="141849" y="9711"/>
+                </a:cubicBezTo>
+                <a:close/>
+              </a:path>
+            </a:pathLst>
+          </a:custGeom>
+          <a:solidFill>
+            <a:schemeClr val="accent2"/>
+          </a:solidFill>
+          <a:ln w="127000">
+            <a:noFill/>
+          </a:ln>
+        </p:spPr>
+        <p:style>
+          <a:lnRef idx="2">
+            <a:schemeClr val="accent1">
+              <a:shade val="50000"/>
+            </a:schemeClr>
+          </a:lnRef>
+          <a:fillRef idx="1">
+            <a:schemeClr val="accent1"/>
+          </a:fillRef>
+          <a:effectRef idx="0">
+            <a:schemeClr val="accent1"/>
+          </a:effectRef>
+          <a:fontRef idx="minor">
+            <a:schemeClr val="lt1"/>
+          </a:fontRef>
+        </p:style>
+        <p:txBody>
+          <a:bodyPr wrap="square" rtlCol="0" anchor="ctr">
+            <a:noAutofit/>
+          </a:bodyPr>
+          <a:lstStyle/>
+          <a:p>
+            <a:pPr algn="ctr"/>
+            <a:endParaRPr lang="en-US"/>
+          </a:p>
+        </p:txBody>
+      </p:sp>
+      <p:sp>
+        <p:nvSpPr>
+          <p:cNvPr id="1039" name="Freeform: Shape 1038">
+            <a:extLst>
+              <a:ext uri="{FF2B5EF4-FFF2-40B4-BE49-F238E27FC236}">
+                <a16:creationId xmlns:a16="http://schemas.microsoft.com/office/drawing/2014/main" id="{7821A508-2985-4905-874A-527429BAABFA}"/>
+              </a:ext>
+              <a:ext uri="{C183D7F6-B498-43B3-948B-1728B52AA6E4}">
+                <adec:decorative xmlns:adec="http://schemas.microsoft.com/office/drawing/2017/decorative" val="1"/>
+              </a:ext>
+            </a:extLst>
+          </p:cNvPr>
+          <p:cNvSpPr>
+            <a:spLocks noGrp="1" noRot="1" noChangeAspect="1" noMove="1" noResize="1" noEditPoints="1" noAdjustHandles="1" noChangeArrowheads="1" noChangeShapeType="1" noTextEdit="1"/>
+          </p:cNvSpPr>
+          <p:nvPr>
+            <p:extLst>
+              <p:ext uri="{386F3935-93C4-4BCD-93E2-E3B085C9AB24}">
+                <p16:designElem xmlns:p16="http://schemas.microsoft.com/office/powerpoint/2015/main" val="1"/>
+              </p:ext>
+            </p:extLst>
+          </p:nvPr>
+        </p:nvSpPr>
+        <p:spPr>
+          <a:xfrm flipH="1">
+            <a:off x="0" y="5835649"/>
+            <a:ext cx="1548180" cy="1022351"/>
+          </a:xfrm>
+          <a:custGeom>
+            <a:avLst/>
+            <a:gdLst>
+              <a:gd name="connsiteX0" fmla="*/ 61913 w 1548180"/>
+              <a:gd name="connsiteY0" fmla="*/ 0 h 1022351"/>
+              <a:gd name="connsiteX1" fmla="*/ 1548180 w 1548180"/>
+              <a:gd name="connsiteY1" fmla="*/ 0 h 1022351"/>
+              <a:gd name="connsiteX2" fmla="*/ 1548180 w 1548180"/>
+              <a:gd name="connsiteY2" fmla="*/ 123825 h 1022351"/>
+              <a:gd name="connsiteX3" fmla="*/ 123825 w 1548180"/>
+              <a:gd name="connsiteY3" fmla="*/ 123825 h 1022351"/>
+              <a:gd name="connsiteX4" fmla="*/ 123825 w 1548180"/>
+              <a:gd name="connsiteY4" fmla="*/ 1022351 h 1022351"/>
+              <a:gd name="connsiteX5" fmla="*/ 0 w 1548180"/>
+              <a:gd name="connsiteY5" fmla="*/ 1022351 h 1022351"/>
+              <a:gd name="connsiteX6" fmla="*/ 0 w 1548180"/>
+              <a:gd name="connsiteY6" fmla="*/ 61913 h 1022351"/>
+              <a:gd name="connsiteX7" fmla="*/ 61913 w 1548180"/>
+              <a:gd name="connsiteY7" fmla="*/ 0 h 1022351"/>
+            </a:gdLst>
+            <a:ahLst/>
+            <a:cxnLst>
+              <a:cxn ang="0">
+                <a:pos x="connsiteX0" y="connsiteY0"/>
+              </a:cxn>
+              <a:cxn ang="0">
+                <a:pos x="connsiteX1" y="connsiteY1"/>
+              </a:cxn>
+              <a:cxn ang="0">
+                <a:pos x="connsiteX2" y="connsiteY2"/>
+              </a:cxn>
+              <a:cxn ang="0">
+                <a:pos x="connsiteX3" y="connsiteY3"/>
+              </a:cxn>
+              <a:cxn ang="0">
+                <a:pos x="connsiteX4" y="connsiteY4"/>
+              </a:cxn>
+              <a:cxn ang="0">
+                <a:pos x="connsiteX5" y="connsiteY5"/>
+              </a:cxn>
+              <a:cxn ang="0">
+                <a:pos x="connsiteX6" y="connsiteY6"/>
+              </a:cxn>
+              <a:cxn ang="0">
+                <a:pos x="connsiteX7" y="connsiteY7"/>
+              </a:cxn>
+            </a:cxnLst>
+            <a:rect l="l" t="t" r="r" b="b"/>
+            <a:pathLst>
+              <a:path w="1548180" h="1022351">
+                <a:moveTo>
+                  <a:pt x="61913" y="0"/>
+                </a:moveTo>
+                <a:lnTo>
+                  <a:pt x="1548180" y="0"/>
+                </a:lnTo>
+                <a:lnTo>
+                  <a:pt x="1548180" y="123825"/>
+                </a:lnTo>
+                <a:lnTo>
+                  <a:pt x="123825" y="123825"/>
+                </a:lnTo>
+                <a:lnTo>
+                  <a:pt x="123825" y="1022351"/>
+                </a:lnTo>
+                <a:lnTo>
+                  <a:pt x="0" y="1022351"/>
+                </a:lnTo>
+                <a:lnTo>
+                  <a:pt x="0" y="61913"/>
+                </a:lnTo>
+                <a:cubicBezTo>
+                  <a:pt x="0" y="27719"/>
+                  <a:pt x="27719" y="0"/>
+                  <a:pt x="61913" y="0"/>
+                </a:cubicBezTo>
+                <a:close/>
+              </a:path>
+            </a:pathLst>
+          </a:custGeom>
+          <a:solidFill>
+            <a:schemeClr val="accent6"/>
+          </a:solidFill>
+          <a:ln w="9525" cap="flat">
+            <a:noFill/>
+            <a:prstDash val="solid"/>
+            <a:miter/>
+          </a:ln>
+        </p:spPr>
+        <p:txBody>
+          <a:bodyPr rtlCol="0" anchor="ctr"/>
+          <a:lstStyle/>
+          <a:p>
+            <a:endParaRPr lang="en-US"/>
+          </a:p>
+        </p:txBody>
+      </p:sp>
+      <p:sp>
+        <p:nvSpPr>
+          <p:cNvPr id="1041" name="Freeform: Shape 1040">
+            <a:extLst>
+              <a:ext uri="{FF2B5EF4-FFF2-40B4-BE49-F238E27FC236}">
+                <a16:creationId xmlns:a16="http://schemas.microsoft.com/office/drawing/2014/main" id="{D2929CB1-0E3C-4B2D-ADC5-0154FB33BA44}"/>
+              </a:ext>
+              <a:ext uri="{C183D7F6-B498-43B3-948B-1728B52AA6E4}">
+                <adec:decorative xmlns:adec="http://schemas.microsoft.com/office/drawing/2017/decorative" val="1"/>
+              </a:ext>
+            </a:extLst>
+          </p:cNvPr>
+          <p:cNvSpPr>
+            <a:spLocks noGrp="1" noRot="1" noChangeAspect="1" noMove="1" noResize="1" noEditPoints="1" noAdjustHandles="1" noChangeArrowheads="1" noChangeShapeType="1" noTextEdit="1"/>
+          </p:cNvSpPr>
+          <p:nvPr>
+            <p:extLst>
+              <p:ext uri="{386F3935-93C4-4BCD-93E2-E3B085C9AB24}">
+                <p16:designElem xmlns:p16="http://schemas.microsoft.com/office/powerpoint/2015/main" val="1"/>
+              </p:ext>
+            </p:extLst>
+          </p:nvPr>
+        </p:nvSpPr>
+        <p:spPr>
+          <a:xfrm flipH="1">
+            <a:off x="3697761" y="5717906"/>
+            <a:ext cx="1771609" cy="1140095"/>
+          </a:xfrm>
+          <a:custGeom>
+            <a:avLst/>
+            <a:gdLst>
+              <a:gd name="connsiteX0" fmla="*/ 1561721 w 1771609"/>
+              <a:gd name="connsiteY0" fmla="*/ 763041 h 1140095"/>
+              <a:gd name="connsiteX1" fmla="*/ 1623024 w 1771609"/>
+              <a:gd name="connsiteY1" fmla="*/ 792810 h 1140095"/>
+              <a:gd name="connsiteX2" fmla="*/ 1711735 w 1771609"/>
+              <a:gd name="connsiteY2" fmla="*/ 970132 h 1140095"/>
+              <a:gd name="connsiteX3" fmla="*/ 1771609 w 1771609"/>
+              <a:gd name="connsiteY3" fmla="*/ 1140095 h 1140095"/>
+              <a:gd name="connsiteX4" fmla="*/ 1637225 w 1771609"/>
+              <a:gd name="connsiteY4" fmla="*/ 1140095 h 1140095"/>
+              <a:gd name="connsiteX5" fmla="*/ 1594820 w 1771609"/>
+              <a:gd name="connsiteY5" fmla="*/ 1019711 h 1140095"/>
+              <a:gd name="connsiteX6" fmla="*/ 1513200 w 1771609"/>
+              <a:gd name="connsiteY6" fmla="*/ 856627 h 1140095"/>
+              <a:gd name="connsiteX7" fmla="*/ 1538499 w 1771609"/>
+              <a:gd name="connsiteY7" fmla="*/ 770415 h 1140095"/>
+              <a:gd name="connsiteX8" fmla="*/ 1561721 w 1771609"/>
+              <a:gd name="connsiteY8" fmla="*/ 763041 h 1140095"/>
+              <a:gd name="connsiteX9" fmla="*/ 933455 w 1771609"/>
+              <a:gd name="connsiteY9" fmla="*/ 161309 h 1140095"/>
+              <a:gd name="connsiteX10" fmla="*/ 957797 w 1771609"/>
+              <a:gd name="connsiteY10" fmla="*/ 167970 h 1140095"/>
+              <a:gd name="connsiteX11" fmla="*/ 1286982 w 1771609"/>
+              <a:gd name="connsiteY11" fmla="*/ 387616 h 1140095"/>
+              <a:gd name="connsiteX12" fmla="*/ 1293725 w 1771609"/>
+              <a:gd name="connsiteY12" fmla="*/ 477075 h 1140095"/>
+              <a:gd name="connsiteX13" fmla="*/ 1245453 w 1771609"/>
+              <a:gd name="connsiteY13" fmla="*/ 499154 h 1140095"/>
+              <a:gd name="connsiteX14" fmla="*/ 1245167 w 1771609"/>
+              <a:gd name="connsiteY14" fmla="*/ 499154 h 1140095"/>
+              <a:gd name="connsiteX15" fmla="*/ 1203638 w 1771609"/>
+              <a:gd name="connsiteY15" fmla="*/ 484104 h 1140095"/>
+              <a:gd name="connsiteX16" fmla="*/ 900647 w 1771609"/>
+              <a:gd name="connsiteY16" fmla="*/ 281508 h 1140095"/>
+              <a:gd name="connsiteX17" fmla="*/ 872454 w 1771609"/>
+              <a:gd name="connsiteY17" fmla="*/ 196164 h 1140095"/>
+              <a:gd name="connsiteX18" fmla="*/ 933455 w 1771609"/>
+              <a:gd name="connsiteY18" fmla="*/ 161309 h 1140095"/>
+              <a:gd name="connsiteX19" fmla="*/ 256260 w 1771609"/>
+              <a:gd name="connsiteY19" fmla="*/ 29 h 1140095"/>
+              <a:gd name="connsiteX20" fmla="*/ 454020 w 1771609"/>
+              <a:gd name="connsiteY20" fmla="*/ 13474 h 1140095"/>
+              <a:gd name="connsiteX21" fmla="*/ 509236 w 1771609"/>
+              <a:gd name="connsiteY21" fmla="*/ 84182 h 1140095"/>
+              <a:gd name="connsiteX22" fmla="*/ 445829 w 1771609"/>
+              <a:gd name="connsiteY22" fmla="*/ 139871 h 1140095"/>
+              <a:gd name="connsiteX23" fmla="*/ 437447 w 1771609"/>
+              <a:gd name="connsiteY23" fmla="*/ 139395 h 1140095"/>
+              <a:gd name="connsiteX24" fmla="*/ 73211 w 1771609"/>
+              <a:gd name="connsiteY24" fmla="*/ 137204 h 1140095"/>
+              <a:gd name="connsiteX25" fmla="*/ 749 w 1771609"/>
+              <a:gd name="connsiteY25" fmla="*/ 84082 h 1140095"/>
+              <a:gd name="connsiteX26" fmla="*/ 53871 w 1771609"/>
+              <a:gd name="connsiteY26" fmla="*/ 11621 h 1140095"/>
+              <a:gd name="connsiteX27" fmla="*/ 58352 w 1771609"/>
+              <a:gd name="connsiteY27" fmla="*/ 11093 h 1140095"/>
+              <a:gd name="connsiteX28" fmla="*/ 256260 w 1771609"/>
+              <a:gd name="connsiteY28" fmla="*/ 29 h 1140095"/>
+            </a:gdLst>
+            <a:ahLst/>
+            <a:cxnLst>
+              <a:cxn ang="0">
+                <a:pos x="connsiteX0" y="connsiteY0"/>
+              </a:cxn>
+              <a:cxn ang="0">
+                <a:pos x="connsiteX1" y="connsiteY1"/>
+              </a:cxn>
+              <a:cxn ang="0">
+                <a:pos x="connsiteX2" y="connsiteY2"/>
+              </a:cxn>
+              <a:cxn ang="0">
+                <a:pos x="connsiteX3" y="connsiteY3"/>
+              </a:cxn>
+              <a:cxn ang="0">
+                <a:pos x="connsiteX4" y="connsiteY4"/>
+              </a:cxn>
+              <a:cxn ang="0">
+                <a:pos x="connsiteX5" y="connsiteY5"/>
+              </a:cxn>
+              <a:cxn ang="0">
+                <a:pos x="connsiteX6" y="connsiteY6"/>
+              </a:cxn>
+              <a:cxn ang="0">
+                <a:pos x="connsiteX7" y="connsiteY7"/>
+              </a:cxn>
+              <a:cxn ang="0">
+                <a:pos x="connsiteX8" y="connsiteY8"/>
+              </a:cxn>
+              <a:cxn ang="0">
+                <a:pos x="connsiteX9" y="connsiteY9"/>
+              </a:cxn>
+              <a:cxn ang="0">
+                <a:pos x="connsiteX10" y="connsiteY10"/>
+              </a:cxn>
+              <a:cxn ang="0">
+                <a:pos x="connsiteX11" y="connsiteY11"/>
+              </a:cxn>
+              <a:cxn ang="0">
+                <a:pos x="connsiteX12" y="connsiteY12"/>
+              </a:cxn>
+              <a:cxn ang="0">
+                <a:pos x="connsiteX13" y="connsiteY13"/>
+              </a:cxn>
+              <a:cxn ang="0">
+                <a:pos x="connsiteX14" y="connsiteY14"/>
+              </a:cxn>
+              <a:cxn ang="0">
+                <a:pos x="connsiteX15" y="connsiteY15"/>
+              </a:cxn>
+              <a:cxn ang="0">
+                <a:pos x="connsiteX16" y="connsiteY16"/>
+              </a:cxn>
+              <a:cxn ang="0">
+                <a:pos x="connsiteX17" y="connsiteY17"/>
+              </a:cxn>
+              <a:cxn ang="0">
+                <a:pos x="connsiteX18" y="connsiteY18"/>
+              </a:cxn>
+              <a:cxn ang="0">
+                <a:pos x="connsiteX19" y="connsiteY19"/>
+              </a:cxn>
+              <a:cxn ang="0">
+                <a:pos x="connsiteX20" y="connsiteY20"/>
+              </a:cxn>
+              <a:cxn ang="0">
+                <a:pos x="connsiteX21" y="connsiteY21"/>
+              </a:cxn>
+              <a:cxn ang="0">
+                <a:pos x="connsiteX22" y="connsiteY22"/>
+              </a:cxn>
+              <a:cxn ang="0">
+                <a:pos x="connsiteX23" y="connsiteY23"/>
+              </a:cxn>
+              <a:cxn ang="0">
+                <a:pos x="connsiteX24" y="connsiteY24"/>
+              </a:cxn>
+              <a:cxn ang="0">
+                <a:pos x="connsiteX25" y="connsiteY25"/>
+              </a:cxn>
+              <a:cxn ang="0">
+                <a:pos x="connsiteX26" y="connsiteY26"/>
+              </a:cxn>
+              <a:cxn ang="0">
+                <a:pos x="connsiteX27" y="connsiteY27"/>
+              </a:cxn>
+              <a:cxn ang="0">
+                <a:pos x="connsiteX28" y="connsiteY28"/>
+              </a:cxn>
+            </a:cxnLst>
+            <a:rect l="l" t="t" r="r" b="b"/>
+            <a:pathLst>
+              <a:path w="1771609" h="1140095">
+                <a:moveTo>
+                  <a:pt x="1561721" y="763041"/>
+                </a:moveTo>
+                <a:cubicBezTo>
+                  <a:pt x="1585506" y="760324"/>
+                  <a:pt x="1609722" y="771249"/>
+                  <a:pt x="1623024" y="792810"/>
+                </a:cubicBezTo>
+                <a:cubicBezTo>
+                  <a:pt x="1656300" y="850065"/>
+                  <a:pt x="1685920" y="909291"/>
+                  <a:pt x="1711735" y="970132"/>
+                </a:cubicBezTo>
+                <a:lnTo>
+                  <a:pt x="1771609" y="1140095"/>
+                </a:lnTo>
+                <a:lnTo>
+                  <a:pt x="1637225" y="1140095"/>
+                </a:lnTo>
+                <a:lnTo>
+                  <a:pt x="1594820" y="1019711"/>
+                </a:lnTo>
+                <a:cubicBezTo>
+                  <a:pt x="1571072" y="963753"/>
+                  <a:pt x="1543818" y="909282"/>
+                  <a:pt x="1513200" y="856627"/>
+                </a:cubicBezTo>
+                <a:cubicBezTo>
+                  <a:pt x="1496379" y="825834"/>
+                  <a:pt x="1507704" y="787236"/>
+                  <a:pt x="1538499" y="770415"/>
+                </a:cubicBezTo>
+                <a:cubicBezTo>
+                  <a:pt x="1545912" y="766367"/>
+                  <a:pt x="1553792" y="763946"/>
+                  <a:pt x="1561721" y="763041"/>
+                </a:cubicBezTo>
+                <a:close/>
+                <a:moveTo>
+                  <a:pt x="933455" y="161309"/>
+                </a:moveTo>
+                <a:cubicBezTo>
+                  <a:pt x="941693" y="161855"/>
+                  <a:pt x="949959" y="164025"/>
+                  <a:pt x="957797" y="167970"/>
+                </a:cubicBezTo>
+                <a:cubicBezTo>
+                  <a:pt x="1076184" y="227289"/>
+                  <a:pt x="1186759" y="301068"/>
+                  <a:pt x="1286982" y="387616"/>
+                </a:cubicBezTo>
+                <a:cubicBezTo>
+                  <a:pt x="1313547" y="410457"/>
+                  <a:pt x="1316566" y="450510"/>
+                  <a:pt x="1293725" y="477075"/>
+                </a:cubicBezTo>
+                <a:cubicBezTo>
+                  <a:pt x="1281638" y="491137"/>
+                  <a:pt x="1263998" y="499204"/>
+                  <a:pt x="1245453" y="499154"/>
+                </a:cubicBezTo>
+                <a:lnTo>
+                  <a:pt x="1245167" y="499154"/>
+                </a:lnTo>
+                <a:cubicBezTo>
+                  <a:pt x="1229965" y="499301"/>
+                  <a:pt x="1215220" y="493956"/>
+                  <a:pt x="1203638" y="484104"/>
+                </a:cubicBezTo>
+                <a:cubicBezTo>
+                  <a:pt x="1111407" y="404300"/>
+                  <a:pt x="1009633" y="336248"/>
+                  <a:pt x="900647" y="281508"/>
+                </a:cubicBezTo>
+                <a:cubicBezTo>
+                  <a:pt x="869295" y="265726"/>
+                  <a:pt x="856672" y="227516"/>
+                  <a:pt x="872454" y="196164"/>
+                </a:cubicBezTo>
+                <a:cubicBezTo>
+                  <a:pt x="884290" y="172650"/>
+                  <a:pt x="908742" y="159670"/>
+                  <a:pt x="933455" y="161309"/>
+                </a:cubicBezTo>
+                <a:close/>
+                <a:moveTo>
+                  <a:pt x="256260" y="29"/>
+                </a:moveTo>
+                <a:cubicBezTo>
+                  <a:pt x="322331" y="427"/>
+                  <a:pt x="388378" y="4909"/>
+                  <a:pt x="454020" y="13474"/>
+                </a:cubicBezTo>
+                <a:cubicBezTo>
+                  <a:pt x="488793" y="17752"/>
+                  <a:pt x="513514" y="49409"/>
+                  <a:pt x="509236" y="84182"/>
+                </a:cubicBezTo>
+                <a:cubicBezTo>
+                  <a:pt x="505303" y="116151"/>
+                  <a:pt x="478038" y="140098"/>
+                  <a:pt x="445829" y="139871"/>
+                </a:cubicBezTo>
+                <a:cubicBezTo>
+                  <a:pt x="443027" y="139899"/>
+                  <a:pt x="440227" y="139740"/>
+                  <a:pt x="437447" y="139395"/>
+                </a:cubicBezTo>
+                <a:cubicBezTo>
+                  <a:pt x="316592" y="123615"/>
+                  <a:pt x="194247" y="122878"/>
+                  <a:pt x="73211" y="137204"/>
+                </a:cubicBezTo>
+                <a:cubicBezTo>
+                  <a:pt x="38532" y="142545"/>
+                  <a:pt x="6090" y="118762"/>
+                  <a:pt x="749" y="84082"/>
+                </a:cubicBezTo>
+                <a:cubicBezTo>
+                  <a:pt x="-4591" y="49403"/>
+                  <a:pt x="19192" y="16961"/>
+                  <a:pt x="53871" y="11621"/>
+                </a:cubicBezTo>
+                <a:cubicBezTo>
+                  <a:pt x="55358" y="11392"/>
+                  <a:pt x="56852" y="11216"/>
+                  <a:pt x="58352" y="11093"/>
+                </a:cubicBezTo>
+                <a:cubicBezTo>
+                  <a:pt x="124093" y="3319"/>
+                  <a:pt x="190189" y="-369"/>
+                  <a:pt x="256260" y="29"/>
+                </a:cubicBezTo>
+                <a:close/>
+              </a:path>
+            </a:pathLst>
+          </a:custGeom>
+          <a:solidFill>
+            <a:schemeClr val="accent4"/>
+          </a:solidFill>
+          <a:ln w="9525" cap="flat">
+            <a:noFill/>
+            <a:prstDash val="solid"/>
+            <a:miter/>
+          </a:ln>
+        </p:spPr>
+        <p:txBody>
+          <a:bodyPr rtlCol="0" anchor="ctr"/>
+          <a:lstStyle/>
+          <a:p>
+            <a:endParaRPr lang="en-US"/>
+          </a:p>
+        </p:txBody>
+      </p:sp>
+      <p:sp>
+        <p:nvSpPr>
+          <p:cNvPr id="1043" name="Freeform: Shape 1042">
+            <a:extLst>
+              <a:ext uri="{FF2B5EF4-FFF2-40B4-BE49-F238E27FC236}">
+                <a16:creationId xmlns:a16="http://schemas.microsoft.com/office/drawing/2014/main" id="{5F2F0C84-BE8C-4DC2-A6D3-30349A801D5C}"/>
+              </a:ext>
+              <a:ext uri="{C183D7F6-B498-43B3-948B-1728B52AA6E4}">
+                <adec:decorative xmlns:adec="http://schemas.microsoft.com/office/drawing/2017/decorative" val="1"/>
+              </a:ext>
+            </a:extLst>
+          </p:cNvPr>
+          <p:cNvSpPr>
+            <a:spLocks noGrp="1" noRot="1" noChangeAspect="1" noMove="1" noResize="1" noEditPoints="1" noAdjustHandles="1" noChangeArrowheads="1" noChangeShapeType="1" noTextEdit="1"/>
+          </p:cNvSpPr>
+          <p:nvPr>
+            <p:extLst>
+              <p:ext uri="{386F3935-93C4-4BCD-93E2-E3B085C9AB24}">
+                <p16:designElem xmlns:p16="http://schemas.microsoft.com/office/powerpoint/2015/main" val="1"/>
+              </p:ext>
+            </p:extLst>
+          </p:nvPr>
+        </p:nvSpPr>
+        <p:spPr>
+          <a:xfrm flipH="1">
+            <a:off x="4520513" y="6258756"/>
+            <a:ext cx="1565940" cy="599245"/>
+          </a:xfrm>
+          <a:custGeom>
+            <a:avLst/>
+            <a:gdLst>
+              <a:gd name="connsiteX0" fmla="*/ 782970 w 1565940"/>
+              <a:gd name="connsiteY0" fmla="*/ 0 h 599245"/>
+              <a:gd name="connsiteX1" fmla="*/ 1528042 w 1565940"/>
+              <a:gd name="connsiteY1" fmla="*/ 480469 h 599245"/>
+              <a:gd name="connsiteX2" fmla="*/ 1565940 w 1565940"/>
+              <a:gd name="connsiteY2" fmla="*/ 599245 h 599245"/>
+              <a:gd name="connsiteX3" fmla="*/ 0 w 1565940"/>
+              <a:gd name="connsiteY3" fmla="*/ 599245 h 599245"/>
+              <a:gd name="connsiteX4" fmla="*/ 37898 w 1565940"/>
+              <a:gd name="connsiteY4" fmla="*/ 480469 h 599245"/>
+              <a:gd name="connsiteX5" fmla="*/ 782970 w 1565940"/>
+              <a:gd name="connsiteY5" fmla="*/ 0 h 599245"/>
+            </a:gdLst>
+            <a:ahLst/>
+            <a:cxnLst>
+              <a:cxn ang="0">
+                <a:pos x="connsiteX0" y="connsiteY0"/>
+              </a:cxn>
+              <a:cxn ang="0">
+                <a:pos x="connsiteX1" y="connsiteY1"/>
+              </a:cxn>
+              <a:cxn ang="0">
+                <a:pos x="connsiteX2" y="connsiteY2"/>
+              </a:cxn>
+              <a:cxn ang="0">
+                <a:pos x="connsiteX3" y="connsiteY3"/>
+              </a:cxn>
+              <a:cxn ang="0">
+                <a:pos x="connsiteX4" y="connsiteY4"/>
+              </a:cxn>
+              <a:cxn ang="0">
+                <a:pos x="connsiteX5" y="connsiteY5"/>
+              </a:cxn>
+            </a:cxnLst>
+            <a:rect l="l" t="t" r="r" b="b"/>
+            <a:pathLst>
+              <a:path w="1565940" h="599245">
+                <a:moveTo>
+                  <a:pt x="782970" y="0"/>
+                </a:moveTo>
+                <a:cubicBezTo>
+                  <a:pt x="1117910" y="0"/>
+                  <a:pt x="1405287" y="198118"/>
+                  <a:pt x="1528042" y="480469"/>
+                </a:cubicBezTo>
+                <a:lnTo>
+                  <a:pt x="1565940" y="599245"/>
+                </a:lnTo>
+                <a:lnTo>
+                  <a:pt x="0" y="599245"/>
+                </a:lnTo>
+                <a:lnTo>
+                  <a:pt x="37898" y="480469"/>
+                </a:lnTo>
+                <a:cubicBezTo>
+                  <a:pt x="160653" y="198118"/>
+                  <a:pt x="448030" y="0"/>
+                  <a:pt x="782970" y="0"/>
+                </a:cubicBezTo>
+                <a:close/>
+              </a:path>
+            </a:pathLst>
+          </a:custGeom>
+          <a:solidFill>
+            <a:schemeClr val="accent2"/>
+          </a:solidFill>
+          <a:ln>
+            <a:noFill/>
+          </a:ln>
+        </p:spPr>
+        <p:style>
+          <a:lnRef idx="2">
+            <a:schemeClr val="accent1">
+              <a:shade val="50000"/>
+            </a:schemeClr>
+          </a:lnRef>
+          <a:fillRef idx="1">
+            <a:schemeClr val="accent1"/>
+          </a:fillRef>
+          <a:effectRef idx="0">
+            <a:schemeClr val="accent1"/>
+          </a:effectRef>
+          <a:fontRef idx="minor">
+            <a:schemeClr val="lt1"/>
+          </a:fontRef>
+        </p:style>
+        <p:txBody>
+          <a:bodyPr wrap="square" rtlCol="0" anchor="ctr">
+            <a:noAutofit/>
+          </a:bodyPr>
+          <a:lstStyle/>
+          <a:p>
+            <a:pPr algn="ctr"/>
+            <a:endParaRPr lang="en-US" dirty="0"/>
+          </a:p>
+        </p:txBody>
+      </p:sp>
+      <p:sp>
+        <p:nvSpPr>
+          <p:cNvPr id="9" name="TextBox 8">
+            <a:extLst>
+              <a:ext uri="{FF2B5EF4-FFF2-40B4-BE49-F238E27FC236}">
+                <a16:creationId xmlns:a16="http://schemas.microsoft.com/office/drawing/2014/main" id="{CE846933-44A4-1B6B-7575-109DA5BCA2F2}"/>
+              </a:ext>
+            </a:extLst>
+          </p:cNvPr>
+          <p:cNvSpPr txBox="1"/>
+          <p:nvPr/>
+        </p:nvSpPr>
+        <p:spPr>
+          <a:xfrm>
+            <a:off x="560948" y="1311420"/>
+            <a:ext cx="11361718" cy="954107"/>
           </a:xfrm>
           <a:prstGeom prst="rect">
             <a:avLst/>
@@ -8820,13 +10334,25 @@
           <a:p>
             <a:pPr algn="ctr"/>
             <a:r>
-              <a:rPr lang="en-AU" sz="2400" b="1" dirty="0">
+              <a:rPr lang="en-AU" sz="2800" b="1" i="0" u="none" strike="noStrike" dirty="0">
+                <a:effectLst/>
                 <a:latin typeface="Arial" panose="020B0604020202020204" pitchFamily="34" charset="0"/>
                 <a:cs typeface="Arial" panose="020B0604020202020204" pitchFamily="34" charset="0"/>
               </a:rPr>
-              <a:t>For universities to fill the skills gap, a strong industry partnership in needed;</a:t>
+              <a:t>Universities and industry are “natural partners” </a:t>
             </a:r>
-            <a:endParaRPr lang="en-US" sz="2400" b="1" dirty="0">
+          </a:p>
+          <a:p>
+            <a:pPr algn="ctr"/>
+            <a:r>
+              <a:rPr lang="en-AU" sz="2800" b="1" i="0" u="none" strike="noStrike" dirty="0">
+                <a:effectLst/>
+                <a:latin typeface="Arial" panose="020B0604020202020204" pitchFamily="34" charset="0"/>
+                <a:cs typeface="Arial" panose="020B0604020202020204" pitchFamily="34" charset="0"/>
+              </a:rPr>
+              <a:t>for bridging the skills gap;</a:t>
+            </a:r>
+            <a:endParaRPr lang="en-US" sz="2800" b="1" dirty="0">
               <a:latin typeface="Arial" panose="020B0604020202020204" pitchFamily="34" charset="0"/>
               <a:cs typeface="Arial" panose="020B0604020202020204" pitchFamily="34" charset="0"/>
             </a:endParaRPr>
@@ -8835,10 +10361,10 @@
       </p:sp>
       <p:sp>
         <p:nvSpPr>
-          <p:cNvPr id="11" name="TextBox 10">
-            <a:extLst>
-              <a:ext uri="{FF2B5EF4-FFF2-40B4-BE49-F238E27FC236}">
-                <a16:creationId xmlns:a16="http://schemas.microsoft.com/office/drawing/2014/main" id="{9B7DD625-C35C-0B3E-B825-A1720F0291D7}"/>
+          <p:cNvPr id="10" name="TextBox 9">
+            <a:extLst>
+              <a:ext uri="{FF2B5EF4-FFF2-40B4-BE49-F238E27FC236}">
+                <a16:creationId xmlns:a16="http://schemas.microsoft.com/office/drawing/2014/main" id="{31DCC32C-1C61-D05F-E2BF-0D4215F48A67}"/>
               </a:ext>
             </a:extLst>
           </p:cNvPr>
@@ -8847,8 +10373,64 @@
         </p:nvSpPr>
         <p:spPr>
           <a:xfrm>
-            <a:off x="1108100" y="4380143"/>
-            <a:ext cx="10004259" cy="830997"/>
+            <a:off x="1084323" y="2820701"/>
+            <a:ext cx="10004259" cy="954107"/>
+          </a:xfrm>
+          <a:prstGeom prst="rect">
+            <a:avLst/>
+          </a:prstGeom>
+          <a:noFill/>
+          <a:ln w="57150">
+            <a:noFill/>
+          </a:ln>
+        </p:spPr>
+        <p:txBody>
+          <a:bodyPr wrap="square">
+            <a:spAutoFit/>
+          </a:bodyPr>
+          <a:lstStyle/>
+          <a:p>
+            <a:pPr algn="ctr"/>
+            <a:r>
+              <a:rPr lang="en-AU" sz="2800" b="1" dirty="0">
+                <a:latin typeface="Arial" panose="020B0604020202020204" pitchFamily="34" charset="0"/>
+                <a:cs typeface="Arial" panose="020B0604020202020204" pitchFamily="34" charset="0"/>
+              </a:rPr>
+              <a:t>For universities to fill the skills gap, </a:t>
+            </a:r>
+          </a:p>
+          <a:p>
+            <a:pPr algn="ctr"/>
+            <a:r>
+              <a:rPr lang="en-AU" sz="2800" b="1" dirty="0">
+                <a:latin typeface="Arial" panose="020B0604020202020204" pitchFamily="34" charset="0"/>
+                <a:cs typeface="Arial" panose="020B0604020202020204" pitchFamily="34" charset="0"/>
+              </a:rPr>
+              <a:t>a strong industry partnership in needed;</a:t>
+            </a:r>
+            <a:endParaRPr lang="en-US" sz="2800" b="1" dirty="0">
+              <a:latin typeface="Arial" panose="020B0604020202020204" pitchFamily="34" charset="0"/>
+              <a:cs typeface="Arial" panose="020B0604020202020204" pitchFamily="34" charset="0"/>
+            </a:endParaRPr>
+          </a:p>
+        </p:txBody>
+      </p:sp>
+      <p:sp>
+        <p:nvSpPr>
+          <p:cNvPr id="11" name="TextBox 10">
+            <a:extLst>
+              <a:ext uri="{FF2B5EF4-FFF2-40B4-BE49-F238E27FC236}">
+                <a16:creationId xmlns:a16="http://schemas.microsoft.com/office/drawing/2014/main" id="{9B7DD625-C35C-0B3E-B825-A1720F0291D7}"/>
+              </a:ext>
+            </a:extLst>
+          </p:cNvPr>
+          <p:cNvSpPr txBox="1"/>
+          <p:nvPr/>
+        </p:nvSpPr>
+        <p:spPr>
+          <a:xfrm>
+            <a:off x="884644" y="4493374"/>
+            <a:ext cx="10714326" cy="954107"/>
           </a:xfrm>
           <a:prstGeom prst="rect">
             <a:avLst/>
@@ -8863,13 +10445,13 @@
           <a:p>
             <a:pPr algn="ctr"/>
             <a:r>
-              <a:rPr lang="en-AU" sz="2400" b="1" dirty="0">
+              <a:rPr lang="en-AU" sz="2800" b="1" dirty="0">
                 <a:latin typeface="Arial" panose="020B0604020202020204" pitchFamily="34" charset="0"/>
                 <a:cs typeface="Arial" panose="020B0604020202020204" pitchFamily="34" charset="0"/>
               </a:rPr>
-              <a:t>University and industry need to share a clear understanding of what needs to come out on the other side</a:t>
+              <a:t>University and industry need to share a clear understanding of what needs to come out on the other side.</a:t>
             </a:r>
-            <a:endParaRPr lang="en-US" sz="2400" b="1" dirty="0">
+            <a:endParaRPr lang="en-US" sz="2800" b="1" dirty="0">
               <a:latin typeface="Arial" panose="020B0604020202020204" pitchFamily="34" charset="0"/>
               <a:cs typeface="Arial" panose="020B0604020202020204" pitchFamily="34" charset="0"/>
             </a:endParaRPr>
@@ -9029,7 +10611,7 @@
 </p:sld>
 </file>
 
-<file path=ppt/slides/slide4.xml><?xml version="1.0" encoding="utf-8"?>
+<file path=ppt/slides/slide5.xml><?xml version="1.0" encoding="utf-8"?>
 <p:sld xmlns:a="http://schemas.openxmlformats.org/drawingml/2006/main" xmlns:r="http://schemas.openxmlformats.org/officeDocument/2006/relationships" xmlns:p="http://schemas.openxmlformats.org/presentationml/2006/main">
   <p:cSld>
     <p:bg>

--- a/ARDC_Skills_Summit_GM.pptx
+++ b/ARDC_Skills_Summit_GM.pptx
@@ -2,7 +2,7 @@
 <file path=ppt/presentation.xml><?xml version="1.0" encoding="utf-8"?>
 <p:presentation xmlns:a="http://schemas.openxmlformats.org/drawingml/2006/main" xmlns:r="http://schemas.openxmlformats.org/officeDocument/2006/relationships" xmlns:p="http://schemas.openxmlformats.org/presentationml/2006/main" saveSubsetFonts="1" autoCompressPictures="0">
   <p:sldMasterIdLst>
-    <p:sldMasterId id="2147483648" r:id="rId1"/>
+    <p:sldMasterId id="2147483660" r:id="rId1"/>
   </p:sldMasterIdLst>
   <p:notesMasterIdLst>
     <p:notesMasterId r:id="rId7"/>
@@ -20,7 +20,7 @@
     <a:defPPr>
       <a:defRPr lang="en-US"/>
     </a:defPPr>
-    <a:lvl1pPr marL="0" algn="l" defTabSz="914400" rtl="0" eaLnBrk="1" latinLnBrk="0" hangingPunct="1">
+    <a:lvl1pPr marL="0" algn="l" defTabSz="457200" rtl="0" eaLnBrk="1" latinLnBrk="0" hangingPunct="1">
       <a:defRPr sz="1800" kern="1200">
         <a:solidFill>
           <a:schemeClr val="tx1"/>
@@ -30,7 +30,7 @@
         <a:cs typeface="+mn-cs"/>
       </a:defRPr>
     </a:lvl1pPr>
-    <a:lvl2pPr marL="457200" algn="l" defTabSz="914400" rtl="0" eaLnBrk="1" latinLnBrk="0" hangingPunct="1">
+    <a:lvl2pPr marL="457200" algn="l" defTabSz="457200" rtl="0" eaLnBrk="1" latinLnBrk="0" hangingPunct="1">
       <a:defRPr sz="1800" kern="1200">
         <a:solidFill>
           <a:schemeClr val="tx1"/>
@@ -40,7 +40,7 @@
         <a:cs typeface="+mn-cs"/>
       </a:defRPr>
     </a:lvl2pPr>
-    <a:lvl3pPr marL="914400" algn="l" defTabSz="914400" rtl="0" eaLnBrk="1" latinLnBrk="0" hangingPunct="1">
+    <a:lvl3pPr marL="914400" algn="l" defTabSz="457200" rtl="0" eaLnBrk="1" latinLnBrk="0" hangingPunct="1">
       <a:defRPr sz="1800" kern="1200">
         <a:solidFill>
           <a:schemeClr val="tx1"/>
@@ -50,7 +50,7 @@
         <a:cs typeface="+mn-cs"/>
       </a:defRPr>
     </a:lvl3pPr>
-    <a:lvl4pPr marL="1371600" algn="l" defTabSz="914400" rtl="0" eaLnBrk="1" latinLnBrk="0" hangingPunct="1">
+    <a:lvl4pPr marL="1371600" algn="l" defTabSz="457200" rtl="0" eaLnBrk="1" latinLnBrk="0" hangingPunct="1">
       <a:defRPr sz="1800" kern="1200">
         <a:solidFill>
           <a:schemeClr val="tx1"/>
@@ -60,7 +60,7 @@
         <a:cs typeface="+mn-cs"/>
       </a:defRPr>
     </a:lvl4pPr>
-    <a:lvl5pPr marL="1828800" algn="l" defTabSz="914400" rtl="0" eaLnBrk="1" latinLnBrk="0" hangingPunct="1">
+    <a:lvl5pPr marL="1828800" algn="l" defTabSz="457200" rtl="0" eaLnBrk="1" latinLnBrk="0" hangingPunct="1">
       <a:defRPr sz="1800" kern="1200">
         <a:solidFill>
           <a:schemeClr val="tx1"/>
@@ -70,7 +70,7 @@
         <a:cs typeface="+mn-cs"/>
       </a:defRPr>
     </a:lvl5pPr>
-    <a:lvl6pPr marL="2286000" algn="l" defTabSz="914400" rtl="0" eaLnBrk="1" latinLnBrk="0" hangingPunct="1">
+    <a:lvl6pPr marL="2286000" algn="l" defTabSz="457200" rtl="0" eaLnBrk="1" latinLnBrk="0" hangingPunct="1">
       <a:defRPr sz="1800" kern="1200">
         <a:solidFill>
           <a:schemeClr val="tx1"/>
@@ -80,7 +80,7 @@
         <a:cs typeface="+mn-cs"/>
       </a:defRPr>
     </a:lvl6pPr>
-    <a:lvl7pPr marL="2743200" algn="l" defTabSz="914400" rtl="0" eaLnBrk="1" latinLnBrk="0" hangingPunct="1">
+    <a:lvl7pPr marL="2743200" algn="l" defTabSz="457200" rtl="0" eaLnBrk="1" latinLnBrk="0" hangingPunct="1">
       <a:defRPr sz="1800" kern="1200">
         <a:solidFill>
           <a:schemeClr val="tx1"/>
@@ -90,7 +90,7 @@
         <a:cs typeface="+mn-cs"/>
       </a:defRPr>
     </a:lvl7pPr>
-    <a:lvl8pPr marL="3200400" algn="l" defTabSz="914400" rtl="0" eaLnBrk="1" latinLnBrk="0" hangingPunct="1">
+    <a:lvl8pPr marL="3200400" algn="l" defTabSz="457200" rtl="0" eaLnBrk="1" latinLnBrk="0" hangingPunct="1">
       <a:defRPr sz="1800" kern="1200">
         <a:solidFill>
           <a:schemeClr val="tx1"/>
@@ -100,7 +100,7 @@
         <a:cs typeface="+mn-cs"/>
       </a:defRPr>
     </a:lvl8pPr>
-    <a:lvl9pPr marL="3657600" algn="l" defTabSz="914400" rtl="0" eaLnBrk="1" latinLnBrk="0" hangingPunct="1">
+    <a:lvl9pPr marL="3657600" algn="l" defTabSz="457200" rtl="0" eaLnBrk="1" latinLnBrk="0" hangingPunct="1">
       <a:defRPr sz="1800" kern="1200">
         <a:solidFill>
           <a:schemeClr val="tx1"/>
@@ -201,7 +201,7 @@
           <a:p>
             <a:fld id="{896B3550-5FCA-7648-836C-1C1168E430A4}" type="datetimeFigureOut">
               <a:rPr lang="en-US" smtClean="0"/>
-              <a:t>2/8/23</a:t>
+              <a:t>2/9/23</a:t>
             </a:fld>
             <a:endParaRPr lang="en-US"/>
           </a:p>
@@ -908,13 +908,7 @@
       </p:grpSpPr>
       <p:sp>
         <p:nvSpPr>
-          <p:cNvPr id="2" name="Title 1">
-            <a:extLst>
-              <a:ext uri="{FF2B5EF4-FFF2-40B4-BE49-F238E27FC236}">
-                <a16:creationId xmlns:a16="http://schemas.microsoft.com/office/drawing/2014/main" id="{81C7610B-53E9-B608-D6B1-5C32B2654567}"/>
-              </a:ext>
-            </a:extLst>
-          </p:cNvPr>
+          <p:cNvPr id="2" name="Title 1"/>
           <p:cNvSpPr>
             <a:spLocks noGrp="1"/>
           </p:cNvSpPr>
@@ -940,19 +934,13 @@
               <a:rPr lang="en-GB"/>
               <a:t>Click to edit Master title style</a:t>
             </a:r>
-            <a:endParaRPr lang="en-US"/>
-          </a:p>
-        </p:txBody>
-      </p:sp>
-      <p:sp>
-        <p:nvSpPr>
-          <p:cNvPr id="3" name="Subtitle 2">
-            <a:extLst>
-              <a:ext uri="{FF2B5EF4-FFF2-40B4-BE49-F238E27FC236}">
-                <a16:creationId xmlns:a16="http://schemas.microsoft.com/office/drawing/2014/main" id="{6F0BB598-ECF4-C90C-C373-2C75596B26E8}"/>
-              </a:ext>
-            </a:extLst>
-          </p:cNvPr>
+            <a:endParaRPr lang="en-US" dirty="0"/>
+          </a:p>
+        </p:txBody>
+      </p:sp>
+      <p:sp>
+        <p:nvSpPr>
+          <p:cNvPr id="3" name="Subtitle 2"/>
           <p:cNvSpPr>
             <a:spLocks noGrp="1"/>
           </p:cNvSpPr>
@@ -1011,19 +999,13 @@
               <a:rPr lang="en-GB"/>
               <a:t>Click to edit Master subtitle style</a:t>
             </a:r>
-            <a:endParaRPr lang="en-US"/>
-          </a:p>
-        </p:txBody>
-      </p:sp>
-      <p:sp>
-        <p:nvSpPr>
-          <p:cNvPr id="4" name="Date Placeholder 3">
-            <a:extLst>
-              <a:ext uri="{FF2B5EF4-FFF2-40B4-BE49-F238E27FC236}">
-                <a16:creationId xmlns:a16="http://schemas.microsoft.com/office/drawing/2014/main" id="{2465B2B7-153E-82EE-7A21-3AED9B3E505E}"/>
-              </a:ext>
-            </a:extLst>
-          </p:cNvPr>
+            <a:endParaRPr lang="en-US" dirty="0"/>
+          </a:p>
+        </p:txBody>
+      </p:sp>
+      <p:sp>
+        <p:nvSpPr>
+          <p:cNvPr id="4" name="Date Placeholder 3"/>
           <p:cNvSpPr>
             <a:spLocks noGrp="1"/>
           </p:cNvSpPr>
@@ -1038,7 +1020,7 @@
           <a:p>
             <a:fld id="{5C2B7263-6268-194D-A416-77473944E13B}" type="datetimeFigureOut">
               <a:rPr lang="en-US" smtClean="0"/>
-              <a:t>2/8/23</a:t>
+              <a:t>2/9/23</a:t>
             </a:fld>
             <a:endParaRPr lang="en-US"/>
           </a:p>
@@ -1046,13 +1028,7 @@
       </p:sp>
       <p:sp>
         <p:nvSpPr>
-          <p:cNvPr id="5" name="Footer Placeholder 4">
-            <a:extLst>
-              <a:ext uri="{FF2B5EF4-FFF2-40B4-BE49-F238E27FC236}">
-                <a16:creationId xmlns:a16="http://schemas.microsoft.com/office/drawing/2014/main" id="{FB61A241-100E-E516-EA07-B30BA8BBBCF5}"/>
-              </a:ext>
-            </a:extLst>
-          </p:cNvPr>
+          <p:cNvPr id="5" name="Footer Placeholder 4"/>
           <p:cNvSpPr>
             <a:spLocks noGrp="1"/>
           </p:cNvSpPr>
@@ -1071,13 +1047,7 @@
       </p:sp>
       <p:sp>
         <p:nvSpPr>
-          <p:cNvPr id="6" name="Slide Number Placeholder 5">
-            <a:extLst>
-              <a:ext uri="{FF2B5EF4-FFF2-40B4-BE49-F238E27FC236}">
-                <a16:creationId xmlns:a16="http://schemas.microsoft.com/office/drawing/2014/main" id="{27DFAEEF-6925-E735-F688-ACC5E6A0094D}"/>
-              </a:ext>
-            </a:extLst>
-          </p:cNvPr>
+          <p:cNvPr id="6" name="Slide Number Placeholder 5"/>
           <p:cNvSpPr>
             <a:spLocks noGrp="1"/>
           </p:cNvSpPr>
@@ -1101,7 +1071,7 @@
     </p:spTree>
     <p:extLst>
       <p:ext uri="{BB962C8B-B14F-4D97-AF65-F5344CB8AC3E}">
-        <p14:creationId xmlns:p14="http://schemas.microsoft.com/office/powerpoint/2010/main" val="2568886736"/>
+        <p14:creationId xmlns:p14="http://schemas.microsoft.com/office/powerpoint/2010/main" val="1185468432"/>
       </p:ext>
     </p:extLst>
   </p:cSld>
@@ -1130,13 +1100,7 @@
       </p:grpSpPr>
       <p:sp>
         <p:nvSpPr>
-          <p:cNvPr id="2" name="Title 1">
-            <a:extLst>
-              <a:ext uri="{FF2B5EF4-FFF2-40B4-BE49-F238E27FC236}">
-                <a16:creationId xmlns:a16="http://schemas.microsoft.com/office/drawing/2014/main" id="{3752F9A4-FA0C-CF1F-65D6-88039A1B8E03}"/>
-              </a:ext>
-            </a:extLst>
-          </p:cNvPr>
+          <p:cNvPr id="2" name="Title 1"/>
           <p:cNvSpPr>
             <a:spLocks noGrp="1"/>
           </p:cNvSpPr>
@@ -1153,19 +1117,13 @@
               <a:rPr lang="en-GB"/>
               <a:t>Click to edit Master title style</a:t>
             </a:r>
-            <a:endParaRPr lang="en-US"/>
-          </a:p>
-        </p:txBody>
-      </p:sp>
-      <p:sp>
-        <p:nvSpPr>
-          <p:cNvPr id="3" name="Vertical Text Placeholder 2">
-            <a:extLst>
-              <a:ext uri="{FF2B5EF4-FFF2-40B4-BE49-F238E27FC236}">
-                <a16:creationId xmlns:a16="http://schemas.microsoft.com/office/drawing/2014/main" id="{C890F29D-F53F-D079-97CC-686574DA1466}"/>
-              </a:ext>
-            </a:extLst>
-          </p:cNvPr>
+            <a:endParaRPr lang="en-US" dirty="0"/>
+          </a:p>
+        </p:txBody>
+      </p:sp>
+      <p:sp>
+        <p:nvSpPr>
+          <p:cNvPr id="3" name="Vertical Text Placeholder 2"/>
           <p:cNvSpPr>
             <a:spLocks noGrp="1"/>
           </p:cNvSpPr>
@@ -1211,19 +1169,13 @@
               <a:rPr lang="en-GB"/>
               <a:t>Fifth level</a:t>
             </a:r>
-            <a:endParaRPr lang="en-US"/>
-          </a:p>
-        </p:txBody>
-      </p:sp>
-      <p:sp>
-        <p:nvSpPr>
-          <p:cNvPr id="4" name="Date Placeholder 3">
-            <a:extLst>
-              <a:ext uri="{FF2B5EF4-FFF2-40B4-BE49-F238E27FC236}">
-                <a16:creationId xmlns:a16="http://schemas.microsoft.com/office/drawing/2014/main" id="{B470D19A-C90D-A042-D752-0B960C25C996}"/>
-              </a:ext>
-            </a:extLst>
-          </p:cNvPr>
+            <a:endParaRPr lang="en-US" dirty="0"/>
+          </a:p>
+        </p:txBody>
+      </p:sp>
+      <p:sp>
+        <p:nvSpPr>
+          <p:cNvPr id="4" name="Date Placeholder 3"/>
           <p:cNvSpPr>
             <a:spLocks noGrp="1"/>
           </p:cNvSpPr>
@@ -1238,7 +1190,7 @@
           <a:p>
             <a:fld id="{5C2B7263-6268-194D-A416-77473944E13B}" type="datetimeFigureOut">
               <a:rPr lang="en-US" smtClean="0"/>
-              <a:t>2/8/23</a:t>
+              <a:t>2/9/23</a:t>
             </a:fld>
             <a:endParaRPr lang="en-US"/>
           </a:p>
@@ -1246,13 +1198,7 @@
       </p:sp>
       <p:sp>
         <p:nvSpPr>
-          <p:cNvPr id="5" name="Footer Placeholder 4">
-            <a:extLst>
-              <a:ext uri="{FF2B5EF4-FFF2-40B4-BE49-F238E27FC236}">
-                <a16:creationId xmlns:a16="http://schemas.microsoft.com/office/drawing/2014/main" id="{7C50C437-5D06-ED5F-D177-6A75381148B1}"/>
-              </a:ext>
-            </a:extLst>
-          </p:cNvPr>
+          <p:cNvPr id="5" name="Footer Placeholder 4"/>
           <p:cNvSpPr>
             <a:spLocks noGrp="1"/>
           </p:cNvSpPr>
@@ -1271,13 +1217,7 @@
       </p:sp>
       <p:sp>
         <p:nvSpPr>
-          <p:cNvPr id="6" name="Slide Number Placeholder 5">
-            <a:extLst>
-              <a:ext uri="{FF2B5EF4-FFF2-40B4-BE49-F238E27FC236}">
-                <a16:creationId xmlns:a16="http://schemas.microsoft.com/office/drawing/2014/main" id="{E9345E17-5BF0-67AD-F6F6-82626397859B}"/>
-              </a:ext>
-            </a:extLst>
-          </p:cNvPr>
+          <p:cNvPr id="6" name="Slide Number Placeholder 5"/>
           <p:cNvSpPr>
             <a:spLocks noGrp="1"/>
           </p:cNvSpPr>
@@ -1301,7 +1241,7 @@
     </p:spTree>
     <p:extLst>
       <p:ext uri="{BB962C8B-B14F-4D97-AF65-F5344CB8AC3E}">
-        <p14:creationId xmlns:p14="http://schemas.microsoft.com/office/powerpoint/2010/main" val="1948019153"/>
+        <p14:creationId xmlns:p14="http://schemas.microsoft.com/office/powerpoint/2010/main" val="4270901690"/>
       </p:ext>
     </p:extLst>
   </p:cSld>
@@ -1330,13 +1270,7 @@
       </p:grpSpPr>
       <p:sp>
         <p:nvSpPr>
-          <p:cNvPr id="2" name="Vertical Title 1">
-            <a:extLst>
-              <a:ext uri="{FF2B5EF4-FFF2-40B4-BE49-F238E27FC236}">
-                <a16:creationId xmlns:a16="http://schemas.microsoft.com/office/drawing/2014/main" id="{B3416264-DE8A-069B-5FF8-BCD39BDE294B}"/>
-              </a:ext>
-            </a:extLst>
-          </p:cNvPr>
+          <p:cNvPr id="2" name="Vertical Title 1"/>
           <p:cNvSpPr>
             <a:spLocks noGrp="1"/>
           </p:cNvSpPr>
@@ -1358,19 +1292,13 @@
               <a:rPr lang="en-GB"/>
               <a:t>Click to edit Master title style</a:t>
             </a:r>
-            <a:endParaRPr lang="en-US"/>
-          </a:p>
-        </p:txBody>
-      </p:sp>
-      <p:sp>
-        <p:nvSpPr>
-          <p:cNvPr id="3" name="Vertical Text Placeholder 2">
-            <a:extLst>
-              <a:ext uri="{FF2B5EF4-FFF2-40B4-BE49-F238E27FC236}">
-                <a16:creationId xmlns:a16="http://schemas.microsoft.com/office/drawing/2014/main" id="{F4A0C643-230E-4D24-C4AD-A55B65056234}"/>
-              </a:ext>
-            </a:extLst>
-          </p:cNvPr>
+            <a:endParaRPr lang="en-US" dirty="0"/>
+          </a:p>
+        </p:txBody>
+      </p:sp>
+      <p:sp>
+        <p:nvSpPr>
+          <p:cNvPr id="3" name="Vertical Text Placeholder 2"/>
           <p:cNvSpPr>
             <a:spLocks noGrp="1"/>
           </p:cNvSpPr>
@@ -1421,19 +1349,13 @@
               <a:rPr lang="en-GB"/>
               <a:t>Fifth level</a:t>
             </a:r>
-            <a:endParaRPr lang="en-US"/>
-          </a:p>
-        </p:txBody>
-      </p:sp>
-      <p:sp>
-        <p:nvSpPr>
-          <p:cNvPr id="4" name="Date Placeholder 3">
-            <a:extLst>
-              <a:ext uri="{FF2B5EF4-FFF2-40B4-BE49-F238E27FC236}">
-                <a16:creationId xmlns:a16="http://schemas.microsoft.com/office/drawing/2014/main" id="{601CB6C2-800D-2A21-B713-DAC91654D0EA}"/>
-              </a:ext>
-            </a:extLst>
-          </p:cNvPr>
+            <a:endParaRPr lang="en-US" dirty="0"/>
+          </a:p>
+        </p:txBody>
+      </p:sp>
+      <p:sp>
+        <p:nvSpPr>
+          <p:cNvPr id="4" name="Date Placeholder 3"/>
           <p:cNvSpPr>
             <a:spLocks noGrp="1"/>
           </p:cNvSpPr>
@@ -1448,7 +1370,7 @@
           <a:p>
             <a:fld id="{5C2B7263-6268-194D-A416-77473944E13B}" type="datetimeFigureOut">
               <a:rPr lang="en-US" smtClean="0"/>
-              <a:t>2/8/23</a:t>
+              <a:t>2/9/23</a:t>
             </a:fld>
             <a:endParaRPr lang="en-US"/>
           </a:p>
@@ -1456,13 +1378,7 @@
       </p:sp>
       <p:sp>
         <p:nvSpPr>
-          <p:cNvPr id="5" name="Footer Placeholder 4">
-            <a:extLst>
-              <a:ext uri="{FF2B5EF4-FFF2-40B4-BE49-F238E27FC236}">
-                <a16:creationId xmlns:a16="http://schemas.microsoft.com/office/drawing/2014/main" id="{F925B854-C497-69AC-CC63-51A2580685FB}"/>
-              </a:ext>
-            </a:extLst>
-          </p:cNvPr>
+          <p:cNvPr id="5" name="Footer Placeholder 4"/>
           <p:cNvSpPr>
             <a:spLocks noGrp="1"/>
           </p:cNvSpPr>
@@ -1481,13 +1397,7 @@
       </p:sp>
       <p:sp>
         <p:nvSpPr>
-          <p:cNvPr id="6" name="Slide Number Placeholder 5">
-            <a:extLst>
-              <a:ext uri="{FF2B5EF4-FFF2-40B4-BE49-F238E27FC236}">
-                <a16:creationId xmlns:a16="http://schemas.microsoft.com/office/drawing/2014/main" id="{0FE302F0-FAB8-91D1-6BF4-825980E23C4C}"/>
-              </a:ext>
-            </a:extLst>
-          </p:cNvPr>
+          <p:cNvPr id="6" name="Slide Number Placeholder 5"/>
           <p:cNvSpPr>
             <a:spLocks noGrp="1"/>
           </p:cNvSpPr>
@@ -1511,7 +1421,7 @@
     </p:spTree>
     <p:extLst>
       <p:ext uri="{BB962C8B-B14F-4D97-AF65-F5344CB8AC3E}">
-        <p14:creationId xmlns:p14="http://schemas.microsoft.com/office/powerpoint/2010/main" val="2234589895"/>
+        <p14:creationId xmlns:p14="http://schemas.microsoft.com/office/powerpoint/2010/main" val="1849034785"/>
       </p:ext>
     </p:extLst>
   </p:cSld>
@@ -1540,13 +1450,7 @@
       </p:grpSpPr>
       <p:sp>
         <p:nvSpPr>
-          <p:cNvPr id="2" name="Title 1">
-            <a:extLst>
-              <a:ext uri="{FF2B5EF4-FFF2-40B4-BE49-F238E27FC236}">
-                <a16:creationId xmlns:a16="http://schemas.microsoft.com/office/drawing/2014/main" id="{9E9506E0-8FD0-FB9D-3D84-FB03F20143A4}"/>
-              </a:ext>
-            </a:extLst>
-          </p:cNvPr>
+          <p:cNvPr id="2" name="Title 1"/>
           <p:cNvSpPr>
             <a:spLocks noGrp="1"/>
           </p:cNvSpPr>
@@ -1563,19 +1467,13 @@
               <a:rPr lang="en-GB"/>
               <a:t>Click to edit Master title style</a:t>
             </a:r>
-            <a:endParaRPr lang="en-US"/>
-          </a:p>
-        </p:txBody>
-      </p:sp>
-      <p:sp>
-        <p:nvSpPr>
-          <p:cNvPr id="3" name="Content Placeholder 2">
-            <a:extLst>
-              <a:ext uri="{FF2B5EF4-FFF2-40B4-BE49-F238E27FC236}">
-                <a16:creationId xmlns:a16="http://schemas.microsoft.com/office/drawing/2014/main" id="{17DD9C37-0850-8014-600B-8A43E435BBF0}"/>
-              </a:ext>
-            </a:extLst>
-          </p:cNvPr>
+            <a:endParaRPr lang="en-US" dirty="0"/>
+          </a:p>
+        </p:txBody>
+      </p:sp>
+      <p:sp>
+        <p:nvSpPr>
+          <p:cNvPr id="3" name="Content Placeholder 2"/>
           <p:cNvSpPr>
             <a:spLocks noGrp="1"/>
           </p:cNvSpPr>
@@ -1621,19 +1519,13 @@
               <a:rPr lang="en-GB"/>
               <a:t>Fifth level</a:t>
             </a:r>
-            <a:endParaRPr lang="en-US"/>
-          </a:p>
-        </p:txBody>
-      </p:sp>
-      <p:sp>
-        <p:nvSpPr>
-          <p:cNvPr id="4" name="Date Placeholder 3">
-            <a:extLst>
-              <a:ext uri="{FF2B5EF4-FFF2-40B4-BE49-F238E27FC236}">
-                <a16:creationId xmlns:a16="http://schemas.microsoft.com/office/drawing/2014/main" id="{9D15A427-8E6D-274F-BBB2-1D9CA11D9CD8}"/>
-              </a:ext>
-            </a:extLst>
-          </p:cNvPr>
+            <a:endParaRPr lang="en-US" dirty="0"/>
+          </a:p>
+        </p:txBody>
+      </p:sp>
+      <p:sp>
+        <p:nvSpPr>
+          <p:cNvPr id="4" name="Date Placeholder 3"/>
           <p:cNvSpPr>
             <a:spLocks noGrp="1"/>
           </p:cNvSpPr>
@@ -1648,7 +1540,7 @@
           <a:p>
             <a:fld id="{5C2B7263-6268-194D-A416-77473944E13B}" type="datetimeFigureOut">
               <a:rPr lang="en-US" smtClean="0"/>
-              <a:t>2/8/23</a:t>
+              <a:t>2/9/23</a:t>
             </a:fld>
             <a:endParaRPr lang="en-US"/>
           </a:p>
@@ -1656,13 +1548,7 @@
       </p:sp>
       <p:sp>
         <p:nvSpPr>
-          <p:cNvPr id="5" name="Footer Placeholder 4">
-            <a:extLst>
-              <a:ext uri="{FF2B5EF4-FFF2-40B4-BE49-F238E27FC236}">
-                <a16:creationId xmlns:a16="http://schemas.microsoft.com/office/drawing/2014/main" id="{8F70965A-7894-3E08-EF3E-8D24D3544242}"/>
-              </a:ext>
-            </a:extLst>
-          </p:cNvPr>
+          <p:cNvPr id="5" name="Footer Placeholder 4"/>
           <p:cNvSpPr>
             <a:spLocks noGrp="1"/>
           </p:cNvSpPr>
@@ -1681,13 +1567,7 @@
       </p:sp>
       <p:sp>
         <p:nvSpPr>
-          <p:cNvPr id="6" name="Slide Number Placeholder 5">
-            <a:extLst>
-              <a:ext uri="{FF2B5EF4-FFF2-40B4-BE49-F238E27FC236}">
-                <a16:creationId xmlns:a16="http://schemas.microsoft.com/office/drawing/2014/main" id="{6BE5BEEA-9411-FEA5-4AC6-7E86B0737E03}"/>
-              </a:ext>
-            </a:extLst>
-          </p:cNvPr>
+          <p:cNvPr id="6" name="Slide Number Placeholder 5"/>
           <p:cNvSpPr>
             <a:spLocks noGrp="1"/>
           </p:cNvSpPr>
@@ -1711,7 +1591,7 @@
     </p:spTree>
     <p:extLst>
       <p:ext uri="{BB962C8B-B14F-4D97-AF65-F5344CB8AC3E}">
-        <p14:creationId xmlns:p14="http://schemas.microsoft.com/office/powerpoint/2010/main" val="3125175172"/>
+        <p14:creationId xmlns:p14="http://schemas.microsoft.com/office/powerpoint/2010/main" val="78189847"/>
       </p:ext>
     </p:extLst>
   </p:cSld>
@@ -1740,13 +1620,7 @@
       </p:grpSpPr>
       <p:sp>
         <p:nvSpPr>
-          <p:cNvPr id="2" name="Title 1">
-            <a:extLst>
-              <a:ext uri="{FF2B5EF4-FFF2-40B4-BE49-F238E27FC236}">
-                <a16:creationId xmlns:a16="http://schemas.microsoft.com/office/drawing/2014/main" id="{155B85F5-7B62-022E-6A60-9D568FAD7AE1}"/>
-              </a:ext>
-            </a:extLst>
-          </p:cNvPr>
+          <p:cNvPr id="2" name="Title 1"/>
           <p:cNvSpPr>
             <a:spLocks noGrp="1"/>
           </p:cNvSpPr>
@@ -1772,19 +1646,13 @@
               <a:rPr lang="en-GB"/>
               <a:t>Click to edit Master title style</a:t>
             </a:r>
-            <a:endParaRPr lang="en-US"/>
-          </a:p>
-        </p:txBody>
-      </p:sp>
-      <p:sp>
-        <p:nvSpPr>
-          <p:cNvPr id="3" name="Text Placeholder 2">
-            <a:extLst>
-              <a:ext uri="{FF2B5EF4-FFF2-40B4-BE49-F238E27FC236}">
-                <a16:creationId xmlns:a16="http://schemas.microsoft.com/office/drawing/2014/main" id="{3C5B0C91-0475-8D9A-8D35-0CC6F08653C6}"/>
-              </a:ext>
-            </a:extLst>
-          </p:cNvPr>
+            <a:endParaRPr lang="en-US" dirty="0"/>
+          </a:p>
+        </p:txBody>
+      </p:sp>
+      <p:sp>
+        <p:nvSpPr>
+          <p:cNvPr id="3" name="Text Placeholder 2"/>
           <p:cNvSpPr>
             <a:spLocks noGrp="1"/>
           </p:cNvSpPr>
@@ -1903,13 +1771,7 @@
       </p:sp>
       <p:sp>
         <p:nvSpPr>
-          <p:cNvPr id="4" name="Date Placeholder 3">
-            <a:extLst>
-              <a:ext uri="{FF2B5EF4-FFF2-40B4-BE49-F238E27FC236}">
-                <a16:creationId xmlns:a16="http://schemas.microsoft.com/office/drawing/2014/main" id="{558C0930-4F57-CA86-EE7E-63FEE704D99F}"/>
-              </a:ext>
-            </a:extLst>
-          </p:cNvPr>
+          <p:cNvPr id="4" name="Date Placeholder 3"/>
           <p:cNvSpPr>
             <a:spLocks noGrp="1"/>
           </p:cNvSpPr>
@@ -1924,7 +1786,7 @@
           <a:p>
             <a:fld id="{5C2B7263-6268-194D-A416-77473944E13B}" type="datetimeFigureOut">
               <a:rPr lang="en-US" smtClean="0"/>
-              <a:t>2/8/23</a:t>
+              <a:t>2/9/23</a:t>
             </a:fld>
             <a:endParaRPr lang="en-US"/>
           </a:p>
@@ -1932,13 +1794,7 @@
       </p:sp>
       <p:sp>
         <p:nvSpPr>
-          <p:cNvPr id="5" name="Footer Placeholder 4">
-            <a:extLst>
-              <a:ext uri="{FF2B5EF4-FFF2-40B4-BE49-F238E27FC236}">
-                <a16:creationId xmlns:a16="http://schemas.microsoft.com/office/drawing/2014/main" id="{4B36BEF7-57D5-7C00-D4FC-42DA6407906D}"/>
-              </a:ext>
-            </a:extLst>
-          </p:cNvPr>
+          <p:cNvPr id="5" name="Footer Placeholder 4"/>
           <p:cNvSpPr>
             <a:spLocks noGrp="1"/>
           </p:cNvSpPr>
@@ -1957,13 +1813,7 @@
       </p:sp>
       <p:sp>
         <p:nvSpPr>
-          <p:cNvPr id="6" name="Slide Number Placeholder 5">
-            <a:extLst>
-              <a:ext uri="{FF2B5EF4-FFF2-40B4-BE49-F238E27FC236}">
-                <a16:creationId xmlns:a16="http://schemas.microsoft.com/office/drawing/2014/main" id="{056ACAEB-D9FA-7915-82D2-767B71A281C6}"/>
-              </a:ext>
-            </a:extLst>
-          </p:cNvPr>
+          <p:cNvPr id="6" name="Slide Number Placeholder 5"/>
           <p:cNvSpPr>
             <a:spLocks noGrp="1"/>
           </p:cNvSpPr>
@@ -1987,7 +1837,7 @@
     </p:spTree>
     <p:extLst>
       <p:ext uri="{BB962C8B-B14F-4D97-AF65-F5344CB8AC3E}">
-        <p14:creationId xmlns:p14="http://schemas.microsoft.com/office/powerpoint/2010/main" val="2830602257"/>
+        <p14:creationId xmlns:p14="http://schemas.microsoft.com/office/powerpoint/2010/main" val="1081444164"/>
       </p:ext>
     </p:extLst>
   </p:cSld>
@@ -2016,13 +1866,7 @@
       </p:grpSpPr>
       <p:sp>
         <p:nvSpPr>
-          <p:cNvPr id="2" name="Title 1">
-            <a:extLst>
-              <a:ext uri="{FF2B5EF4-FFF2-40B4-BE49-F238E27FC236}">
-                <a16:creationId xmlns:a16="http://schemas.microsoft.com/office/drawing/2014/main" id="{E1E43BC5-309F-9BF9-E2D7-DFF3D75B656B}"/>
-              </a:ext>
-            </a:extLst>
-          </p:cNvPr>
+          <p:cNvPr id="2" name="Title 1"/>
           <p:cNvSpPr>
             <a:spLocks noGrp="1"/>
           </p:cNvSpPr>
@@ -2039,19 +1883,13 @@
               <a:rPr lang="en-GB"/>
               <a:t>Click to edit Master title style</a:t>
             </a:r>
-            <a:endParaRPr lang="en-US"/>
-          </a:p>
-        </p:txBody>
-      </p:sp>
-      <p:sp>
-        <p:nvSpPr>
-          <p:cNvPr id="3" name="Content Placeholder 2">
-            <a:extLst>
-              <a:ext uri="{FF2B5EF4-FFF2-40B4-BE49-F238E27FC236}">
-                <a16:creationId xmlns:a16="http://schemas.microsoft.com/office/drawing/2014/main" id="{F9D6400A-4893-7996-A387-1B7EF3096C9D}"/>
-              </a:ext>
-            </a:extLst>
-          </p:cNvPr>
+            <a:endParaRPr lang="en-US" dirty="0"/>
+          </a:p>
+        </p:txBody>
+      </p:sp>
+      <p:sp>
+        <p:nvSpPr>
+          <p:cNvPr id="3" name="Content Placeholder 2"/>
           <p:cNvSpPr>
             <a:spLocks noGrp="1"/>
           </p:cNvSpPr>
@@ -2102,19 +1940,13 @@
               <a:rPr lang="en-GB"/>
               <a:t>Fifth level</a:t>
             </a:r>
-            <a:endParaRPr lang="en-US"/>
-          </a:p>
-        </p:txBody>
-      </p:sp>
-      <p:sp>
-        <p:nvSpPr>
-          <p:cNvPr id="4" name="Content Placeholder 3">
-            <a:extLst>
-              <a:ext uri="{FF2B5EF4-FFF2-40B4-BE49-F238E27FC236}">
-                <a16:creationId xmlns:a16="http://schemas.microsoft.com/office/drawing/2014/main" id="{411A4E3D-1421-2208-A765-72E1145663AE}"/>
-              </a:ext>
-            </a:extLst>
-          </p:cNvPr>
+            <a:endParaRPr lang="en-US" dirty="0"/>
+          </a:p>
+        </p:txBody>
+      </p:sp>
+      <p:sp>
+        <p:nvSpPr>
+          <p:cNvPr id="4" name="Content Placeholder 3"/>
           <p:cNvSpPr>
             <a:spLocks noGrp="1"/>
           </p:cNvSpPr>
@@ -2165,19 +1997,13 @@
               <a:rPr lang="en-GB"/>
               <a:t>Fifth level</a:t>
             </a:r>
-            <a:endParaRPr lang="en-US"/>
-          </a:p>
-        </p:txBody>
-      </p:sp>
-      <p:sp>
-        <p:nvSpPr>
-          <p:cNvPr id="5" name="Date Placeholder 4">
-            <a:extLst>
-              <a:ext uri="{FF2B5EF4-FFF2-40B4-BE49-F238E27FC236}">
-                <a16:creationId xmlns:a16="http://schemas.microsoft.com/office/drawing/2014/main" id="{9E634FC6-341C-29F4-23D9-4EB057FC0FC7}"/>
-              </a:ext>
-            </a:extLst>
-          </p:cNvPr>
+            <a:endParaRPr lang="en-US" dirty="0"/>
+          </a:p>
+        </p:txBody>
+      </p:sp>
+      <p:sp>
+        <p:nvSpPr>
+          <p:cNvPr id="5" name="Date Placeholder 4"/>
           <p:cNvSpPr>
             <a:spLocks noGrp="1"/>
           </p:cNvSpPr>
@@ -2192,7 +2018,7 @@
           <a:p>
             <a:fld id="{5C2B7263-6268-194D-A416-77473944E13B}" type="datetimeFigureOut">
               <a:rPr lang="en-US" smtClean="0"/>
-              <a:t>2/8/23</a:t>
+              <a:t>2/9/23</a:t>
             </a:fld>
             <a:endParaRPr lang="en-US"/>
           </a:p>
@@ -2200,13 +2026,7 @@
       </p:sp>
       <p:sp>
         <p:nvSpPr>
-          <p:cNvPr id="6" name="Footer Placeholder 5">
-            <a:extLst>
-              <a:ext uri="{FF2B5EF4-FFF2-40B4-BE49-F238E27FC236}">
-                <a16:creationId xmlns:a16="http://schemas.microsoft.com/office/drawing/2014/main" id="{7F677864-AACC-6BDE-6DEB-4AE1AC8CE807}"/>
-              </a:ext>
-            </a:extLst>
-          </p:cNvPr>
+          <p:cNvPr id="6" name="Footer Placeholder 5"/>
           <p:cNvSpPr>
             <a:spLocks noGrp="1"/>
           </p:cNvSpPr>
@@ -2225,13 +2045,7 @@
       </p:sp>
       <p:sp>
         <p:nvSpPr>
-          <p:cNvPr id="7" name="Slide Number Placeholder 6">
-            <a:extLst>
-              <a:ext uri="{FF2B5EF4-FFF2-40B4-BE49-F238E27FC236}">
-                <a16:creationId xmlns:a16="http://schemas.microsoft.com/office/drawing/2014/main" id="{6E6D5CCA-49EC-CEC4-4B8E-6D59BCEBCB2B}"/>
-              </a:ext>
-            </a:extLst>
-          </p:cNvPr>
+          <p:cNvPr id="7" name="Slide Number Placeholder 6"/>
           <p:cNvSpPr>
             <a:spLocks noGrp="1"/>
           </p:cNvSpPr>
@@ -2255,7 +2069,7 @@
     </p:spTree>
     <p:extLst>
       <p:ext uri="{BB962C8B-B14F-4D97-AF65-F5344CB8AC3E}">
-        <p14:creationId xmlns:p14="http://schemas.microsoft.com/office/powerpoint/2010/main" val="35082582"/>
+        <p14:creationId xmlns:p14="http://schemas.microsoft.com/office/powerpoint/2010/main" val="3487420749"/>
       </p:ext>
     </p:extLst>
   </p:cSld>
@@ -2284,13 +2098,7 @@
       </p:grpSpPr>
       <p:sp>
         <p:nvSpPr>
-          <p:cNvPr id="2" name="Title 1">
-            <a:extLst>
-              <a:ext uri="{FF2B5EF4-FFF2-40B4-BE49-F238E27FC236}">
-                <a16:creationId xmlns:a16="http://schemas.microsoft.com/office/drawing/2014/main" id="{80957451-7CC3-FF0D-070E-A71433361EA1}"/>
-              </a:ext>
-            </a:extLst>
-          </p:cNvPr>
+          <p:cNvPr id="2" name="Title 1"/>
           <p:cNvSpPr>
             <a:spLocks noGrp="1"/>
           </p:cNvSpPr>
@@ -2312,19 +2120,13 @@
               <a:rPr lang="en-GB"/>
               <a:t>Click to edit Master title style</a:t>
             </a:r>
-            <a:endParaRPr lang="en-US"/>
-          </a:p>
-        </p:txBody>
-      </p:sp>
-      <p:sp>
-        <p:nvSpPr>
-          <p:cNvPr id="3" name="Text Placeholder 2">
-            <a:extLst>
-              <a:ext uri="{FF2B5EF4-FFF2-40B4-BE49-F238E27FC236}">
-                <a16:creationId xmlns:a16="http://schemas.microsoft.com/office/drawing/2014/main" id="{A3F6678B-1D13-0AA5-C94A-ABEBE6C02EA5}"/>
-              </a:ext>
-            </a:extLst>
-          </p:cNvPr>
+            <a:endParaRPr lang="en-US" dirty="0"/>
+          </a:p>
+        </p:txBody>
+      </p:sp>
+      <p:sp>
+        <p:nvSpPr>
+          <p:cNvPr id="3" name="Text Placeholder 2"/>
           <p:cNvSpPr>
             <a:spLocks noGrp="1"/>
           </p:cNvSpPr>
@@ -2389,13 +2191,7 @@
       </p:sp>
       <p:sp>
         <p:nvSpPr>
-          <p:cNvPr id="4" name="Content Placeholder 3">
-            <a:extLst>
-              <a:ext uri="{FF2B5EF4-FFF2-40B4-BE49-F238E27FC236}">
-                <a16:creationId xmlns:a16="http://schemas.microsoft.com/office/drawing/2014/main" id="{5B1275F1-ADAB-4040-429A-39113A80909B}"/>
-              </a:ext>
-            </a:extLst>
-          </p:cNvPr>
+          <p:cNvPr id="4" name="Content Placeholder 3"/>
           <p:cNvSpPr>
             <a:spLocks noGrp="1"/>
           </p:cNvSpPr>
@@ -2446,19 +2242,13 @@
               <a:rPr lang="en-GB"/>
               <a:t>Fifth level</a:t>
             </a:r>
-            <a:endParaRPr lang="en-US"/>
-          </a:p>
-        </p:txBody>
-      </p:sp>
-      <p:sp>
-        <p:nvSpPr>
-          <p:cNvPr id="5" name="Text Placeholder 4">
-            <a:extLst>
-              <a:ext uri="{FF2B5EF4-FFF2-40B4-BE49-F238E27FC236}">
-                <a16:creationId xmlns:a16="http://schemas.microsoft.com/office/drawing/2014/main" id="{369F018E-F3DD-0DA7-DD1A-C1D8DEB6E0D2}"/>
-              </a:ext>
-            </a:extLst>
-          </p:cNvPr>
+            <a:endParaRPr lang="en-US" dirty="0"/>
+          </a:p>
+        </p:txBody>
+      </p:sp>
+      <p:sp>
+        <p:nvSpPr>
+          <p:cNvPr id="5" name="Text Placeholder 4"/>
           <p:cNvSpPr>
             <a:spLocks noGrp="1"/>
           </p:cNvSpPr>
@@ -2523,13 +2313,7 @@
       </p:sp>
       <p:sp>
         <p:nvSpPr>
-          <p:cNvPr id="6" name="Content Placeholder 5">
-            <a:extLst>
-              <a:ext uri="{FF2B5EF4-FFF2-40B4-BE49-F238E27FC236}">
-                <a16:creationId xmlns:a16="http://schemas.microsoft.com/office/drawing/2014/main" id="{4ED60622-A743-6D0A-D54C-8324F257F5AE}"/>
-              </a:ext>
-            </a:extLst>
-          </p:cNvPr>
+          <p:cNvPr id="6" name="Content Placeholder 5"/>
           <p:cNvSpPr>
             <a:spLocks noGrp="1"/>
           </p:cNvSpPr>
@@ -2580,19 +2364,13 @@
               <a:rPr lang="en-GB"/>
               <a:t>Fifth level</a:t>
             </a:r>
-            <a:endParaRPr lang="en-US"/>
-          </a:p>
-        </p:txBody>
-      </p:sp>
-      <p:sp>
-        <p:nvSpPr>
-          <p:cNvPr id="7" name="Date Placeholder 6">
-            <a:extLst>
-              <a:ext uri="{FF2B5EF4-FFF2-40B4-BE49-F238E27FC236}">
-                <a16:creationId xmlns:a16="http://schemas.microsoft.com/office/drawing/2014/main" id="{ED1EF326-251F-C539-9212-60BB8056C0D8}"/>
-              </a:ext>
-            </a:extLst>
-          </p:cNvPr>
+            <a:endParaRPr lang="en-US" dirty="0"/>
+          </a:p>
+        </p:txBody>
+      </p:sp>
+      <p:sp>
+        <p:nvSpPr>
+          <p:cNvPr id="7" name="Date Placeholder 6"/>
           <p:cNvSpPr>
             <a:spLocks noGrp="1"/>
           </p:cNvSpPr>
@@ -2607,7 +2385,7 @@
           <a:p>
             <a:fld id="{5C2B7263-6268-194D-A416-77473944E13B}" type="datetimeFigureOut">
               <a:rPr lang="en-US" smtClean="0"/>
-              <a:t>2/8/23</a:t>
+              <a:t>2/9/23</a:t>
             </a:fld>
             <a:endParaRPr lang="en-US"/>
           </a:p>
@@ -2615,13 +2393,7 @@
       </p:sp>
       <p:sp>
         <p:nvSpPr>
-          <p:cNvPr id="8" name="Footer Placeholder 7">
-            <a:extLst>
-              <a:ext uri="{FF2B5EF4-FFF2-40B4-BE49-F238E27FC236}">
-                <a16:creationId xmlns:a16="http://schemas.microsoft.com/office/drawing/2014/main" id="{B2152388-8A35-5E93-1D25-8D2C2D203A33}"/>
-              </a:ext>
-            </a:extLst>
-          </p:cNvPr>
+          <p:cNvPr id="8" name="Footer Placeholder 7"/>
           <p:cNvSpPr>
             <a:spLocks noGrp="1"/>
           </p:cNvSpPr>
@@ -2640,13 +2412,7 @@
       </p:sp>
       <p:sp>
         <p:nvSpPr>
-          <p:cNvPr id="9" name="Slide Number Placeholder 8">
-            <a:extLst>
-              <a:ext uri="{FF2B5EF4-FFF2-40B4-BE49-F238E27FC236}">
-                <a16:creationId xmlns:a16="http://schemas.microsoft.com/office/drawing/2014/main" id="{9D6FFF95-1BD0-9442-A2B8-C4CFD699D6E9}"/>
-              </a:ext>
-            </a:extLst>
-          </p:cNvPr>
+          <p:cNvPr id="9" name="Slide Number Placeholder 8"/>
           <p:cNvSpPr>
             <a:spLocks noGrp="1"/>
           </p:cNvSpPr>
@@ -2670,7 +2436,7 @@
     </p:spTree>
     <p:extLst>
       <p:ext uri="{BB962C8B-B14F-4D97-AF65-F5344CB8AC3E}">
-        <p14:creationId xmlns:p14="http://schemas.microsoft.com/office/powerpoint/2010/main" val="307958845"/>
+        <p14:creationId xmlns:p14="http://schemas.microsoft.com/office/powerpoint/2010/main" val="3624637720"/>
       </p:ext>
     </p:extLst>
   </p:cSld>
@@ -2699,13 +2465,7 @@
       </p:grpSpPr>
       <p:sp>
         <p:nvSpPr>
-          <p:cNvPr id="2" name="Title 1">
-            <a:extLst>
-              <a:ext uri="{FF2B5EF4-FFF2-40B4-BE49-F238E27FC236}">
-                <a16:creationId xmlns:a16="http://schemas.microsoft.com/office/drawing/2014/main" id="{58C56D1F-32FE-1964-FD82-8FAF19FA3628}"/>
-              </a:ext>
-            </a:extLst>
-          </p:cNvPr>
+          <p:cNvPr id="2" name="Title 1"/>
           <p:cNvSpPr>
             <a:spLocks noGrp="1"/>
           </p:cNvSpPr>
@@ -2722,19 +2482,13 @@
               <a:rPr lang="en-GB"/>
               <a:t>Click to edit Master title style</a:t>
             </a:r>
-            <a:endParaRPr lang="en-US"/>
-          </a:p>
-        </p:txBody>
-      </p:sp>
-      <p:sp>
-        <p:nvSpPr>
-          <p:cNvPr id="3" name="Date Placeholder 2">
-            <a:extLst>
-              <a:ext uri="{FF2B5EF4-FFF2-40B4-BE49-F238E27FC236}">
-                <a16:creationId xmlns:a16="http://schemas.microsoft.com/office/drawing/2014/main" id="{4CEE7532-7380-4F2B-0176-956F7600B1FD}"/>
-              </a:ext>
-            </a:extLst>
-          </p:cNvPr>
+            <a:endParaRPr lang="en-US" dirty="0"/>
+          </a:p>
+        </p:txBody>
+      </p:sp>
+      <p:sp>
+        <p:nvSpPr>
+          <p:cNvPr id="3" name="Date Placeholder 2"/>
           <p:cNvSpPr>
             <a:spLocks noGrp="1"/>
           </p:cNvSpPr>
@@ -2749,7 +2503,7 @@
           <a:p>
             <a:fld id="{5C2B7263-6268-194D-A416-77473944E13B}" type="datetimeFigureOut">
               <a:rPr lang="en-US" smtClean="0"/>
-              <a:t>2/8/23</a:t>
+              <a:t>2/9/23</a:t>
             </a:fld>
             <a:endParaRPr lang="en-US"/>
           </a:p>
@@ -2757,13 +2511,7 @@
       </p:sp>
       <p:sp>
         <p:nvSpPr>
-          <p:cNvPr id="4" name="Footer Placeholder 3">
-            <a:extLst>
-              <a:ext uri="{FF2B5EF4-FFF2-40B4-BE49-F238E27FC236}">
-                <a16:creationId xmlns:a16="http://schemas.microsoft.com/office/drawing/2014/main" id="{F1A34161-3063-E8E7-2475-B7591D91C933}"/>
-              </a:ext>
-            </a:extLst>
-          </p:cNvPr>
+          <p:cNvPr id="4" name="Footer Placeholder 3"/>
           <p:cNvSpPr>
             <a:spLocks noGrp="1"/>
           </p:cNvSpPr>
@@ -2782,13 +2530,7 @@
       </p:sp>
       <p:sp>
         <p:nvSpPr>
-          <p:cNvPr id="5" name="Slide Number Placeholder 4">
-            <a:extLst>
-              <a:ext uri="{FF2B5EF4-FFF2-40B4-BE49-F238E27FC236}">
-                <a16:creationId xmlns:a16="http://schemas.microsoft.com/office/drawing/2014/main" id="{25DBCA9D-F100-338E-5FE8-3C5CF9D1E813}"/>
-              </a:ext>
-            </a:extLst>
-          </p:cNvPr>
+          <p:cNvPr id="5" name="Slide Number Placeholder 4"/>
           <p:cNvSpPr>
             <a:spLocks noGrp="1"/>
           </p:cNvSpPr>
@@ -2812,7 +2554,7 @@
     </p:spTree>
     <p:extLst>
       <p:ext uri="{BB962C8B-B14F-4D97-AF65-F5344CB8AC3E}">
-        <p14:creationId xmlns:p14="http://schemas.microsoft.com/office/powerpoint/2010/main" val="1282280189"/>
+        <p14:creationId xmlns:p14="http://schemas.microsoft.com/office/powerpoint/2010/main" val="2433865018"/>
       </p:ext>
     </p:extLst>
   </p:cSld>
@@ -2841,13 +2583,7 @@
       </p:grpSpPr>
       <p:sp>
         <p:nvSpPr>
-          <p:cNvPr id="2" name="Date Placeholder 1">
-            <a:extLst>
-              <a:ext uri="{FF2B5EF4-FFF2-40B4-BE49-F238E27FC236}">
-                <a16:creationId xmlns:a16="http://schemas.microsoft.com/office/drawing/2014/main" id="{5290E4C1-E509-72A0-9612-4F679C1822C5}"/>
-              </a:ext>
-            </a:extLst>
-          </p:cNvPr>
+          <p:cNvPr id="2" name="Date Placeholder 1"/>
           <p:cNvSpPr>
             <a:spLocks noGrp="1"/>
           </p:cNvSpPr>
@@ -2862,7 +2598,7 @@
           <a:p>
             <a:fld id="{5C2B7263-6268-194D-A416-77473944E13B}" type="datetimeFigureOut">
               <a:rPr lang="en-US" smtClean="0"/>
-              <a:t>2/8/23</a:t>
+              <a:t>2/9/23</a:t>
             </a:fld>
             <a:endParaRPr lang="en-US"/>
           </a:p>
@@ -2870,13 +2606,7 @@
       </p:sp>
       <p:sp>
         <p:nvSpPr>
-          <p:cNvPr id="3" name="Footer Placeholder 2">
-            <a:extLst>
-              <a:ext uri="{FF2B5EF4-FFF2-40B4-BE49-F238E27FC236}">
-                <a16:creationId xmlns:a16="http://schemas.microsoft.com/office/drawing/2014/main" id="{D336878D-E566-7BF8-4BEB-54394C2575B5}"/>
-              </a:ext>
-            </a:extLst>
-          </p:cNvPr>
+          <p:cNvPr id="3" name="Footer Placeholder 2"/>
           <p:cNvSpPr>
             <a:spLocks noGrp="1"/>
           </p:cNvSpPr>
@@ -2895,13 +2625,7 @@
       </p:sp>
       <p:sp>
         <p:nvSpPr>
-          <p:cNvPr id="4" name="Slide Number Placeholder 3">
-            <a:extLst>
-              <a:ext uri="{FF2B5EF4-FFF2-40B4-BE49-F238E27FC236}">
-                <a16:creationId xmlns:a16="http://schemas.microsoft.com/office/drawing/2014/main" id="{8C19AAD4-9C1E-BBC9-BF72-3EC3A1987E13}"/>
-              </a:ext>
-            </a:extLst>
-          </p:cNvPr>
+          <p:cNvPr id="4" name="Slide Number Placeholder 3"/>
           <p:cNvSpPr>
             <a:spLocks noGrp="1"/>
           </p:cNvSpPr>
@@ -2925,7 +2649,7 @@
     </p:spTree>
     <p:extLst>
       <p:ext uri="{BB962C8B-B14F-4D97-AF65-F5344CB8AC3E}">
-        <p14:creationId xmlns:p14="http://schemas.microsoft.com/office/powerpoint/2010/main" val="2867535701"/>
+        <p14:creationId xmlns:p14="http://schemas.microsoft.com/office/powerpoint/2010/main" val="1018343238"/>
       </p:ext>
     </p:extLst>
   </p:cSld>
@@ -2954,13 +2678,7 @@
       </p:grpSpPr>
       <p:sp>
         <p:nvSpPr>
-          <p:cNvPr id="2" name="Title 1">
-            <a:extLst>
-              <a:ext uri="{FF2B5EF4-FFF2-40B4-BE49-F238E27FC236}">
-                <a16:creationId xmlns:a16="http://schemas.microsoft.com/office/drawing/2014/main" id="{F84188BD-DD3D-8236-0810-46DEAE70EA7B}"/>
-              </a:ext>
-            </a:extLst>
-          </p:cNvPr>
+          <p:cNvPr id="2" name="Title 1"/>
           <p:cNvSpPr>
             <a:spLocks noGrp="1"/>
           </p:cNvSpPr>
@@ -2986,19 +2704,13 @@
               <a:rPr lang="en-GB"/>
               <a:t>Click to edit Master title style</a:t>
             </a:r>
-            <a:endParaRPr lang="en-US"/>
-          </a:p>
-        </p:txBody>
-      </p:sp>
-      <p:sp>
-        <p:nvSpPr>
-          <p:cNvPr id="3" name="Content Placeholder 2">
-            <a:extLst>
-              <a:ext uri="{FF2B5EF4-FFF2-40B4-BE49-F238E27FC236}">
-                <a16:creationId xmlns:a16="http://schemas.microsoft.com/office/drawing/2014/main" id="{B6444810-77FB-5B64-3C77-F4056442FFFB}"/>
-              </a:ext>
-            </a:extLst>
-          </p:cNvPr>
+            <a:endParaRPr lang="en-US" dirty="0"/>
+          </a:p>
+        </p:txBody>
+      </p:sp>
+      <p:sp>
+        <p:nvSpPr>
+          <p:cNvPr id="3" name="Content Placeholder 2"/>
           <p:cNvSpPr>
             <a:spLocks noGrp="1"/>
           </p:cNvSpPr>
@@ -3077,19 +2789,13 @@
               <a:rPr lang="en-GB"/>
               <a:t>Fifth level</a:t>
             </a:r>
-            <a:endParaRPr lang="en-US"/>
-          </a:p>
-        </p:txBody>
-      </p:sp>
-      <p:sp>
-        <p:nvSpPr>
-          <p:cNvPr id="4" name="Text Placeholder 3">
-            <a:extLst>
-              <a:ext uri="{FF2B5EF4-FFF2-40B4-BE49-F238E27FC236}">
-                <a16:creationId xmlns:a16="http://schemas.microsoft.com/office/drawing/2014/main" id="{055908FF-B4D4-C2D4-ED73-F7EB42135FE5}"/>
-              </a:ext>
-            </a:extLst>
-          </p:cNvPr>
+            <a:endParaRPr lang="en-US" dirty="0"/>
+          </a:p>
+        </p:txBody>
+      </p:sp>
+      <p:sp>
+        <p:nvSpPr>
+          <p:cNvPr id="4" name="Text Placeholder 3"/>
           <p:cNvSpPr>
             <a:spLocks noGrp="1"/>
           </p:cNvSpPr>
@@ -3154,13 +2860,7 @@
       </p:sp>
       <p:sp>
         <p:nvSpPr>
-          <p:cNvPr id="5" name="Date Placeholder 4">
-            <a:extLst>
-              <a:ext uri="{FF2B5EF4-FFF2-40B4-BE49-F238E27FC236}">
-                <a16:creationId xmlns:a16="http://schemas.microsoft.com/office/drawing/2014/main" id="{B2826A22-B536-B206-EA01-779F9D1106B1}"/>
-              </a:ext>
-            </a:extLst>
-          </p:cNvPr>
+          <p:cNvPr id="5" name="Date Placeholder 4"/>
           <p:cNvSpPr>
             <a:spLocks noGrp="1"/>
           </p:cNvSpPr>
@@ -3175,7 +2875,7 @@
           <a:p>
             <a:fld id="{5C2B7263-6268-194D-A416-77473944E13B}" type="datetimeFigureOut">
               <a:rPr lang="en-US" smtClean="0"/>
-              <a:t>2/8/23</a:t>
+              <a:t>2/9/23</a:t>
             </a:fld>
             <a:endParaRPr lang="en-US"/>
           </a:p>
@@ -3183,13 +2883,7 @@
       </p:sp>
       <p:sp>
         <p:nvSpPr>
-          <p:cNvPr id="6" name="Footer Placeholder 5">
-            <a:extLst>
-              <a:ext uri="{FF2B5EF4-FFF2-40B4-BE49-F238E27FC236}">
-                <a16:creationId xmlns:a16="http://schemas.microsoft.com/office/drawing/2014/main" id="{E65A5356-6085-5561-41CF-F3E66EC4B582}"/>
-              </a:ext>
-            </a:extLst>
-          </p:cNvPr>
+          <p:cNvPr id="6" name="Footer Placeholder 5"/>
           <p:cNvSpPr>
             <a:spLocks noGrp="1"/>
           </p:cNvSpPr>
@@ -3208,13 +2902,7 @@
       </p:sp>
       <p:sp>
         <p:nvSpPr>
-          <p:cNvPr id="7" name="Slide Number Placeholder 6">
-            <a:extLst>
-              <a:ext uri="{FF2B5EF4-FFF2-40B4-BE49-F238E27FC236}">
-                <a16:creationId xmlns:a16="http://schemas.microsoft.com/office/drawing/2014/main" id="{6CA6A8B2-EF84-B536-5084-E479D21F79A9}"/>
-              </a:ext>
-            </a:extLst>
-          </p:cNvPr>
+          <p:cNvPr id="7" name="Slide Number Placeholder 6"/>
           <p:cNvSpPr>
             <a:spLocks noGrp="1"/>
           </p:cNvSpPr>
@@ -3238,7 +2926,7 @@
     </p:spTree>
     <p:extLst>
       <p:ext uri="{BB962C8B-B14F-4D97-AF65-F5344CB8AC3E}">
-        <p14:creationId xmlns:p14="http://schemas.microsoft.com/office/powerpoint/2010/main" val="3866647166"/>
+        <p14:creationId xmlns:p14="http://schemas.microsoft.com/office/powerpoint/2010/main" val="3864839563"/>
       </p:ext>
     </p:extLst>
   </p:cSld>
@@ -3267,13 +2955,7 @@
       </p:grpSpPr>
       <p:sp>
         <p:nvSpPr>
-          <p:cNvPr id="2" name="Title 1">
-            <a:extLst>
-              <a:ext uri="{FF2B5EF4-FFF2-40B4-BE49-F238E27FC236}">
-                <a16:creationId xmlns:a16="http://schemas.microsoft.com/office/drawing/2014/main" id="{15264A2C-B7C1-EC01-D405-AB6523B8F5C4}"/>
-              </a:ext>
-            </a:extLst>
-          </p:cNvPr>
+          <p:cNvPr id="2" name="Title 1"/>
           <p:cNvSpPr>
             <a:spLocks noGrp="1"/>
           </p:cNvSpPr>
@@ -3299,21 +2981,15 @@
               <a:rPr lang="en-GB"/>
               <a:t>Click to edit Master title style</a:t>
             </a:r>
-            <a:endParaRPr lang="en-US"/>
-          </a:p>
-        </p:txBody>
-      </p:sp>
-      <p:sp>
-        <p:nvSpPr>
-          <p:cNvPr id="3" name="Picture Placeholder 2">
-            <a:extLst>
-              <a:ext uri="{FF2B5EF4-FFF2-40B4-BE49-F238E27FC236}">
-                <a16:creationId xmlns:a16="http://schemas.microsoft.com/office/drawing/2014/main" id="{922D2156-8A06-23B5-0381-3C17F3C25504}"/>
-              </a:ext>
-            </a:extLst>
-          </p:cNvPr>
-          <p:cNvSpPr>
-            <a:spLocks noGrp="1"/>
+            <a:endParaRPr lang="en-US" dirty="0"/>
+          </a:p>
+        </p:txBody>
+      </p:sp>
+      <p:sp>
+        <p:nvSpPr>
+          <p:cNvPr id="3" name="Picture Placeholder 2"/>
+          <p:cNvSpPr>
+            <a:spLocks noGrp="1" noChangeAspect="1"/>
           </p:cNvSpPr>
           <p:nvPr>
             <p:ph type="pic" idx="1"/>
@@ -3326,7 +3002,7 @@
           </a:xfrm>
         </p:spPr>
         <p:txBody>
-          <a:bodyPr/>
+          <a:bodyPr anchor="t"/>
           <a:lstStyle>
             <a:lvl1pPr marL="0" indent="0">
               <a:buNone/>
@@ -3366,19 +3042,17 @@
             </a:lvl9pPr>
           </a:lstStyle>
           <a:p>
-            <a:endParaRPr lang="en-US"/>
-          </a:p>
-        </p:txBody>
-      </p:sp>
-      <p:sp>
-        <p:nvSpPr>
-          <p:cNvPr id="4" name="Text Placeholder 3">
-            <a:extLst>
-              <a:ext uri="{FF2B5EF4-FFF2-40B4-BE49-F238E27FC236}">
-                <a16:creationId xmlns:a16="http://schemas.microsoft.com/office/drawing/2014/main" id="{5FBF359B-5A9D-38FE-9063-C22CDD3311EA}"/>
-              </a:ext>
-            </a:extLst>
-          </p:cNvPr>
+            <a:r>
+              <a:rPr lang="en-GB"/>
+              <a:t>Click icon to add picture</a:t>
+            </a:r>
+            <a:endParaRPr lang="en-US" dirty="0"/>
+          </a:p>
+        </p:txBody>
+      </p:sp>
+      <p:sp>
+        <p:nvSpPr>
+          <p:cNvPr id="4" name="Text Placeholder 3"/>
           <p:cNvSpPr>
             <a:spLocks noGrp="1"/>
           </p:cNvSpPr>
@@ -3443,13 +3117,7 @@
       </p:sp>
       <p:sp>
         <p:nvSpPr>
-          <p:cNvPr id="5" name="Date Placeholder 4">
-            <a:extLst>
-              <a:ext uri="{FF2B5EF4-FFF2-40B4-BE49-F238E27FC236}">
-                <a16:creationId xmlns:a16="http://schemas.microsoft.com/office/drawing/2014/main" id="{D2623018-095E-A493-5F27-2CC68D10EDFB}"/>
-              </a:ext>
-            </a:extLst>
-          </p:cNvPr>
+          <p:cNvPr id="5" name="Date Placeholder 4"/>
           <p:cNvSpPr>
             <a:spLocks noGrp="1"/>
           </p:cNvSpPr>
@@ -3464,7 +3132,7 @@
           <a:p>
             <a:fld id="{5C2B7263-6268-194D-A416-77473944E13B}" type="datetimeFigureOut">
               <a:rPr lang="en-US" smtClean="0"/>
-              <a:t>2/8/23</a:t>
+              <a:t>2/9/23</a:t>
             </a:fld>
             <a:endParaRPr lang="en-US"/>
           </a:p>
@@ -3472,13 +3140,7 @@
       </p:sp>
       <p:sp>
         <p:nvSpPr>
-          <p:cNvPr id="6" name="Footer Placeholder 5">
-            <a:extLst>
-              <a:ext uri="{FF2B5EF4-FFF2-40B4-BE49-F238E27FC236}">
-                <a16:creationId xmlns:a16="http://schemas.microsoft.com/office/drawing/2014/main" id="{87152198-5BA8-6970-9284-40887B046A6E}"/>
-              </a:ext>
-            </a:extLst>
-          </p:cNvPr>
+          <p:cNvPr id="6" name="Footer Placeholder 5"/>
           <p:cNvSpPr>
             <a:spLocks noGrp="1"/>
           </p:cNvSpPr>
@@ -3497,13 +3159,7 @@
       </p:sp>
       <p:sp>
         <p:nvSpPr>
-          <p:cNvPr id="7" name="Slide Number Placeholder 6">
-            <a:extLst>
-              <a:ext uri="{FF2B5EF4-FFF2-40B4-BE49-F238E27FC236}">
-                <a16:creationId xmlns:a16="http://schemas.microsoft.com/office/drawing/2014/main" id="{87ADE175-9A44-A8C7-2632-94C5937A6FDC}"/>
-              </a:ext>
-            </a:extLst>
-          </p:cNvPr>
+          <p:cNvPr id="7" name="Slide Number Placeholder 6"/>
           <p:cNvSpPr>
             <a:spLocks noGrp="1"/>
           </p:cNvSpPr>
@@ -3527,7 +3183,7 @@
     </p:spTree>
     <p:extLst>
       <p:ext uri="{BB962C8B-B14F-4D97-AF65-F5344CB8AC3E}">
-        <p14:creationId xmlns:p14="http://schemas.microsoft.com/office/powerpoint/2010/main" val="435149803"/>
+        <p14:creationId xmlns:p14="http://schemas.microsoft.com/office/powerpoint/2010/main" val="823079049"/>
       </p:ext>
     </p:extLst>
   </p:cSld>
@@ -3561,13 +3217,7 @@
       </p:grpSpPr>
       <p:sp>
         <p:nvSpPr>
-          <p:cNvPr id="2" name="Title Placeholder 1">
-            <a:extLst>
-              <a:ext uri="{FF2B5EF4-FFF2-40B4-BE49-F238E27FC236}">
-                <a16:creationId xmlns:a16="http://schemas.microsoft.com/office/drawing/2014/main" id="{32A95C2C-3EC8-7EC6-843E-6043B7782999}"/>
-              </a:ext>
-            </a:extLst>
-          </p:cNvPr>
+          <p:cNvPr id="2" name="Title Placeholder 1"/>
           <p:cNvSpPr>
             <a:spLocks noGrp="1"/>
           </p:cNvSpPr>
@@ -3594,19 +3244,13 @@
               <a:rPr lang="en-GB"/>
               <a:t>Click to edit Master title style</a:t>
             </a:r>
-            <a:endParaRPr lang="en-US"/>
-          </a:p>
-        </p:txBody>
-      </p:sp>
-      <p:sp>
-        <p:nvSpPr>
-          <p:cNvPr id="3" name="Text Placeholder 2">
-            <a:extLst>
-              <a:ext uri="{FF2B5EF4-FFF2-40B4-BE49-F238E27FC236}">
-                <a16:creationId xmlns:a16="http://schemas.microsoft.com/office/drawing/2014/main" id="{CC7CCEE0-673F-2CD2-05D1-10D4132007A3}"/>
-              </a:ext>
-            </a:extLst>
-          </p:cNvPr>
+            <a:endParaRPr lang="en-US" dirty="0"/>
+          </a:p>
+        </p:txBody>
+      </p:sp>
+      <p:sp>
+        <p:nvSpPr>
+          <p:cNvPr id="3" name="Text Placeholder 2"/>
           <p:cNvSpPr>
             <a:spLocks noGrp="1"/>
           </p:cNvSpPr>
@@ -3662,19 +3306,13 @@
               <a:rPr lang="en-GB"/>
               <a:t>Fifth level</a:t>
             </a:r>
-            <a:endParaRPr lang="en-US"/>
-          </a:p>
-        </p:txBody>
-      </p:sp>
-      <p:sp>
-        <p:nvSpPr>
-          <p:cNvPr id="4" name="Date Placeholder 3">
-            <a:extLst>
-              <a:ext uri="{FF2B5EF4-FFF2-40B4-BE49-F238E27FC236}">
-                <a16:creationId xmlns:a16="http://schemas.microsoft.com/office/drawing/2014/main" id="{1327E104-B5B5-4F88-3ECF-E84B3BD7B449}"/>
-              </a:ext>
-            </a:extLst>
-          </p:cNvPr>
+            <a:endParaRPr lang="en-US" dirty="0"/>
+          </a:p>
+        </p:txBody>
+      </p:sp>
+      <p:sp>
+        <p:nvSpPr>
+          <p:cNvPr id="4" name="Date Placeholder 3"/>
           <p:cNvSpPr>
             <a:spLocks noGrp="1"/>
           </p:cNvSpPr>
@@ -3707,7 +3345,7 @@
           <a:p>
             <a:fld id="{5C2B7263-6268-194D-A416-77473944E13B}" type="datetimeFigureOut">
               <a:rPr lang="en-US" smtClean="0"/>
-              <a:t>2/8/23</a:t>
+              <a:t>2/9/23</a:t>
             </a:fld>
             <a:endParaRPr lang="en-US"/>
           </a:p>
@@ -3715,13 +3353,7 @@
       </p:sp>
       <p:sp>
         <p:nvSpPr>
-          <p:cNvPr id="5" name="Footer Placeholder 4">
-            <a:extLst>
-              <a:ext uri="{FF2B5EF4-FFF2-40B4-BE49-F238E27FC236}">
-                <a16:creationId xmlns:a16="http://schemas.microsoft.com/office/drawing/2014/main" id="{2060FB1E-A399-E2A9-645C-99D5AB88121C}"/>
-              </a:ext>
-            </a:extLst>
-          </p:cNvPr>
+          <p:cNvPr id="5" name="Footer Placeholder 4"/>
           <p:cNvSpPr>
             <a:spLocks noGrp="1"/>
           </p:cNvSpPr>
@@ -3758,13 +3390,7 @@
       </p:sp>
       <p:sp>
         <p:nvSpPr>
-          <p:cNvPr id="6" name="Slide Number Placeholder 5">
-            <a:extLst>
-              <a:ext uri="{FF2B5EF4-FFF2-40B4-BE49-F238E27FC236}">
-                <a16:creationId xmlns:a16="http://schemas.microsoft.com/office/drawing/2014/main" id="{4AFEEF11-9245-9755-512C-BECACE42B4DA}"/>
-              </a:ext>
-            </a:extLst>
-          </p:cNvPr>
+          <p:cNvPr id="6" name="Slide Number Placeholder 5"/>
           <p:cNvSpPr>
             <a:spLocks noGrp="1"/>
           </p:cNvSpPr>
@@ -3806,23 +3432,23 @@
     </p:spTree>
     <p:extLst>
       <p:ext uri="{BB962C8B-B14F-4D97-AF65-F5344CB8AC3E}">
-        <p14:creationId xmlns:p14="http://schemas.microsoft.com/office/powerpoint/2010/main" val="2206491518"/>
+        <p14:creationId xmlns:p14="http://schemas.microsoft.com/office/powerpoint/2010/main" val="1746861629"/>
       </p:ext>
     </p:extLst>
   </p:cSld>
   <p:clrMap bg1="lt1" tx1="dk1" bg2="lt2" tx2="dk2" accent1="accent1" accent2="accent2" accent3="accent3" accent4="accent4" accent5="accent5" accent6="accent6" hlink="hlink" folHlink="folHlink"/>
   <p:sldLayoutIdLst>
-    <p:sldLayoutId id="2147483649" r:id="rId1"/>
-    <p:sldLayoutId id="2147483650" r:id="rId2"/>
-    <p:sldLayoutId id="2147483651" r:id="rId3"/>
-    <p:sldLayoutId id="2147483652" r:id="rId4"/>
-    <p:sldLayoutId id="2147483653" r:id="rId5"/>
-    <p:sldLayoutId id="2147483654" r:id="rId6"/>
-    <p:sldLayoutId id="2147483655" r:id="rId7"/>
-    <p:sldLayoutId id="2147483656" r:id="rId8"/>
-    <p:sldLayoutId id="2147483657" r:id="rId9"/>
-    <p:sldLayoutId id="2147483658" r:id="rId10"/>
-    <p:sldLayoutId id="2147483659" r:id="rId11"/>
+    <p:sldLayoutId id="2147483661" r:id="rId1"/>
+    <p:sldLayoutId id="2147483662" r:id="rId2"/>
+    <p:sldLayoutId id="2147483663" r:id="rId3"/>
+    <p:sldLayoutId id="2147483664" r:id="rId4"/>
+    <p:sldLayoutId id="2147483665" r:id="rId5"/>
+    <p:sldLayoutId id="2147483666" r:id="rId6"/>
+    <p:sldLayoutId id="2147483667" r:id="rId7"/>
+    <p:sldLayoutId id="2147483668" r:id="rId8"/>
+    <p:sldLayoutId id="2147483669" r:id="rId9"/>
+    <p:sldLayoutId id="2147483670" r:id="rId10"/>
+    <p:sldLayoutId id="2147483671" r:id="rId11"/>
   </p:sldLayoutIdLst>
   <p:txStyles>
     <p:titleStyle>
@@ -4132,66 +3758,6 @@
           <a:chExt cx="0" cy="0"/>
         </a:xfrm>
       </p:grpSpPr>
-      <p:sp useBgFill="1">
-        <p:nvSpPr>
-          <p:cNvPr id="1031" name="Rectangle 1030">
-            <a:extLst>
-              <a:ext uri="{FF2B5EF4-FFF2-40B4-BE49-F238E27FC236}">
-                <a16:creationId xmlns:a16="http://schemas.microsoft.com/office/drawing/2014/main" id="{362D44EE-C852-4460-B8B5-C4F2BC20510C}"/>
-              </a:ext>
-              <a:ext uri="{C183D7F6-B498-43B3-948B-1728B52AA6E4}">
-                <adec:decorative xmlns:adec="http://schemas.microsoft.com/office/drawing/2017/decorative" val="1"/>
-              </a:ext>
-            </a:extLst>
-          </p:cNvPr>
-          <p:cNvSpPr>
-            <a:spLocks noGrp="1" noRot="1" noChangeAspect="1" noMove="1" noResize="1" noEditPoints="1" noAdjustHandles="1" noChangeArrowheads="1" noChangeShapeType="1" noTextEdit="1"/>
-          </p:cNvSpPr>
-          <p:nvPr>
-            <p:extLst>
-              <p:ext uri="{386F3935-93C4-4BCD-93E2-E3B085C9AB24}">
-                <p16:designElem xmlns:p16="http://schemas.microsoft.com/office/powerpoint/2015/main" val="1"/>
-              </p:ext>
-            </p:extLst>
-          </p:nvPr>
-        </p:nvSpPr>
-        <p:spPr>
-          <a:xfrm>
-            <a:off x="0" y="0"/>
-            <a:ext cx="12192000" cy="6858000"/>
-          </a:xfrm>
-          <a:prstGeom prst="rect">
-            <a:avLst/>
-          </a:prstGeom>
-          <a:ln>
-            <a:noFill/>
-          </a:ln>
-        </p:spPr>
-        <p:style>
-          <a:lnRef idx="2">
-            <a:schemeClr val="accent1">
-              <a:shade val="50000"/>
-            </a:schemeClr>
-          </a:lnRef>
-          <a:fillRef idx="1">
-            <a:schemeClr val="accent1"/>
-          </a:fillRef>
-          <a:effectRef idx="0">
-            <a:schemeClr val="accent1"/>
-          </a:effectRef>
-          <a:fontRef idx="minor">
-            <a:schemeClr val="lt1"/>
-          </a:fontRef>
-        </p:style>
-        <p:txBody>
-          <a:bodyPr rtlCol="0" anchor="ctr"/>
-          <a:lstStyle/>
-          <a:p>
-            <a:pPr algn="ctr"/>
-            <a:endParaRPr lang="en-US"/>
-          </a:p>
-        </p:txBody>
-      </p:sp>
       <p:sp>
         <p:nvSpPr>
           <p:cNvPr id="2" name="Title 1">
@@ -4358,835 +3924,6 @@
               </a:rPr>
               <a:t> February</a:t>
             </a:r>
-          </a:p>
-        </p:txBody>
-      </p:sp>
-      <p:sp>
-        <p:nvSpPr>
-          <p:cNvPr id="1033" name="Freeform: Shape 1032">
-            <a:extLst>
-              <a:ext uri="{FF2B5EF4-FFF2-40B4-BE49-F238E27FC236}">
-                <a16:creationId xmlns:a16="http://schemas.microsoft.com/office/drawing/2014/main" id="{658970D8-8D1D-4B5C-894B-E871CC86543D}"/>
-              </a:ext>
-              <a:ext uri="{C183D7F6-B498-43B3-948B-1728B52AA6E4}">
-                <adec:decorative xmlns:adec="http://schemas.microsoft.com/office/drawing/2017/decorative" val="1"/>
-              </a:ext>
-            </a:extLst>
-          </p:cNvPr>
-          <p:cNvSpPr>
-            <a:spLocks noGrp="1" noRot="1" noChangeAspect="1" noMove="1" noResize="1" noEditPoints="1" noAdjustHandles="1" noChangeArrowheads="1" noChangeShapeType="1" noTextEdit="1"/>
-          </p:cNvSpPr>
-          <p:nvPr>
-            <p:extLst>
-              <p:ext uri="{386F3935-93C4-4BCD-93E2-E3B085C9AB24}">
-                <p16:designElem xmlns:p16="http://schemas.microsoft.com/office/powerpoint/2015/main" val="1"/>
-              </p:ext>
-            </p:extLst>
-          </p:nvPr>
-        </p:nvSpPr>
-        <p:spPr>
-          <a:xfrm flipH="1">
-            <a:off x="530529" y="1"/>
-            <a:ext cx="1155142" cy="591009"/>
-          </a:xfrm>
-          <a:custGeom>
-            <a:avLst/>
-            <a:gdLst>
-              <a:gd name="connsiteX0" fmla="*/ 1355 w 1155142"/>
-              <a:gd name="connsiteY0" fmla="*/ 0 h 591009"/>
-              <a:gd name="connsiteX1" fmla="*/ 1153787 w 1155142"/>
-              <a:gd name="connsiteY1" fmla="*/ 0 h 591009"/>
-              <a:gd name="connsiteX2" fmla="*/ 1155142 w 1155142"/>
-              <a:gd name="connsiteY2" fmla="*/ 13438 h 591009"/>
-              <a:gd name="connsiteX3" fmla="*/ 577571 w 1155142"/>
-              <a:gd name="connsiteY3" fmla="*/ 591009 h 591009"/>
-              <a:gd name="connsiteX4" fmla="*/ 0 w 1155142"/>
-              <a:gd name="connsiteY4" fmla="*/ 13438 h 591009"/>
-            </a:gdLst>
-            <a:ahLst/>
-            <a:cxnLst>
-              <a:cxn ang="0">
-                <a:pos x="connsiteX0" y="connsiteY0"/>
-              </a:cxn>
-              <a:cxn ang="0">
-                <a:pos x="connsiteX1" y="connsiteY1"/>
-              </a:cxn>
-              <a:cxn ang="0">
-                <a:pos x="connsiteX2" y="connsiteY2"/>
-              </a:cxn>
-              <a:cxn ang="0">
-                <a:pos x="connsiteX3" y="connsiteY3"/>
-              </a:cxn>
-              <a:cxn ang="0">
-                <a:pos x="connsiteX4" y="connsiteY4"/>
-              </a:cxn>
-            </a:cxnLst>
-            <a:rect l="l" t="t" r="r" b="b"/>
-            <a:pathLst>
-              <a:path w="1155142" h="591009">
-                <a:moveTo>
-                  <a:pt x="1355" y="0"/>
-                </a:moveTo>
-                <a:lnTo>
-                  <a:pt x="1153787" y="0"/>
-                </a:lnTo>
-                <a:lnTo>
-                  <a:pt x="1155142" y="13438"/>
-                </a:lnTo>
-                <a:cubicBezTo>
-                  <a:pt x="1155142" y="332422"/>
-                  <a:pt x="896555" y="591009"/>
-                  <a:pt x="577571" y="591009"/>
-                </a:cubicBezTo>
-                <a:cubicBezTo>
-                  <a:pt x="258587" y="591009"/>
-                  <a:pt x="0" y="332422"/>
-                  <a:pt x="0" y="13438"/>
-                </a:cubicBezTo>
-                <a:close/>
-              </a:path>
-            </a:pathLst>
-          </a:custGeom>
-          <a:solidFill>
-            <a:schemeClr val="accent5"/>
-          </a:solidFill>
-          <a:ln>
-            <a:noFill/>
-          </a:ln>
-        </p:spPr>
-        <p:style>
-          <a:lnRef idx="2">
-            <a:schemeClr val="accent1">
-              <a:shade val="50000"/>
-            </a:schemeClr>
-          </a:lnRef>
-          <a:fillRef idx="1">
-            <a:schemeClr val="accent1"/>
-          </a:fillRef>
-          <a:effectRef idx="0">
-            <a:schemeClr val="accent1"/>
-          </a:effectRef>
-          <a:fontRef idx="minor">
-            <a:schemeClr val="lt1"/>
-          </a:fontRef>
-        </p:style>
-        <p:txBody>
-          <a:bodyPr wrap="square" rtlCol="0" anchor="ctr">
-            <a:noAutofit/>
-          </a:bodyPr>
-          <a:lstStyle/>
-          <a:p>
-            <a:pPr algn="ctr"/>
-            <a:endParaRPr lang="en-US"/>
-          </a:p>
-        </p:txBody>
-      </p:sp>
-      <p:sp>
-        <p:nvSpPr>
-          <p:cNvPr id="1035" name="Freeform: Shape 1034">
-            <a:extLst>
-              <a:ext uri="{FF2B5EF4-FFF2-40B4-BE49-F238E27FC236}">
-                <a16:creationId xmlns:a16="http://schemas.microsoft.com/office/drawing/2014/main" id="{F227E5B6-9132-43CA-B503-37A18562ADF2}"/>
-              </a:ext>
-              <a:ext uri="{C183D7F6-B498-43B3-948B-1728B52AA6E4}">
-                <adec:decorative xmlns:adec="http://schemas.microsoft.com/office/drawing/2017/decorative" val="1"/>
-              </a:ext>
-            </a:extLst>
-          </p:cNvPr>
-          <p:cNvSpPr>
-            <a:spLocks noGrp="1" noRot="1" noChangeAspect="1" noMove="1" noResize="1" noEditPoints="1" noAdjustHandles="1" noChangeArrowheads="1" noChangeShapeType="1" noTextEdit="1"/>
-          </p:cNvSpPr>
-          <p:nvPr>
-            <p:extLst>
-              <p:ext uri="{386F3935-93C4-4BCD-93E2-E3B085C9AB24}">
-                <p16:designElem xmlns:p16="http://schemas.microsoft.com/office/powerpoint/2015/main" val="1"/>
-              </p:ext>
-            </p:extLst>
-          </p:nvPr>
-        </p:nvSpPr>
-        <p:spPr>
-          <a:xfrm flipH="1">
-            <a:off x="4349052" y="0"/>
-            <a:ext cx="1737401" cy="959536"/>
-          </a:xfrm>
-          <a:custGeom>
-            <a:avLst/>
-            <a:gdLst>
-              <a:gd name="connsiteX0" fmla="*/ 0 w 1737401"/>
-              <a:gd name="connsiteY0" fmla="*/ 0 h 959536"/>
-              <a:gd name="connsiteX1" fmla="*/ 123825 w 1737401"/>
-              <a:gd name="connsiteY1" fmla="*/ 0 h 959536"/>
-              <a:gd name="connsiteX2" fmla="*/ 123825 w 1737401"/>
-              <a:gd name="connsiteY2" fmla="*/ 790277 h 959536"/>
-              <a:gd name="connsiteX3" fmla="*/ 1490095 w 1737401"/>
-              <a:gd name="connsiteY3" fmla="*/ 0 h 959536"/>
-              <a:gd name="connsiteX4" fmla="*/ 1737401 w 1737401"/>
-              <a:gd name="connsiteY4" fmla="*/ 0 h 959536"/>
-              <a:gd name="connsiteX5" fmla="*/ 92869 w 1737401"/>
-              <a:gd name="connsiteY5" fmla="*/ 951249 h 959536"/>
-              <a:gd name="connsiteX6" fmla="*/ 61913 w 1737401"/>
-              <a:gd name="connsiteY6" fmla="*/ 959536 h 959536"/>
-              <a:gd name="connsiteX7" fmla="*/ 0 w 1737401"/>
-              <a:gd name="connsiteY7" fmla="*/ 897624 h 959536"/>
-            </a:gdLst>
-            <a:ahLst/>
-            <a:cxnLst>
-              <a:cxn ang="0">
-                <a:pos x="connsiteX0" y="connsiteY0"/>
-              </a:cxn>
-              <a:cxn ang="0">
-                <a:pos x="connsiteX1" y="connsiteY1"/>
-              </a:cxn>
-              <a:cxn ang="0">
-                <a:pos x="connsiteX2" y="connsiteY2"/>
-              </a:cxn>
-              <a:cxn ang="0">
-                <a:pos x="connsiteX3" y="connsiteY3"/>
-              </a:cxn>
-              <a:cxn ang="0">
-                <a:pos x="connsiteX4" y="connsiteY4"/>
-              </a:cxn>
-              <a:cxn ang="0">
-                <a:pos x="connsiteX5" y="connsiteY5"/>
-              </a:cxn>
-              <a:cxn ang="0">
-                <a:pos x="connsiteX6" y="connsiteY6"/>
-              </a:cxn>
-              <a:cxn ang="0">
-                <a:pos x="connsiteX7" y="connsiteY7"/>
-              </a:cxn>
-            </a:cxnLst>
-            <a:rect l="l" t="t" r="r" b="b"/>
-            <a:pathLst>
-              <a:path w="1737401" h="959536">
-                <a:moveTo>
-                  <a:pt x="0" y="0"/>
-                </a:moveTo>
-                <a:lnTo>
-                  <a:pt x="123825" y="0"/>
-                </a:lnTo>
-                <a:lnTo>
-                  <a:pt x="123825" y="790277"/>
-                </a:lnTo>
-                <a:lnTo>
-                  <a:pt x="1490095" y="0"/>
-                </a:lnTo>
-                <a:lnTo>
-                  <a:pt x="1737401" y="0"/>
-                </a:lnTo>
-                <a:lnTo>
-                  <a:pt x="92869" y="951249"/>
-                </a:lnTo>
-                <a:cubicBezTo>
-                  <a:pt x="83458" y="956688"/>
-                  <a:pt x="72780" y="959546"/>
-                  <a:pt x="61913" y="959536"/>
-                </a:cubicBezTo>
-                <a:cubicBezTo>
-                  <a:pt x="27719" y="959536"/>
-                  <a:pt x="0" y="931818"/>
-                  <a:pt x="0" y="897624"/>
-                </a:cubicBezTo>
-                <a:close/>
-              </a:path>
-            </a:pathLst>
-          </a:custGeom>
-          <a:solidFill>
-            <a:schemeClr val="accent6"/>
-          </a:solidFill>
-          <a:ln w="9525" cap="flat">
-            <a:noFill/>
-            <a:prstDash val="solid"/>
-            <a:miter/>
-          </a:ln>
-        </p:spPr>
-        <p:txBody>
-          <a:bodyPr rtlCol="0" anchor="ctr"/>
-          <a:lstStyle/>
-          <a:p>
-            <a:endParaRPr lang="en-US"/>
-          </a:p>
-        </p:txBody>
-      </p:sp>
-      <p:sp>
-        <p:nvSpPr>
-          <p:cNvPr id="1037" name="Freeform: Shape 1036">
-            <a:extLst>
-              <a:ext uri="{FF2B5EF4-FFF2-40B4-BE49-F238E27FC236}">
-                <a16:creationId xmlns:a16="http://schemas.microsoft.com/office/drawing/2014/main" id="{03C2051E-A88D-48E5-BACF-AAED17892722}"/>
-              </a:ext>
-              <a:ext uri="{C183D7F6-B498-43B3-948B-1728B52AA6E4}">
-                <adec:decorative xmlns:adec="http://schemas.microsoft.com/office/drawing/2017/decorative" val="1"/>
-              </a:ext>
-            </a:extLst>
-          </p:cNvPr>
-          <p:cNvSpPr>
-            <a:spLocks noGrp="1" noRot="1" noChangeAspect="1" noMove="1" noResize="1" noEditPoints="1" noAdjustHandles="1" noChangeArrowheads="1" noChangeShapeType="1" noTextEdit="1"/>
-          </p:cNvSpPr>
-          <p:nvPr>
-            <p:extLst>
-              <p:ext uri="{386F3935-93C4-4BCD-93E2-E3B085C9AB24}">
-                <p16:designElem xmlns:p16="http://schemas.microsoft.com/office/powerpoint/2015/main" val="1"/>
-              </p:ext>
-            </p:extLst>
-          </p:nvPr>
-        </p:nvSpPr>
-        <p:spPr>
-          <a:xfrm flipH="1">
-            <a:off x="0" y="2916245"/>
-            <a:ext cx="159741" cy="552996"/>
-          </a:xfrm>
-          <a:custGeom>
-            <a:avLst/>
-            <a:gdLst>
-              <a:gd name="connsiteX0" fmla="*/ 159741 w 159741"/>
-              <a:gd name="connsiteY0" fmla="*/ 0 h 552996"/>
-              <a:gd name="connsiteX1" fmla="*/ 159741 w 159741"/>
-              <a:gd name="connsiteY1" fmla="*/ 552996 h 552996"/>
-              <a:gd name="connsiteX2" fmla="*/ 141849 w 159741"/>
-              <a:gd name="connsiteY2" fmla="*/ 543285 h 552996"/>
-              <a:gd name="connsiteX3" fmla="*/ 0 w 159741"/>
-              <a:gd name="connsiteY3" fmla="*/ 276498 h 552996"/>
-              <a:gd name="connsiteX4" fmla="*/ 141849 w 159741"/>
-              <a:gd name="connsiteY4" fmla="*/ 9711 h 552996"/>
-            </a:gdLst>
-            <a:ahLst/>
-            <a:cxnLst>
-              <a:cxn ang="0">
-                <a:pos x="connsiteX0" y="connsiteY0"/>
-              </a:cxn>
-              <a:cxn ang="0">
-                <a:pos x="connsiteX1" y="connsiteY1"/>
-              </a:cxn>
-              <a:cxn ang="0">
-                <a:pos x="connsiteX2" y="connsiteY2"/>
-              </a:cxn>
-              <a:cxn ang="0">
-                <a:pos x="connsiteX3" y="connsiteY3"/>
-              </a:cxn>
-              <a:cxn ang="0">
-                <a:pos x="connsiteX4" y="connsiteY4"/>
-              </a:cxn>
-            </a:cxnLst>
-            <a:rect l="l" t="t" r="r" b="b"/>
-            <a:pathLst>
-              <a:path w="159741" h="552996">
-                <a:moveTo>
-                  <a:pt x="159741" y="0"/>
-                </a:moveTo>
-                <a:lnTo>
-                  <a:pt x="159741" y="552996"/>
-                </a:lnTo>
-                <a:lnTo>
-                  <a:pt x="141849" y="543285"/>
-                </a:lnTo>
-                <a:cubicBezTo>
-                  <a:pt x="56268" y="485467"/>
-                  <a:pt x="0" y="387554"/>
-                  <a:pt x="0" y="276498"/>
-                </a:cubicBezTo>
-                <a:cubicBezTo>
-                  <a:pt x="0" y="165443"/>
-                  <a:pt x="56268" y="67529"/>
-                  <a:pt x="141849" y="9711"/>
-                </a:cubicBezTo>
-                <a:close/>
-              </a:path>
-            </a:pathLst>
-          </a:custGeom>
-          <a:solidFill>
-            <a:schemeClr val="accent2"/>
-          </a:solidFill>
-          <a:ln w="127000">
-            <a:noFill/>
-          </a:ln>
-        </p:spPr>
-        <p:style>
-          <a:lnRef idx="2">
-            <a:schemeClr val="accent1">
-              <a:shade val="50000"/>
-            </a:schemeClr>
-          </a:lnRef>
-          <a:fillRef idx="1">
-            <a:schemeClr val="accent1"/>
-          </a:fillRef>
-          <a:effectRef idx="0">
-            <a:schemeClr val="accent1"/>
-          </a:effectRef>
-          <a:fontRef idx="minor">
-            <a:schemeClr val="lt1"/>
-          </a:fontRef>
-        </p:style>
-        <p:txBody>
-          <a:bodyPr wrap="square" rtlCol="0" anchor="ctr">
-            <a:noAutofit/>
-          </a:bodyPr>
-          <a:lstStyle/>
-          <a:p>
-            <a:pPr algn="ctr"/>
-            <a:endParaRPr lang="en-US"/>
-          </a:p>
-        </p:txBody>
-      </p:sp>
-      <p:sp>
-        <p:nvSpPr>
-          <p:cNvPr id="1039" name="Freeform: Shape 1038">
-            <a:extLst>
-              <a:ext uri="{FF2B5EF4-FFF2-40B4-BE49-F238E27FC236}">
-                <a16:creationId xmlns:a16="http://schemas.microsoft.com/office/drawing/2014/main" id="{7821A508-2985-4905-874A-527429BAABFA}"/>
-              </a:ext>
-              <a:ext uri="{C183D7F6-B498-43B3-948B-1728B52AA6E4}">
-                <adec:decorative xmlns:adec="http://schemas.microsoft.com/office/drawing/2017/decorative" val="1"/>
-              </a:ext>
-            </a:extLst>
-          </p:cNvPr>
-          <p:cNvSpPr>
-            <a:spLocks noGrp="1" noRot="1" noChangeAspect="1" noMove="1" noResize="1" noEditPoints="1" noAdjustHandles="1" noChangeArrowheads="1" noChangeShapeType="1" noTextEdit="1"/>
-          </p:cNvSpPr>
-          <p:nvPr>
-            <p:extLst>
-              <p:ext uri="{386F3935-93C4-4BCD-93E2-E3B085C9AB24}">
-                <p16:designElem xmlns:p16="http://schemas.microsoft.com/office/powerpoint/2015/main" val="1"/>
-              </p:ext>
-            </p:extLst>
-          </p:nvPr>
-        </p:nvSpPr>
-        <p:spPr>
-          <a:xfrm flipH="1">
-            <a:off x="0" y="5835649"/>
-            <a:ext cx="1548180" cy="1022351"/>
-          </a:xfrm>
-          <a:custGeom>
-            <a:avLst/>
-            <a:gdLst>
-              <a:gd name="connsiteX0" fmla="*/ 61913 w 1548180"/>
-              <a:gd name="connsiteY0" fmla="*/ 0 h 1022351"/>
-              <a:gd name="connsiteX1" fmla="*/ 1548180 w 1548180"/>
-              <a:gd name="connsiteY1" fmla="*/ 0 h 1022351"/>
-              <a:gd name="connsiteX2" fmla="*/ 1548180 w 1548180"/>
-              <a:gd name="connsiteY2" fmla="*/ 123825 h 1022351"/>
-              <a:gd name="connsiteX3" fmla="*/ 123825 w 1548180"/>
-              <a:gd name="connsiteY3" fmla="*/ 123825 h 1022351"/>
-              <a:gd name="connsiteX4" fmla="*/ 123825 w 1548180"/>
-              <a:gd name="connsiteY4" fmla="*/ 1022351 h 1022351"/>
-              <a:gd name="connsiteX5" fmla="*/ 0 w 1548180"/>
-              <a:gd name="connsiteY5" fmla="*/ 1022351 h 1022351"/>
-              <a:gd name="connsiteX6" fmla="*/ 0 w 1548180"/>
-              <a:gd name="connsiteY6" fmla="*/ 61913 h 1022351"/>
-              <a:gd name="connsiteX7" fmla="*/ 61913 w 1548180"/>
-              <a:gd name="connsiteY7" fmla="*/ 0 h 1022351"/>
-            </a:gdLst>
-            <a:ahLst/>
-            <a:cxnLst>
-              <a:cxn ang="0">
-                <a:pos x="connsiteX0" y="connsiteY0"/>
-              </a:cxn>
-              <a:cxn ang="0">
-                <a:pos x="connsiteX1" y="connsiteY1"/>
-              </a:cxn>
-              <a:cxn ang="0">
-                <a:pos x="connsiteX2" y="connsiteY2"/>
-              </a:cxn>
-              <a:cxn ang="0">
-                <a:pos x="connsiteX3" y="connsiteY3"/>
-              </a:cxn>
-              <a:cxn ang="0">
-                <a:pos x="connsiteX4" y="connsiteY4"/>
-              </a:cxn>
-              <a:cxn ang="0">
-                <a:pos x="connsiteX5" y="connsiteY5"/>
-              </a:cxn>
-              <a:cxn ang="0">
-                <a:pos x="connsiteX6" y="connsiteY6"/>
-              </a:cxn>
-              <a:cxn ang="0">
-                <a:pos x="connsiteX7" y="connsiteY7"/>
-              </a:cxn>
-            </a:cxnLst>
-            <a:rect l="l" t="t" r="r" b="b"/>
-            <a:pathLst>
-              <a:path w="1548180" h="1022351">
-                <a:moveTo>
-                  <a:pt x="61913" y="0"/>
-                </a:moveTo>
-                <a:lnTo>
-                  <a:pt x="1548180" y="0"/>
-                </a:lnTo>
-                <a:lnTo>
-                  <a:pt x="1548180" y="123825"/>
-                </a:lnTo>
-                <a:lnTo>
-                  <a:pt x="123825" y="123825"/>
-                </a:lnTo>
-                <a:lnTo>
-                  <a:pt x="123825" y="1022351"/>
-                </a:lnTo>
-                <a:lnTo>
-                  <a:pt x="0" y="1022351"/>
-                </a:lnTo>
-                <a:lnTo>
-                  <a:pt x="0" y="61913"/>
-                </a:lnTo>
-                <a:cubicBezTo>
-                  <a:pt x="0" y="27719"/>
-                  <a:pt x="27719" y="0"/>
-                  <a:pt x="61913" y="0"/>
-                </a:cubicBezTo>
-                <a:close/>
-              </a:path>
-            </a:pathLst>
-          </a:custGeom>
-          <a:solidFill>
-            <a:schemeClr val="accent6"/>
-          </a:solidFill>
-          <a:ln w="9525" cap="flat">
-            <a:noFill/>
-            <a:prstDash val="solid"/>
-            <a:miter/>
-          </a:ln>
-        </p:spPr>
-        <p:txBody>
-          <a:bodyPr rtlCol="0" anchor="ctr"/>
-          <a:lstStyle/>
-          <a:p>
-            <a:endParaRPr lang="en-US"/>
-          </a:p>
-        </p:txBody>
-      </p:sp>
-      <p:sp>
-        <p:nvSpPr>
-          <p:cNvPr id="1041" name="Freeform: Shape 1040">
-            <a:extLst>
-              <a:ext uri="{FF2B5EF4-FFF2-40B4-BE49-F238E27FC236}">
-                <a16:creationId xmlns:a16="http://schemas.microsoft.com/office/drawing/2014/main" id="{D2929CB1-0E3C-4B2D-ADC5-0154FB33BA44}"/>
-              </a:ext>
-              <a:ext uri="{C183D7F6-B498-43B3-948B-1728B52AA6E4}">
-                <adec:decorative xmlns:adec="http://schemas.microsoft.com/office/drawing/2017/decorative" val="1"/>
-              </a:ext>
-            </a:extLst>
-          </p:cNvPr>
-          <p:cNvSpPr>
-            <a:spLocks noGrp="1" noRot="1" noChangeAspect="1" noMove="1" noResize="1" noEditPoints="1" noAdjustHandles="1" noChangeArrowheads="1" noChangeShapeType="1" noTextEdit="1"/>
-          </p:cNvSpPr>
-          <p:nvPr>
-            <p:extLst>
-              <p:ext uri="{386F3935-93C4-4BCD-93E2-E3B085C9AB24}">
-                <p16:designElem xmlns:p16="http://schemas.microsoft.com/office/powerpoint/2015/main" val="1"/>
-              </p:ext>
-            </p:extLst>
-          </p:nvPr>
-        </p:nvSpPr>
-        <p:spPr>
-          <a:xfrm flipH="1">
-            <a:off x="3697761" y="5717906"/>
-            <a:ext cx="1771609" cy="1140095"/>
-          </a:xfrm>
-          <a:custGeom>
-            <a:avLst/>
-            <a:gdLst>
-              <a:gd name="connsiteX0" fmla="*/ 1561721 w 1771609"/>
-              <a:gd name="connsiteY0" fmla="*/ 763041 h 1140095"/>
-              <a:gd name="connsiteX1" fmla="*/ 1623024 w 1771609"/>
-              <a:gd name="connsiteY1" fmla="*/ 792810 h 1140095"/>
-              <a:gd name="connsiteX2" fmla="*/ 1711735 w 1771609"/>
-              <a:gd name="connsiteY2" fmla="*/ 970132 h 1140095"/>
-              <a:gd name="connsiteX3" fmla="*/ 1771609 w 1771609"/>
-              <a:gd name="connsiteY3" fmla="*/ 1140095 h 1140095"/>
-              <a:gd name="connsiteX4" fmla="*/ 1637225 w 1771609"/>
-              <a:gd name="connsiteY4" fmla="*/ 1140095 h 1140095"/>
-              <a:gd name="connsiteX5" fmla="*/ 1594820 w 1771609"/>
-              <a:gd name="connsiteY5" fmla="*/ 1019711 h 1140095"/>
-              <a:gd name="connsiteX6" fmla="*/ 1513200 w 1771609"/>
-              <a:gd name="connsiteY6" fmla="*/ 856627 h 1140095"/>
-              <a:gd name="connsiteX7" fmla="*/ 1538499 w 1771609"/>
-              <a:gd name="connsiteY7" fmla="*/ 770415 h 1140095"/>
-              <a:gd name="connsiteX8" fmla="*/ 1561721 w 1771609"/>
-              <a:gd name="connsiteY8" fmla="*/ 763041 h 1140095"/>
-              <a:gd name="connsiteX9" fmla="*/ 933455 w 1771609"/>
-              <a:gd name="connsiteY9" fmla="*/ 161309 h 1140095"/>
-              <a:gd name="connsiteX10" fmla="*/ 957797 w 1771609"/>
-              <a:gd name="connsiteY10" fmla="*/ 167970 h 1140095"/>
-              <a:gd name="connsiteX11" fmla="*/ 1286982 w 1771609"/>
-              <a:gd name="connsiteY11" fmla="*/ 387616 h 1140095"/>
-              <a:gd name="connsiteX12" fmla="*/ 1293725 w 1771609"/>
-              <a:gd name="connsiteY12" fmla="*/ 477075 h 1140095"/>
-              <a:gd name="connsiteX13" fmla="*/ 1245453 w 1771609"/>
-              <a:gd name="connsiteY13" fmla="*/ 499154 h 1140095"/>
-              <a:gd name="connsiteX14" fmla="*/ 1245167 w 1771609"/>
-              <a:gd name="connsiteY14" fmla="*/ 499154 h 1140095"/>
-              <a:gd name="connsiteX15" fmla="*/ 1203638 w 1771609"/>
-              <a:gd name="connsiteY15" fmla="*/ 484104 h 1140095"/>
-              <a:gd name="connsiteX16" fmla="*/ 900647 w 1771609"/>
-              <a:gd name="connsiteY16" fmla="*/ 281508 h 1140095"/>
-              <a:gd name="connsiteX17" fmla="*/ 872454 w 1771609"/>
-              <a:gd name="connsiteY17" fmla="*/ 196164 h 1140095"/>
-              <a:gd name="connsiteX18" fmla="*/ 933455 w 1771609"/>
-              <a:gd name="connsiteY18" fmla="*/ 161309 h 1140095"/>
-              <a:gd name="connsiteX19" fmla="*/ 256260 w 1771609"/>
-              <a:gd name="connsiteY19" fmla="*/ 29 h 1140095"/>
-              <a:gd name="connsiteX20" fmla="*/ 454020 w 1771609"/>
-              <a:gd name="connsiteY20" fmla="*/ 13474 h 1140095"/>
-              <a:gd name="connsiteX21" fmla="*/ 509236 w 1771609"/>
-              <a:gd name="connsiteY21" fmla="*/ 84182 h 1140095"/>
-              <a:gd name="connsiteX22" fmla="*/ 445829 w 1771609"/>
-              <a:gd name="connsiteY22" fmla="*/ 139871 h 1140095"/>
-              <a:gd name="connsiteX23" fmla="*/ 437447 w 1771609"/>
-              <a:gd name="connsiteY23" fmla="*/ 139395 h 1140095"/>
-              <a:gd name="connsiteX24" fmla="*/ 73211 w 1771609"/>
-              <a:gd name="connsiteY24" fmla="*/ 137204 h 1140095"/>
-              <a:gd name="connsiteX25" fmla="*/ 749 w 1771609"/>
-              <a:gd name="connsiteY25" fmla="*/ 84082 h 1140095"/>
-              <a:gd name="connsiteX26" fmla="*/ 53871 w 1771609"/>
-              <a:gd name="connsiteY26" fmla="*/ 11621 h 1140095"/>
-              <a:gd name="connsiteX27" fmla="*/ 58352 w 1771609"/>
-              <a:gd name="connsiteY27" fmla="*/ 11093 h 1140095"/>
-              <a:gd name="connsiteX28" fmla="*/ 256260 w 1771609"/>
-              <a:gd name="connsiteY28" fmla="*/ 29 h 1140095"/>
-            </a:gdLst>
-            <a:ahLst/>
-            <a:cxnLst>
-              <a:cxn ang="0">
-                <a:pos x="connsiteX0" y="connsiteY0"/>
-              </a:cxn>
-              <a:cxn ang="0">
-                <a:pos x="connsiteX1" y="connsiteY1"/>
-              </a:cxn>
-              <a:cxn ang="0">
-                <a:pos x="connsiteX2" y="connsiteY2"/>
-              </a:cxn>
-              <a:cxn ang="0">
-                <a:pos x="connsiteX3" y="connsiteY3"/>
-              </a:cxn>
-              <a:cxn ang="0">
-                <a:pos x="connsiteX4" y="connsiteY4"/>
-              </a:cxn>
-              <a:cxn ang="0">
-                <a:pos x="connsiteX5" y="connsiteY5"/>
-              </a:cxn>
-              <a:cxn ang="0">
-                <a:pos x="connsiteX6" y="connsiteY6"/>
-              </a:cxn>
-              <a:cxn ang="0">
-                <a:pos x="connsiteX7" y="connsiteY7"/>
-              </a:cxn>
-              <a:cxn ang="0">
-                <a:pos x="connsiteX8" y="connsiteY8"/>
-              </a:cxn>
-              <a:cxn ang="0">
-                <a:pos x="connsiteX9" y="connsiteY9"/>
-              </a:cxn>
-              <a:cxn ang="0">
-                <a:pos x="connsiteX10" y="connsiteY10"/>
-              </a:cxn>
-              <a:cxn ang="0">
-                <a:pos x="connsiteX11" y="connsiteY11"/>
-              </a:cxn>
-              <a:cxn ang="0">
-                <a:pos x="connsiteX12" y="connsiteY12"/>
-              </a:cxn>
-              <a:cxn ang="0">
-                <a:pos x="connsiteX13" y="connsiteY13"/>
-              </a:cxn>
-              <a:cxn ang="0">
-                <a:pos x="connsiteX14" y="connsiteY14"/>
-              </a:cxn>
-              <a:cxn ang="0">
-                <a:pos x="connsiteX15" y="connsiteY15"/>
-              </a:cxn>
-              <a:cxn ang="0">
-                <a:pos x="connsiteX16" y="connsiteY16"/>
-              </a:cxn>
-              <a:cxn ang="0">
-                <a:pos x="connsiteX17" y="connsiteY17"/>
-              </a:cxn>
-              <a:cxn ang="0">
-                <a:pos x="connsiteX18" y="connsiteY18"/>
-              </a:cxn>
-              <a:cxn ang="0">
-                <a:pos x="connsiteX19" y="connsiteY19"/>
-              </a:cxn>
-              <a:cxn ang="0">
-                <a:pos x="connsiteX20" y="connsiteY20"/>
-              </a:cxn>
-              <a:cxn ang="0">
-                <a:pos x="connsiteX21" y="connsiteY21"/>
-              </a:cxn>
-              <a:cxn ang="0">
-                <a:pos x="connsiteX22" y="connsiteY22"/>
-              </a:cxn>
-              <a:cxn ang="0">
-                <a:pos x="connsiteX23" y="connsiteY23"/>
-              </a:cxn>
-              <a:cxn ang="0">
-                <a:pos x="connsiteX24" y="connsiteY24"/>
-              </a:cxn>
-              <a:cxn ang="0">
-                <a:pos x="connsiteX25" y="connsiteY25"/>
-              </a:cxn>
-              <a:cxn ang="0">
-                <a:pos x="connsiteX26" y="connsiteY26"/>
-              </a:cxn>
-              <a:cxn ang="0">
-                <a:pos x="connsiteX27" y="connsiteY27"/>
-              </a:cxn>
-              <a:cxn ang="0">
-                <a:pos x="connsiteX28" y="connsiteY28"/>
-              </a:cxn>
-            </a:cxnLst>
-            <a:rect l="l" t="t" r="r" b="b"/>
-            <a:pathLst>
-              <a:path w="1771609" h="1140095">
-                <a:moveTo>
-                  <a:pt x="1561721" y="763041"/>
-                </a:moveTo>
-                <a:cubicBezTo>
-                  <a:pt x="1585506" y="760324"/>
-                  <a:pt x="1609722" y="771249"/>
-                  <a:pt x="1623024" y="792810"/>
-                </a:cubicBezTo>
-                <a:cubicBezTo>
-                  <a:pt x="1656300" y="850065"/>
-                  <a:pt x="1685920" y="909291"/>
-                  <a:pt x="1711735" y="970132"/>
-                </a:cubicBezTo>
-                <a:lnTo>
-                  <a:pt x="1771609" y="1140095"/>
-                </a:lnTo>
-                <a:lnTo>
-                  <a:pt x="1637225" y="1140095"/>
-                </a:lnTo>
-                <a:lnTo>
-                  <a:pt x="1594820" y="1019711"/>
-                </a:lnTo>
-                <a:cubicBezTo>
-                  <a:pt x="1571072" y="963753"/>
-                  <a:pt x="1543818" y="909282"/>
-                  <a:pt x="1513200" y="856627"/>
-                </a:cubicBezTo>
-                <a:cubicBezTo>
-                  <a:pt x="1496379" y="825834"/>
-                  <a:pt x="1507704" y="787236"/>
-                  <a:pt x="1538499" y="770415"/>
-                </a:cubicBezTo>
-                <a:cubicBezTo>
-                  <a:pt x="1545912" y="766367"/>
-                  <a:pt x="1553792" y="763946"/>
-                  <a:pt x="1561721" y="763041"/>
-                </a:cubicBezTo>
-                <a:close/>
-                <a:moveTo>
-                  <a:pt x="933455" y="161309"/>
-                </a:moveTo>
-                <a:cubicBezTo>
-                  <a:pt x="941693" y="161855"/>
-                  <a:pt x="949959" y="164025"/>
-                  <a:pt x="957797" y="167970"/>
-                </a:cubicBezTo>
-                <a:cubicBezTo>
-                  <a:pt x="1076184" y="227289"/>
-                  <a:pt x="1186759" y="301068"/>
-                  <a:pt x="1286982" y="387616"/>
-                </a:cubicBezTo>
-                <a:cubicBezTo>
-                  <a:pt x="1313547" y="410457"/>
-                  <a:pt x="1316566" y="450510"/>
-                  <a:pt x="1293725" y="477075"/>
-                </a:cubicBezTo>
-                <a:cubicBezTo>
-                  <a:pt x="1281638" y="491137"/>
-                  <a:pt x="1263998" y="499204"/>
-                  <a:pt x="1245453" y="499154"/>
-                </a:cubicBezTo>
-                <a:lnTo>
-                  <a:pt x="1245167" y="499154"/>
-                </a:lnTo>
-                <a:cubicBezTo>
-                  <a:pt x="1229965" y="499301"/>
-                  <a:pt x="1215220" y="493956"/>
-                  <a:pt x="1203638" y="484104"/>
-                </a:cubicBezTo>
-                <a:cubicBezTo>
-                  <a:pt x="1111407" y="404300"/>
-                  <a:pt x="1009633" y="336248"/>
-                  <a:pt x="900647" y="281508"/>
-                </a:cubicBezTo>
-                <a:cubicBezTo>
-                  <a:pt x="869295" y="265726"/>
-                  <a:pt x="856672" y="227516"/>
-                  <a:pt x="872454" y="196164"/>
-                </a:cubicBezTo>
-                <a:cubicBezTo>
-                  <a:pt x="884290" y="172650"/>
-                  <a:pt x="908742" y="159670"/>
-                  <a:pt x="933455" y="161309"/>
-                </a:cubicBezTo>
-                <a:close/>
-                <a:moveTo>
-                  <a:pt x="256260" y="29"/>
-                </a:moveTo>
-                <a:cubicBezTo>
-                  <a:pt x="322331" y="427"/>
-                  <a:pt x="388378" y="4909"/>
-                  <a:pt x="454020" y="13474"/>
-                </a:cubicBezTo>
-                <a:cubicBezTo>
-                  <a:pt x="488793" y="17752"/>
-                  <a:pt x="513514" y="49409"/>
-                  <a:pt x="509236" y="84182"/>
-                </a:cubicBezTo>
-                <a:cubicBezTo>
-                  <a:pt x="505303" y="116151"/>
-                  <a:pt x="478038" y="140098"/>
-                  <a:pt x="445829" y="139871"/>
-                </a:cubicBezTo>
-                <a:cubicBezTo>
-                  <a:pt x="443027" y="139899"/>
-                  <a:pt x="440227" y="139740"/>
-                  <a:pt x="437447" y="139395"/>
-                </a:cubicBezTo>
-                <a:cubicBezTo>
-                  <a:pt x="316592" y="123615"/>
-                  <a:pt x="194247" y="122878"/>
-                  <a:pt x="73211" y="137204"/>
-                </a:cubicBezTo>
-                <a:cubicBezTo>
-                  <a:pt x="38532" y="142545"/>
-                  <a:pt x="6090" y="118762"/>
-                  <a:pt x="749" y="84082"/>
-                </a:cubicBezTo>
-                <a:cubicBezTo>
-                  <a:pt x="-4591" y="49403"/>
-                  <a:pt x="19192" y="16961"/>
-                  <a:pt x="53871" y="11621"/>
-                </a:cubicBezTo>
-                <a:cubicBezTo>
-                  <a:pt x="55358" y="11392"/>
-                  <a:pt x="56852" y="11216"/>
-                  <a:pt x="58352" y="11093"/>
-                </a:cubicBezTo>
-                <a:cubicBezTo>
-                  <a:pt x="124093" y="3319"/>
-                  <a:pt x="190189" y="-369"/>
-                  <a:pt x="256260" y="29"/>
-                </a:cubicBezTo>
-                <a:close/>
-              </a:path>
-            </a:pathLst>
-          </a:custGeom>
-          <a:solidFill>
-            <a:schemeClr val="accent4"/>
-          </a:solidFill>
-          <a:ln w="9525" cap="flat">
-            <a:noFill/>
-            <a:prstDash val="solid"/>
-            <a:miter/>
-          </a:ln>
-        </p:spPr>
-        <p:txBody>
-          <a:bodyPr rtlCol="0" anchor="ctr"/>
-          <a:lstStyle/>
-          <a:p>
-            <a:endParaRPr lang="en-US"/>
           </a:p>
         </p:txBody>
       </p:sp>
@@ -5269,134 +4006,6 @@
       </p:pic>
       <p:sp>
         <p:nvSpPr>
-          <p:cNvPr id="1043" name="Freeform: Shape 1042">
-            <a:extLst>
-              <a:ext uri="{FF2B5EF4-FFF2-40B4-BE49-F238E27FC236}">
-                <a16:creationId xmlns:a16="http://schemas.microsoft.com/office/drawing/2014/main" id="{5F2F0C84-BE8C-4DC2-A6D3-30349A801D5C}"/>
-              </a:ext>
-              <a:ext uri="{C183D7F6-B498-43B3-948B-1728B52AA6E4}">
-                <adec:decorative xmlns:adec="http://schemas.microsoft.com/office/drawing/2017/decorative" val="1"/>
-              </a:ext>
-            </a:extLst>
-          </p:cNvPr>
-          <p:cNvSpPr>
-            <a:spLocks noGrp="1" noRot="1" noChangeAspect="1" noMove="1" noResize="1" noEditPoints="1" noAdjustHandles="1" noChangeArrowheads="1" noChangeShapeType="1" noTextEdit="1"/>
-          </p:cNvSpPr>
-          <p:nvPr>
-            <p:extLst>
-              <p:ext uri="{386F3935-93C4-4BCD-93E2-E3B085C9AB24}">
-                <p16:designElem xmlns:p16="http://schemas.microsoft.com/office/powerpoint/2015/main" val="1"/>
-              </p:ext>
-            </p:extLst>
-          </p:nvPr>
-        </p:nvSpPr>
-        <p:spPr>
-          <a:xfrm flipH="1">
-            <a:off x="4520513" y="6258756"/>
-            <a:ext cx="1565940" cy="599245"/>
-          </a:xfrm>
-          <a:custGeom>
-            <a:avLst/>
-            <a:gdLst>
-              <a:gd name="connsiteX0" fmla="*/ 782970 w 1565940"/>
-              <a:gd name="connsiteY0" fmla="*/ 0 h 599245"/>
-              <a:gd name="connsiteX1" fmla="*/ 1528042 w 1565940"/>
-              <a:gd name="connsiteY1" fmla="*/ 480469 h 599245"/>
-              <a:gd name="connsiteX2" fmla="*/ 1565940 w 1565940"/>
-              <a:gd name="connsiteY2" fmla="*/ 599245 h 599245"/>
-              <a:gd name="connsiteX3" fmla="*/ 0 w 1565940"/>
-              <a:gd name="connsiteY3" fmla="*/ 599245 h 599245"/>
-              <a:gd name="connsiteX4" fmla="*/ 37898 w 1565940"/>
-              <a:gd name="connsiteY4" fmla="*/ 480469 h 599245"/>
-              <a:gd name="connsiteX5" fmla="*/ 782970 w 1565940"/>
-              <a:gd name="connsiteY5" fmla="*/ 0 h 599245"/>
-            </a:gdLst>
-            <a:ahLst/>
-            <a:cxnLst>
-              <a:cxn ang="0">
-                <a:pos x="connsiteX0" y="connsiteY0"/>
-              </a:cxn>
-              <a:cxn ang="0">
-                <a:pos x="connsiteX1" y="connsiteY1"/>
-              </a:cxn>
-              <a:cxn ang="0">
-                <a:pos x="connsiteX2" y="connsiteY2"/>
-              </a:cxn>
-              <a:cxn ang="0">
-                <a:pos x="connsiteX3" y="connsiteY3"/>
-              </a:cxn>
-              <a:cxn ang="0">
-                <a:pos x="connsiteX4" y="connsiteY4"/>
-              </a:cxn>
-              <a:cxn ang="0">
-                <a:pos x="connsiteX5" y="connsiteY5"/>
-              </a:cxn>
-            </a:cxnLst>
-            <a:rect l="l" t="t" r="r" b="b"/>
-            <a:pathLst>
-              <a:path w="1565940" h="599245">
-                <a:moveTo>
-                  <a:pt x="782970" y="0"/>
-                </a:moveTo>
-                <a:cubicBezTo>
-                  <a:pt x="1117910" y="0"/>
-                  <a:pt x="1405287" y="198118"/>
-                  <a:pt x="1528042" y="480469"/>
-                </a:cubicBezTo>
-                <a:lnTo>
-                  <a:pt x="1565940" y="599245"/>
-                </a:lnTo>
-                <a:lnTo>
-                  <a:pt x="0" y="599245"/>
-                </a:lnTo>
-                <a:lnTo>
-                  <a:pt x="37898" y="480469"/>
-                </a:lnTo>
-                <a:cubicBezTo>
-                  <a:pt x="160653" y="198118"/>
-                  <a:pt x="448030" y="0"/>
-                  <a:pt x="782970" y="0"/>
-                </a:cubicBezTo>
-                <a:close/>
-              </a:path>
-            </a:pathLst>
-          </a:custGeom>
-          <a:solidFill>
-            <a:schemeClr val="accent2"/>
-          </a:solidFill>
-          <a:ln>
-            <a:noFill/>
-          </a:ln>
-        </p:spPr>
-        <p:style>
-          <a:lnRef idx="2">
-            <a:schemeClr val="accent1">
-              <a:shade val="50000"/>
-            </a:schemeClr>
-          </a:lnRef>
-          <a:fillRef idx="1">
-            <a:schemeClr val="accent1"/>
-          </a:fillRef>
-          <a:effectRef idx="0">
-            <a:schemeClr val="accent1"/>
-          </a:effectRef>
-          <a:fontRef idx="minor">
-            <a:schemeClr val="lt1"/>
-          </a:fontRef>
-        </p:style>
-        <p:txBody>
-          <a:bodyPr wrap="square" rtlCol="0" anchor="ctr">
-            <a:noAutofit/>
-          </a:bodyPr>
-          <a:lstStyle/>
-          <a:p>
-            <a:pPr algn="ctr"/>
-            <a:endParaRPr lang="en-US" dirty="0"/>
-          </a:p>
-        </p:txBody>
-      </p:sp>
-      <p:sp>
-        <p:nvSpPr>
           <p:cNvPr id="7" name="TextBox 6">
             <a:extLst>
               <a:ext uri="{FF2B5EF4-FFF2-40B4-BE49-F238E27FC236}">
@@ -5486,6 +4095,97 @@
           </a:p>
         </p:txBody>
       </p:sp>
+      <p:sp>
+        <p:nvSpPr>
+          <p:cNvPr id="8" name="TextBox 7">
+            <a:extLst>
+              <a:ext uri="{FF2B5EF4-FFF2-40B4-BE49-F238E27FC236}">
+                <a16:creationId xmlns:a16="http://schemas.microsoft.com/office/drawing/2014/main" id="{2AC53B51-06A1-3207-7690-F5206E63D0D7}"/>
+              </a:ext>
+            </a:extLst>
+          </p:cNvPr>
+          <p:cNvSpPr txBox="1"/>
+          <p:nvPr/>
+        </p:nvSpPr>
+        <p:spPr>
+          <a:xfrm>
+            <a:off x="424443" y="6394727"/>
+            <a:ext cx="3488553" cy="369332"/>
+          </a:xfrm>
+          <a:prstGeom prst="rect">
+            <a:avLst/>
+          </a:prstGeom>
+          <a:noFill/>
+        </p:spPr>
+        <p:txBody>
+          <a:bodyPr wrap="square">
+            <a:spAutoFit/>
+          </a:bodyPr>
+          <a:lstStyle/>
+          <a:p>
+            <a:pPr>
+              <a:spcAft>
+                <a:spcPts val="600"/>
+              </a:spcAft>
+            </a:pPr>
+            <a:r>
+              <a:rPr lang="en-AU" b="1" dirty="0">
+                <a:latin typeface="Arial" panose="020B0604020202020204" pitchFamily="34" charset="0"/>
+                <a:cs typeface="Arial" panose="020B0604020202020204" pitchFamily="34" charset="0"/>
+              </a:rPr>
+              <a:t> @GiorgiaMori87</a:t>
+            </a:r>
+            <a:endParaRPr lang="en-US" dirty="0"/>
+          </a:p>
+        </p:txBody>
+      </p:sp>
+      <p:pic>
+        <p:nvPicPr>
+          <p:cNvPr id="9" name="Picture 2" descr="Twitter Logo PNG Free Images with Transparent Background - (142 Free  Downloads)">
+            <a:extLst>
+              <a:ext uri="{FF2B5EF4-FFF2-40B4-BE49-F238E27FC236}">
+                <a16:creationId xmlns:a16="http://schemas.microsoft.com/office/drawing/2014/main" id="{FF095CB7-67CC-CF20-EAF1-71B9CC903EA2}"/>
+              </a:ext>
+            </a:extLst>
+          </p:cNvPr>
+          <p:cNvPicPr>
+            <a:picLocks noChangeAspect="1" noChangeArrowheads="1"/>
+          </p:cNvPicPr>
+          <p:nvPr/>
+        </p:nvPicPr>
+        <p:blipFill>
+          <a:blip r:embed="rId4">
+            <a:extLst>
+              <a:ext uri="{28A0092B-C50C-407E-A947-70E740481C1C}">
+                <a14:useLocalDpi xmlns:a14="http://schemas.microsoft.com/office/drawing/2010/main" val="0"/>
+              </a:ext>
+            </a:extLst>
+          </a:blip>
+          <a:srcRect/>
+          <a:stretch>
+            <a:fillRect/>
+          </a:stretch>
+        </p:blipFill>
+        <p:spPr bwMode="auto">
+          <a:xfrm>
+            <a:off x="0" y="6300787"/>
+            <a:ext cx="557213" cy="557213"/>
+          </a:xfrm>
+          <a:prstGeom prst="rect">
+            <a:avLst/>
+          </a:prstGeom>
+          <a:noFill/>
+          <a:extLst>
+            <a:ext uri="{909E8E84-426E-40DD-AFC4-6F175D3DCCD1}">
+              <a14:hiddenFill xmlns:a14="http://schemas.microsoft.com/office/drawing/2010/main">
+                <a:solidFill>
+                  <a:srgbClr val="FFFFFF"/>
+                </a:solidFill>
+              </a14:hiddenFill>
+            </a:ext>
+          </a:extLst>
+        </p:spPr>
+      </p:pic>
     </p:spTree>
     <p:extLst>
       <p:ext uri="{BB962C8B-B14F-4D97-AF65-F5344CB8AC3E}">
@@ -5539,10 +4239,7 @@
           <a:noFill/>
           <a:ln w="57150">
             <a:solidFill>
-              <a:schemeClr val="accent2">
-                <a:lumMod val="60000"/>
-                <a:lumOff val="40000"/>
-              </a:schemeClr>
+              <a:srgbClr val="D23207"/>
             </a:solidFill>
           </a:ln>
         </p:spPr>
@@ -5594,10 +4291,7 @@
           <a:noFill/>
           <a:ln w="57150">
             <a:solidFill>
-              <a:schemeClr val="accent6">
-                <a:lumMod val="60000"/>
-                <a:lumOff val="40000"/>
-              </a:schemeClr>
+              <a:srgbClr val="FFC000"/>
             </a:solidFill>
           </a:ln>
         </p:spPr>
@@ -5832,10 +4526,7 @@
             <a:avLst/>
           </a:prstGeom>
           <a:solidFill>
-            <a:schemeClr val="accent2">
-              <a:lumMod val="60000"/>
-              <a:lumOff val="40000"/>
-            </a:schemeClr>
+            <a:srgbClr val="D23207"/>
           </a:solidFill>
           <a:ln>
             <a:noFill/>
@@ -5893,10 +4584,7 @@
             <a:avLst/>
           </a:prstGeom>
           <a:solidFill>
-            <a:schemeClr val="accent2">
-              <a:lumMod val="60000"/>
-              <a:lumOff val="40000"/>
-            </a:schemeClr>
+            <a:srgbClr val="D23207"/>
           </a:solidFill>
           <a:ln>
             <a:noFill/>
@@ -5995,13 +4683,12 @@
           <a:prstGeom prst="rect">
             <a:avLst/>
           </a:prstGeom>
-          <a:noFill/>
+          <a:solidFill>
+            <a:srgbClr val="D23207"/>
+          </a:solidFill>
           <a:ln w="57150">
             <a:solidFill>
-              <a:schemeClr val="accent2">
-                <a:lumMod val="60000"/>
-                <a:lumOff val="40000"/>
-              </a:schemeClr>
+              <a:srgbClr val="D23207"/>
             </a:solidFill>
           </a:ln>
         </p:spPr>
@@ -6075,10 +4762,7 @@
           <a:noFill/>
           <a:ln w="57150">
             <a:solidFill>
-              <a:schemeClr val="accent6">
-                <a:lumMod val="60000"/>
-                <a:lumOff val="40000"/>
-              </a:schemeClr>
+              <a:srgbClr val="FFC000"/>
             </a:solidFill>
           </a:ln>
         </p:spPr>
@@ -6150,10 +4834,71 @@
             <a:avLst/>
           </a:prstGeom>
           <a:solidFill>
-            <a:schemeClr val="accent2">
-              <a:lumMod val="60000"/>
-              <a:lumOff val="40000"/>
+            <a:srgbClr val="D23207"/>
+          </a:solidFill>
+          <a:ln>
+            <a:solidFill>
+              <a:srgbClr val="D23207"/>
+            </a:solidFill>
+          </a:ln>
+        </p:spPr>
+        <p:style>
+          <a:lnRef idx="2">
+            <a:schemeClr val="accent1">
+              <a:shade val="50000"/>
             </a:schemeClr>
+          </a:lnRef>
+          <a:fillRef idx="1">
+            <a:schemeClr val="accent1"/>
+          </a:fillRef>
+          <a:effectRef idx="0">
+            <a:schemeClr val="accent1"/>
+          </a:effectRef>
+          <a:fontRef idx="minor">
+            <a:schemeClr val="lt1"/>
+          </a:fontRef>
+        </p:style>
+        <p:txBody>
+          <a:bodyPr rtlCol="0" anchor="ctr"/>
+          <a:lstStyle/>
+          <a:p>
+            <a:pPr algn="ctr"/>
+            <a:r>
+              <a:rPr lang="en-US" sz="2400" b="1" dirty="0" err="1">
+                <a:latin typeface="Arial" panose="020B0604020202020204" pitchFamily="34" charset="0"/>
+                <a:cs typeface="Arial" panose="020B0604020202020204" pitchFamily="34" charset="0"/>
+              </a:rPr>
+              <a:t>Organisation</a:t>
+            </a:r>
+            <a:endParaRPr lang="en-US" sz="2400" b="1" dirty="0">
+              <a:latin typeface="Arial" panose="020B0604020202020204" pitchFamily="34" charset="0"/>
+              <a:cs typeface="Arial" panose="020B0604020202020204" pitchFamily="34" charset="0"/>
+            </a:endParaRPr>
+          </a:p>
+        </p:txBody>
+      </p:sp>
+      <p:sp>
+        <p:nvSpPr>
+          <p:cNvPr id="27" name="Rectangle 26">
+            <a:extLst>
+              <a:ext uri="{FF2B5EF4-FFF2-40B4-BE49-F238E27FC236}">
+                <a16:creationId xmlns:a16="http://schemas.microsoft.com/office/drawing/2014/main" id="{E8A31769-1E7B-259B-7879-1B2148CEC917}"/>
+              </a:ext>
+            </a:extLst>
+          </p:cNvPr>
+          <p:cNvSpPr/>
+          <p:nvPr/>
+        </p:nvSpPr>
+        <p:spPr>
+          <a:xfrm>
+            <a:off x="8207631" y="2077884"/>
+            <a:ext cx="3990506" cy="400110"/>
+          </a:xfrm>
+          <a:prstGeom prst="rect">
+            <a:avLst/>
+          </a:prstGeom>
+          <a:solidFill>
+            <a:srgbClr val="FFC000"/>
           </a:solidFill>
           <a:ln>
             <a:noFill/>
@@ -6181,25 +4926,21 @@
           <a:p>
             <a:pPr algn="ctr"/>
             <a:r>
-              <a:rPr lang="en-US" sz="2400" b="1" dirty="0" err="1">
+              <a:rPr lang="en-US" sz="2400" b="1" dirty="0">
                 <a:latin typeface="Arial" panose="020B0604020202020204" pitchFamily="34" charset="0"/>
                 <a:cs typeface="Arial" panose="020B0604020202020204" pitchFamily="34" charset="0"/>
               </a:rPr>
-              <a:t>Organisation</a:t>
-            </a:r>
-            <a:endParaRPr lang="en-US" sz="2400" b="1" dirty="0">
-              <a:latin typeface="Arial" panose="020B0604020202020204" pitchFamily="34" charset="0"/>
-              <a:cs typeface="Arial" panose="020B0604020202020204" pitchFamily="34" charset="0"/>
-            </a:endParaRPr>
-          </a:p>
-        </p:txBody>
-      </p:sp>
-      <p:sp>
-        <p:nvSpPr>
-          <p:cNvPr id="27" name="Rectangle 26">
+              <a:t>Opportunity</a:t>
+            </a:r>
+          </a:p>
+        </p:txBody>
+      </p:sp>
+      <p:sp>
+        <p:nvSpPr>
+          <p:cNvPr id="28" name="Rectangle 27">
             <a:extLst>
               <a:ext uri="{FF2B5EF4-FFF2-40B4-BE49-F238E27FC236}">
-                <a16:creationId xmlns:a16="http://schemas.microsoft.com/office/drawing/2014/main" id="{E8A31769-1E7B-259B-7879-1B2148CEC917}"/>
+                <a16:creationId xmlns:a16="http://schemas.microsoft.com/office/drawing/2014/main" id="{88F7997C-1747-EA04-A711-59B573331C10}"/>
               </a:ext>
             </a:extLst>
           </p:cNvPr>
@@ -6208,17 +4949,14 @@
         </p:nvSpPr>
         <p:spPr>
           <a:xfrm>
-            <a:off x="8207631" y="2077884"/>
+            <a:off x="8199075" y="3414241"/>
             <a:ext cx="3990506" cy="400110"/>
           </a:xfrm>
           <a:prstGeom prst="rect">
             <a:avLst/>
           </a:prstGeom>
           <a:solidFill>
-            <a:schemeClr val="accent6">
-              <a:lumMod val="60000"/>
-              <a:lumOff val="40000"/>
-            </a:schemeClr>
+            <a:srgbClr val="FFC000"/>
           </a:solidFill>
           <a:ln>
             <a:noFill/>
@@ -6250,17 +4988,17 @@
                 <a:latin typeface="Arial" panose="020B0604020202020204" pitchFamily="34" charset="0"/>
                 <a:cs typeface="Arial" panose="020B0604020202020204" pitchFamily="34" charset="0"/>
               </a:rPr>
-              <a:t>Opportunity</a:t>
-            </a:r>
-          </a:p>
-        </p:txBody>
-      </p:sp>
-      <p:sp>
-        <p:nvSpPr>
-          <p:cNvPr id="28" name="Rectangle 27">
+              <a:t>Approach</a:t>
+            </a:r>
+          </a:p>
+        </p:txBody>
+      </p:sp>
+      <p:sp>
+        <p:nvSpPr>
+          <p:cNvPr id="29" name="Rectangle 28">
             <a:extLst>
               <a:ext uri="{FF2B5EF4-FFF2-40B4-BE49-F238E27FC236}">
-                <a16:creationId xmlns:a16="http://schemas.microsoft.com/office/drawing/2014/main" id="{88F7997C-1747-EA04-A711-59B573331C10}"/>
+                <a16:creationId xmlns:a16="http://schemas.microsoft.com/office/drawing/2014/main" id="{72B11A42-4C11-3755-2A83-0EDECBA47D6C}"/>
               </a:ext>
             </a:extLst>
           </p:cNvPr>
@@ -6269,17 +5007,14 @@
         </p:nvSpPr>
         <p:spPr>
           <a:xfrm>
-            <a:off x="8199075" y="3414241"/>
+            <a:off x="8184759" y="1121676"/>
             <a:ext cx="3990506" cy="400110"/>
           </a:xfrm>
           <a:prstGeom prst="rect">
             <a:avLst/>
           </a:prstGeom>
           <a:solidFill>
-            <a:schemeClr val="accent6">
-              <a:lumMod val="60000"/>
-              <a:lumOff val="40000"/>
-            </a:schemeClr>
+            <a:srgbClr val="FFC000"/>
           </a:solidFill>
           <a:ln>
             <a:noFill/>
@@ -6307,21 +5042,67 @@
           <a:p>
             <a:pPr algn="ctr"/>
             <a:r>
-              <a:rPr lang="en-US" sz="2400" b="1" dirty="0">
+              <a:rPr lang="en-US" sz="2400" b="1" dirty="0" err="1">
                 <a:latin typeface="Arial" panose="020B0604020202020204" pitchFamily="34" charset="0"/>
                 <a:cs typeface="Arial" panose="020B0604020202020204" pitchFamily="34" charset="0"/>
               </a:rPr>
-              <a:t>Approach</a:t>
-            </a:r>
-          </a:p>
-        </p:txBody>
-      </p:sp>
-      <p:sp>
-        <p:nvSpPr>
-          <p:cNvPr id="29" name="Rectangle 28">
+              <a:t>Organisation</a:t>
+            </a:r>
+            <a:endParaRPr lang="en-US" sz="2400" b="1" dirty="0">
+              <a:latin typeface="Arial" panose="020B0604020202020204" pitchFamily="34" charset="0"/>
+              <a:cs typeface="Arial" panose="020B0604020202020204" pitchFamily="34" charset="0"/>
+            </a:endParaRPr>
+          </a:p>
+        </p:txBody>
+      </p:sp>
+      <p:sp>
+        <p:nvSpPr>
+          <p:cNvPr id="34" name="TextBox 33">
             <a:extLst>
               <a:ext uri="{FF2B5EF4-FFF2-40B4-BE49-F238E27FC236}">
-                <a16:creationId xmlns:a16="http://schemas.microsoft.com/office/drawing/2014/main" id="{72B11A42-4C11-3755-2A83-0EDECBA47D6C}"/>
+                <a16:creationId xmlns:a16="http://schemas.microsoft.com/office/drawing/2014/main" id="{5F1FD683-85A3-A07D-BC54-0E88E5B0C5F5}"/>
+              </a:ext>
+            </a:extLst>
+          </p:cNvPr>
+          <p:cNvSpPr txBox="1"/>
+          <p:nvPr/>
+        </p:nvSpPr>
+        <p:spPr>
+          <a:xfrm>
+            <a:off x="8263885" y="2622952"/>
+            <a:ext cx="3821257" cy="646331"/>
+          </a:xfrm>
+          <a:prstGeom prst="rect">
+            <a:avLst/>
+          </a:prstGeom>
+          <a:noFill/>
+        </p:spPr>
+        <p:txBody>
+          <a:bodyPr wrap="square">
+            <a:spAutoFit/>
+          </a:bodyPr>
+          <a:lstStyle/>
+          <a:p>
+            <a:pPr marL="171450" indent="-171450" algn="just">
+              <a:buFont typeface="Arial" panose="020B0604020202020204" pitchFamily="34" charset="0"/>
+              <a:buChar char="•"/>
+            </a:pPr>
+            <a:r>
+              <a:rPr lang="en-AU" sz="1800" dirty="0">
+                <a:latin typeface="Arial" panose="020B0604020202020204" pitchFamily="34" charset="0"/>
+                <a:cs typeface="Arial" panose="020B0604020202020204" pitchFamily="34" charset="0"/>
+              </a:rPr>
+              <a:t>SIH ran a "python for geoscience" workshop at a conference</a:t>
+            </a:r>
+          </a:p>
+        </p:txBody>
+      </p:sp>
+      <p:sp>
+        <p:nvSpPr>
+          <p:cNvPr id="37" name="Rectangle 36">
+            <a:extLst>
+              <a:ext uri="{FF2B5EF4-FFF2-40B4-BE49-F238E27FC236}">
+                <a16:creationId xmlns:a16="http://schemas.microsoft.com/office/drawing/2014/main" id="{74ECE49A-C8DA-69F2-480A-2C7D035A105F}"/>
               </a:ext>
             </a:extLst>
           </p:cNvPr>
@@ -6330,17 +5111,14 @@
         </p:nvSpPr>
         <p:spPr>
           <a:xfrm>
-            <a:off x="8184759" y="1121676"/>
+            <a:off x="4100747" y="4978566"/>
             <a:ext cx="3990506" cy="400110"/>
           </a:xfrm>
           <a:prstGeom prst="rect">
             <a:avLst/>
           </a:prstGeom>
           <a:solidFill>
-            <a:schemeClr val="accent6">
-              <a:lumMod val="60000"/>
-              <a:lumOff val="40000"/>
-            </a:schemeClr>
+            <a:srgbClr val="D23207"/>
           </a:solidFill>
           <a:ln>
             <a:noFill/>
@@ -6368,67 +5146,21 @@
           <a:p>
             <a:pPr algn="ctr"/>
             <a:r>
-              <a:rPr lang="en-US" sz="2400" b="1" dirty="0" err="1">
+              <a:rPr lang="en-US" sz="2400" b="1" dirty="0">
                 <a:latin typeface="Arial" panose="020B0604020202020204" pitchFamily="34" charset="0"/>
                 <a:cs typeface="Arial" panose="020B0604020202020204" pitchFamily="34" charset="0"/>
               </a:rPr>
-              <a:t>Organisation</a:t>
-            </a:r>
-            <a:endParaRPr lang="en-US" sz="2400" b="1" dirty="0">
-              <a:latin typeface="Arial" panose="020B0604020202020204" pitchFamily="34" charset="0"/>
-              <a:cs typeface="Arial" panose="020B0604020202020204" pitchFamily="34" charset="0"/>
-            </a:endParaRPr>
-          </a:p>
-        </p:txBody>
-      </p:sp>
-      <p:sp>
-        <p:nvSpPr>
-          <p:cNvPr id="34" name="TextBox 33">
+              <a:t>Insights</a:t>
+            </a:r>
+          </a:p>
+        </p:txBody>
+      </p:sp>
+      <p:sp>
+        <p:nvSpPr>
+          <p:cNvPr id="38" name="Rectangle 37">
             <a:extLst>
               <a:ext uri="{FF2B5EF4-FFF2-40B4-BE49-F238E27FC236}">
-                <a16:creationId xmlns:a16="http://schemas.microsoft.com/office/drawing/2014/main" id="{5F1FD683-85A3-A07D-BC54-0E88E5B0C5F5}"/>
-              </a:ext>
-            </a:extLst>
-          </p:cNvPr>
-          <p:cNvSpPr txBox="1"/>
-          <p:nvPr/>
-        </p:nvSpPr>
-        <p:spPr>
-          <a:xfrm>
-            <a:off x="8263885" y="2622952"/>
-            <a:ext cx="3821257" cy="646331"/>
-          </a:xfrm>
-          <a:prstGeom prst="rect">
-            <a:avLst/>
-          </a:prstGeom>
-          <a:noFill/>
-        </p:spPr>
-        <p:txBody>
-          <a:bodyPr wrap="square">
-            <a:spAutoFit/>
-          </a:bodyPr>
-          <a:lstStyle/>
-          <a:p>
-            <a:pPr marL="171450" indent="-171450" algn="just">
-              <a:buFont typeface="Arial" panose="020B0604020202020204" pitchFamily="34" charset="0"/>
-              <a:buChar char="•"/>
-            </a:pPr>
-            <a:r>
-              <a:rPr lang="en-AU" sz="1800" dirty="0">
-                <a:latin typeface="Arial" panose="020B0604020202020204" pitchFamily="34" charset="0"/>
-                <a:cs typeface="Arial" panose="020B0604020202020204" pitchFamily="34" charset="0"/>
-              </a:rPr>
-              <a:t>SIH ran a "python for geoscience" workshop at a conference</a:t>
-            </a:r>
-          </a:p>
-        </p:txBody>
-      </p:sp>
-      <p:sp>
-        <p:nvSpPr>
-          <p:cNvPr id="37" name="Rectangle 36">
-            <a:extLst>
-              <a:ext uri="{FF2B5EF4-FFF2-40B4-BE49-F238E27FC236}">
-                <a16:creationId xmlns:a16="http://schemas.microsoft.com/office/drawing/2014/main" id="{74ECE49A-C8DA-69F2-480A-2C7D035A105F}"/>
+                <a16:creationId xmlns:a16="http://schemas.microsoft.com/office/drawing/2014/main" id="{7ABD2B95-B177-6D97-5480-EF9BD6A075CD}"/>
               </a:ext>
             </a:extLst>
           </p:cNvPr>
@@ -6437,17 +5169,14 @@
         </p:nvSpPr>
         <p:spPr>
           <a:xfrm>
-            <a:off x="4100747" y="4978566"/>
+            <a:off x="8199075" y="4990625"/>
             <a:ext cx="3990506" cy="400110"/>
           </a:xfrm>
           <a:prstGeom prst="rect">
             <a:avLst/>
           </a:prstGeom>
           <a:solidFill>
-            <a:schemeClr val="accent2">
-              <a:lumMod val="60000"/>
-              <a:lumOff val="40000"/>
-            </a:schemeClr>
+            <a:srgbClr val="FFC000"/>
           </a:solidFill>
           <a:ln>
             <a:noFill/>
@@ -6486,67 +5215,6 @@
       </p:sp>
       <p:sp>
         <p:nvSpPr>
-          <p:cNvPr id="38" name="Rectangle 37">
-            <a:extLst>
-              <a:ext uri="{FF2B5EF4-FFF2-40B4-BE49-F238E27FC236}">
-                <a16:creationId xmlns:a16="http://schemas.microsoft.com/office/drawing/2014/main" id="{7ABD2B95-B177-6D97-5480-EF9BD6A075CD}"/>
-              </a:ext>
-            </a:extLst>
-          </p:cNvPr>
-          <p:cNvSpPr/>
-          <p:nvPr/>
-        </p:nvSpPr>
-        <p:spPr>
-          <a:xfrm>
-            <a:off x="8199075" y="4990625"/>
-            <a:ext cx="3990506" cy="400110"/>
-          </a:xfrm>
-          <a:prstGeom prst="rect">
-            <a:avLst/>
-          </a:prstGeom>
-          <a:solidFill>
-            <a:schemeClr val="accent6">
-              <a:lumMod val="60000"/>
-              <a:lumOff val="40000"/>
-            </a:schemeClr>
-          </a:solidFill>
-          <a:ln>
-            <a:noFill/>
-          </a:ln>
-        </p:spPr>
-        <p:style>
-          <a:lnRef idx="2">
-            <a:schemeClr val="accent1">
-              <a:shade val="50000"/>
-            </a:schemeClr>
-          </a:lnRef>
-          <a:fillRef idx="1">
-            <a:schemeClr val="accent1"/>
-          </a:fillRef>
-          <a:effectRef idx="0">
-            <a:schemeClr val="accent1"/>
-          </a:effectRef>
-          <a:fontRef idx="minor">
-            <a:schemeClr val="lt1"/>
-          </a:fontRef>
-        </p:style>
-        <p:txBody>
-          <a:bodyPr rtlCol="0" anchor="ctr"/>
-          <a:lstStyle/>
-          <a:p>
-            <a:pPr algn="ctr"/>
-            <a:r>
-              <a:rPr lang="en-US" sz="2400" b="1" dirty="0">
-                <a:latin typeface="Arial" panose="020B0604020202020204" pitchFamily="34" charset="0"/>
-                <a:cs typeface="Arial" panose="020B0604020202020204" pitchFamily="34" charset="0"/>
-              </a:rPr>
-              <a:t>Insights</a:t>
-            </a:r>
-          </a:p>
-        </p:txBody>
-      </p:sp>
-      <p:sp>
-        <p:nvSpPr>
           <p:cNvPr id="40" name="TextBox 39">
             <a:extLst>
               <a:ext uri="{FF2B5EF4-FFF2-40B4-BE49-F238E27FC236}">
@@ -6681,17 +5349,11 @@
             <a:avLst/>
           </a:prstGeom>
           <a:solidFill>
-            <a:schemeClr val="accent1">
-              <a:lumMod val="60000"/>
-              <a:lumOff val="40000"/>
-            </a:schemeClr>
+            <a:srgbClr val="0077D0"/>
           </a:solidFill>
           <a:ln w="57150">
             <a:solidFill>
-              <a:schemeClr val="accent1">
-                <a:lumMod val="60000"/>
-                <a:lumOff val="40000"/>
-              </a:schemeClr>
+              <a:srgbClr val="0077D0"/>
             </a:solidFill>
           </a:ln>
         </p:spPr>
@@ -6887,10 +5549,7 @@
           <a:noFill/>
           <a:ln w="57150">
             <a:solidFill>
-              <a:schemeClr val="accent1">
-                <a:lumMod val="60000"/>
-                <a:lumOff val="40000"/>
-              </a:schemeClr>
+              <a:srgbClr val="0077D0"/>
             </a:solidFill>
           </a:ln>
         </p:spPr>
@@ -7608,7 +6267,7 @@
                                           </p:stCondLst>
                                         </p:cTn>
                                         <p:tgtEl>
-                                          <p:spTgt spid="40"/>
+                                          <p:spTgt spid="41"/>
                                         </p:tgtEl>
                                         <p:attrNameLst>
                                           <p:attrName>style.visibility</p:attrName>
@@ -7622,7 +6281,7 @@
                                       <p:cBhvr>
                                         <p:cTn id="61" dur="500"/>
                                         <p:tgtEl>
-                                          <p:spTgt spid="40"/>
+                                          <p:spTgt spid="41"/>
                                         </p:tgtEl>
                                       </p:cBhvr>
                                     </p:animEffect>
@@ -7661,7 +6320,7 @@
                                           </p:stCondLst>
                                         </p:cTn>
                                         <p:tgtEl>
-                                          <p:spTgt spid="41"/>
+                                          <p:spTgt spid="40"/>
                                         </p:tgtEl>
                                         <p:attrNameLst>
                                           <p:attrName>style.visibility</p:attrName>
@@ -7675,7 +6334,7 @@
                                       <p:cBhvr>
                                         <p:cTn id="66" dur="500"/>
                                         <p:tgtEl>
-                                          <p:spTgt spid="41"/>
+                                          <p:spTgt spid="40"/>
                                         </p:tgtEl>
                                       </p:cBhvr>
                                     </p:animEffect>
@@ -7846,1023 +6505,6 @@
           <a:chExt cx="0" cy="0"/>
         </a:xfrm>
       </p:grpSpPr>
-      <p:sp useBgFill="1">
-        <p:nvSpPr>
-          <p:cNvPr id="1031" name="Rectangle 1030">
-            <a:extLst>
-              <a:ext uri="{FF2B5EF4-FFF2-40B4-BE49-F238E27FC236}">
-                <a16:creationId xmlns:a16="http://schemas.microsoft.com/office/drawing/2014/main" id="{362D44EE-C852-4460-B8B5-C4F2BC20510C}"/>
-              </a:ext>
-              <a:ext uri="{C183D7F6-B498-43B3-948B-1728B52AA6E4}">
-                <adec:decorative xmlns:adec="http://schemas.microsoft.com/office/drawing/2017/decorative" val="1"/>
-              </a:ext>
-            </a:extLst>
-          </p:cNvPr>
-          <p:cNvSpPr>
-            <a:spLocks noGrp="1" noRot="1" noChangeAspect="1" noMove="1" noResize="1" noEditPoints="1" noAdjustHandles="1" noChangeArrowheads="1" noChangeShapeType="1" noTextEdit="1"/>
-          </p:cNvSpPr>
-          <p:nvPr>
-            <p:extLst>
-              <p:ext uri="{386F3935-93C4-4BCD-93E2-E3B085C9AB24}">
-                <p16:designElem xmlns:p16="http://schemas.microsoft.com/office/powerpoint/2015/main" val="1"/>
-              </p:ext>
-            </p:extLst>
-          </p:nvPr>
-        </p:nvSpPr>
-        <p:spPr>
-          <a:xfrm>
-            <a:off x="0" y="0"/>
-            <a:ext cx="12192000" cy="6858000"/>
-          </a:xfrm>
-          <a:prstGeom prst="rect">
-            <a:avLst/>
-          </a:prstGeom>
-          <a:ln>
-            <a:noFill/>
-          </a:ln>
-        </p:spPr>
-        <p:style>
-          <a:lnRef idx="2">
-            <a:schemeClr val="accent1">
-              <a:shade val="50000"/>
-            </a:schemeClr>
-          </a:lnRef>
-          <a:fillRef idx="1">
-            <a:schemeClr val="accent1"/>
-          </a:fillRef>
-          <a:effectRef idx="0">
-            <a:schemeClr val="accent1"/>
-          </a:effectRef>
-          <a:fontRef idx="minor">
-            <a:schemeClr val="lt1"/>
-          </a:fontRef>
-        </p:style>
-        <p:txBody>
-          <a:bodyPr rtlCol="0" anchor="ctr"/>
-          <a:lstStyle/>
-          <a:p>
-            <a:pPr algn="ctr"/>
-            <a:endParaRPr lang="en-US"/>
-          </a:p>
-        </p:txBody>
-      </p:sp>
-      <p:sp>
-        <p:nvSpPr>
-          <p:cNvPr id="1033" name="Freeform: Shape 1032">
-            <a:extLst>
-              <a:ext uri="{FF2B5EF4-FFF2-40B4-BE49-F238E27FC236}">
-                <a16:creationId xmlns:a16="http://schemas.microsoft.com/office/drawing/2014/main" id="{658970D8-8D1D-4B5C-894B-E871CC86543D}"/>
-              </a:ext>
-              <a:ext uri="{C183D7F6-B498-43B3-948B-1728B52AA6E4}">
-                <adec:decorative xmlns:adec="http://schemas.microsoft.com/office/drawing/2017/decorative" val="1"/>
-              </a:ext>
-            </a:extLst>
-          </p:cNvPr>
-          <p:cNvSpPr>
-            <a:spLocks noGrp="1" noRot="1" noChangeAspect="1" noMove="1" noResize="1" noEditPoints="1" noAdjustHandles="1" noChangeArrowheads="1" noChangeShapeType="1" noTextEdit="1"/>
-          </p:cNvSpPr>
-          <p:nvPr>
-            <p:extLst>
-              <p:ext uri="{386F3935-93C4-4BCD-93E2-E3B085C9AB24}">
-                <p16:designElem xmlns:p16="http://schemas.microsoft.com/office/powerpoint/2015/main" val="1"/>
-              </p:ext>
-            </p:extLst>
-          </p:nvPr>
-        </p:nvSpPr>
-        <p:spPr>
-          <a:xfrm flipH="1">
-            <a:off x="530529" y="1"/>
-            <a:ext cx="1155142" cy="591009"/>
-          </a:xfrm>
-          <a:custGeom>
-            <a:avLst/>
-            <a:gdLst>
-              <a:gd name="connsiteX0" fmla="*/ 1355 w 1155142"/>
-              <a:gd name="connsiteY0" fmla="*/ 0 h 591009"/>
-              <a:gd name="connsiteX1" fmla="*/ 1153787 w 1155142"/>
-              <a:gd name="connsiteY1" fmla="*/ 0 h 591009"/>
-              <a:gd name="connsiteX2" fmla="*/ 1155142 w 1155142"/>
-              <a:gd name="connsiteY2" fmla="*/ 13438 h 591009"/>
-              <a:gd name="connsiteX3" fmla="*/ 577571 w 1155142"/>
-              <a:gd name="connsiteY3" fmla="*/ 591009 h 591009"/>
-              <a:gd name="connsiteX4" fmla="*/ 0 w 1155142"/>
-              <a:gd name="connsiteY4" fmla="*/ 13438 h 591009"/>
-            </a:gdLst>
-            <a:ahLst/>
-            <a:cxnLst>
-              <a:cxn ang="0">
-                <a:pos x="connsiteX0" y="connsiteY0"/>
-              </a:cxn>
-              <a:cxn ang="0">
-                <a:pos x="connsiteX1" y="connsiteY1"/>
-              </a:cxn>
-              <a:cxn ang="0">
-                <a:pos x="connsiteX2" y="connsiteY2"/>
-              </a:cxn>
-              <a:cxn ang="0">
-                <a:pos x="connsiteX3" y="connsiteY3"/>
-              </a:cxn>
-              <a:cxn ang="0">
-                <a:pos x="connsiteX4" y="connsiteY4"/>
-              </a:cxn>
-            </a:cxnLst>
-            <a:rect l="l" t="t" r="r" b="b"/>
-            <a:pathLst>
-              <a:path w="1155142" h="591009">
-                <a:moveTo>
-                  <a:pt x="1355" y="0"/>
-                </a:moveTo>
-                <a:lnTo>
-                  <a:pt x="1153787" y="0"/>
-                </a:lnTo>
-                <a:lnTo>
-                  <a:pt x="1155142" y="13438"/>
-                </a:lnTo>
-                <a:cubicBezTo>
-                  <a:pt x="1155142" y="332422"/>
-                  <a:pt x="896555" y="591009"/>
-                  <a:pt x="577571" y="591009"/>
-                </a:cubicBezTo>
-                <a:cubicBezTo>
-                  <a:pt x="258587" y="591009"/>
-                  <a:pt x="0" y="332422"/>
-                  <a:pt x="0" y="13438"/>
-                </a:cubicBezTo>
-                <a:close/>
-              </a:path>
-            </a:pathLst>
-          </a:custGeom>
-          <a:solidFill>
-            <a:schemeClr val="accent5"/>
-          </a:solidFill>
-          <a:ln>
-            <a:noFill/>
-          </a:ln>
-        </p:spPr>
-        <p:style>
-          <a:lnRef idx="2">
-            <a:schemeClr val="accent1">
-              <a:shade val="50000"/>
-            </a:schemeClr>
-          </a:lnRef>
-          <a:fillRef idx="1">
-            <a:schemeClr val="accent1"/>
-          </a:fillRef>
-          <a:effectRef idx="0">
-            <a:schemeClr val="accent1"/>
-          </a:effectRef>
-          <a:fontRef idx="minor">
-            <a:schemeClr val="lt1"/>
-          </a:fontRef>
-        </p:style>
-        <p:txBody>
-          <a:bodyPr wrap="square" rtlCol="0" anchor="ctr">
-            <a:noAutofit/>
-          </a:bodyPr>
-          <a:lstStyle/>
-          <a:p>
-            <a:pPr algn="ctr"/>
-            <a:endParaRPr lang="en-US"/>
-          </a:p>
-        </p:txBody>
-      </p:sp>
-      <p:sp>
-        <p:nvSpPr>
-          <p:cNvPr id="1035" name="Freeform: Shape 1034">
-            <a:extLst>
-              <a:ext uri="{FF2B5EF4-FFF2-40B4-BE49-F238E27FC236}">
-                <a16:creationId xmlns:a16="http://schemas.microsoft.com/office/drawing/2014/main" id="{F227E5B6-9132-43CA-B503-37A18562ADF2}"/>
-              </a:ext>
-              <a:ext uri="{C183D7F6-B498-43B3-948B-1728B52AA6E4}">
-                <adec:decorative xmlns:adec="http://schemas.microsoft.com/office/drawing/2017/decorative" val="1"/>
-              </a:ext>
-            </a:extLst>
-          </p:cNvPr>
-          <p:cNvSpPr>
-            <a:spLocks noGrp="1" noRot="1" noChangeAspect="1" noMove="1" noResize="1" noEditPoints="1" noAdjustHandles="1" noChangeArrowheads="1" noChangeShapeType="1" noTextEdit="1"/>
-          </p:cNvSpPr>
-          <p:nvPr>
-            <p:extLst>
-              <p:ext uri="{386F3935-93C4-4BCD-93E2-E3B085C9AB24}">
-                <p16:designElem xmlns:p16="http://schemas.microsoft.com/office/powerpoint/2015/main" val="1"/>
-              </p:ext>
-            </p:extLst>
-          </p:nvPr>
-        </p:nvSpPr>
-        <p:spPr>
-          <a:xfrm flipH="1">
-            <a:off x="4349052" y="0"/>
-            <a:ext cx="1737401" cy="959536"/>
-          </a:xfrm>
-          <a:custGeom>
-            <a:avLst/>
-            <a:gdLst>
-              <a:gd name="connsiteX0" fmla="*/ 0 w 1737401"/>
-              <a:gd name="connsiteY0" fmla="*/ 0 h 959536"/>
-              <a:gd name="connsiteX1" fmla="*/ 123825 w 1737401"/>
-              <a:gd name="connsiteY1" fmla="*/ 0 h 959536"/>
-              <a:gd name="connsiteX2" fmla="*/ 123825 w 1737401"/>
-              <a:gd name="connsiteY2" fmla="*/ 790277 h 959536"/>
-              <a:gd name="connsiteX3" fmla="*/ 1490095 w 1737401"/>
-              <a:gd name="connsiteY3" fmla="*/ 0 h 959536"/>
-              <a:gd name="connsiteX4" fmla="*/ 1737401 w 1737401"/>
-              <a:gd name="connsiteY4" fmla="*/ 0 h 959536"/>
-              <a:gd name="connsiteX5" fmla="*/ 92869 w 1737401"/>
-              <a:gd name="connsiteY5" fmla="*/ 951249 h 959536"/>
-              <a:gd name="connsiteX6" fmla="*/ 61913 w 1737401"/>
-              <a:gd name="connsiteY6" fmla="*/ 959536 h 959536"/>
-              <a:gd name="connsiteX7" fmla="*/ 0 w 1737401"/>
-              <a:gd name="connsiteY7" fmla="*/ 897624 h 959536"/>
-            </a:gdLst>
-            <a:ahLst/>
-            <a:cxnLst>
-              <a:cxn ang="0">
-                <a:pos x="connsiteX0" y="connsiteY0"/>
-              </a:cxn>
-              <a:cxn ang="0">
-                <a:pos x="connsiteX1" y="connsiteY1"/>
-              </a:cxn>
-              <a:cxn ang="0">
-                <a:pos x="connsiteX2" y="connsiteY2"/>
-              </a:cxn>
-              <a:cxn ang="0">
-                <a:pos x="connsiteX3" y="connsiteY3"/>
-              </a:cxn>
-              <a:cxn ang="0">
-                <a:pos x="connsiteX4" y="connsiteY4"/>
-              </a:cxn>
-              <a:cxn ang="0">
-                <a:pos x="connsiteX5" y="connsiteY5"/>
-              </a:cxn>
-              <a:cxn ang="0">
-                <a:pos x="connsiteX6" y="connsiteY6"/>
-              </a:cxn>
-              <a:cxn ang="0">
-                <a:pos x="connsiteX7" y="connsiteY7"/>
-              </a:cxn>
-            </a:cxnLst>
-            <a:rect l="l" t="t" r="r" b="b"/>
-            <a:pathLst>
-              <a:path w="1737401" h="959536">
-                <a:moveTo>
-                  <a:pt x="0" y="0"/>
-                </a:moveTo>
-                <a:lnTo>
-                  <a:pt x="123825" y="0"/>
-                </a:lnTo>
-                <a:lnTo>
-                  <a:pt x="123825" y="790277"/>
-                </a:lnTo>
-                <a:lnTo>
-                  <a:pt x="1490095" y="0"/>
-                </a:lnTo>
-                <a:lnTo>
-                  <a:pt x="1737401" y="0"/>
-                </a:lnTo>
-                <a:lnTo>
-                  <a:pt x="92869" y="951249"/>
-                </a:lnTo>
-                <a:cubicBezTo>
-                  <a:pt x="83458" y="956688"/>
-                  <a:pt x="72780" y="959546"/>
-                  <a:pt x="61913" y="959536"/>
-                </a:cubicBezTo>
-                <a:cubicBezTo>
-                  <a:pt x="27719" y="959536"/>
-                  <a:pt x="0" y="931818"/>
-                  <a:pt x="0" y="897624"/>
-                </a:cubicBezTo>
-                <a:close/>
-              </a:path>
-            </a:pathLst>
-          </a:custGeom>
-          <a:solidFill>
-            <a:schemeClr val="accent6"/>
-          </a:solidFill>
-          <a:ln w="9525" cap="flat">
-            <a:noFill/>
-            <a:prstDash val="solid"/>
-            <a:miter/>
-          </a:ln>
-        </p:spPr>
-        <p:txBody>
-          <a:bodyPr rtlCol="0" anchor="ctr"/>
-          <a:lstStyle/>
-          <a:p>
-            <a:endParaRPr lang="en-US"/>
-          </a:p>
-        </p:txBody>
-      </p:sp>
-      <p:sp>
-        <p:nvSpPr>
-          <p:cNvPr id="1037" name="Freeform: Shape 1036">
-            <a:extLst>
-              <a:ext uri="{FF2B5EF4-FFF2-40B4-BE49-F238E27FC236}">
-                <a16:creationId xmlns:a16="http://schemas.microsoft.com/office/drawing/2014/main" id="{03C2051E-A88D-48E5-BACF-AAED17892722}"/>
-              </a:ext>
-              <a:ext uri="{C183D7F6-B498-43B3-948B-1728B52AA6E4}">
-                <adec:decorative xmlns:adec="http://schemas.microsoft.com/office/drawing/2017/decorative" val="1"/>
-              </a:ext>
-            </a:extLst>
-          </p:cNvPr>
-          <p:cNvSpPr>
-            <a:spLocks noGrp="1" noRot="1" noChangeAspect="1" noMove="1" noResize="1" noEditPoints="1" noAdjustHandles="1" noChangeArrowheads="1" noChangeShapeType="1" noTextEdit="1"/>
-          </p:cNvSpPr>
-          <p:nvPr>
-            <p:extLst>
-              <p:ext uri="{386F3935-93C4-4BCD-93E2-E3B085C9AB24}">
-                <p16:designElem xmlns:p16="http://schemas.microsoft.com/office/powerpoint/2015/main" val="1"/>
-              </p:ext>
-            </p:extLst>
-          </p:nvPr>
-        </p:nvSpPr>
-        <p:spPr>
-          <a:xfrm flipH="1">
-            <a:off x="0" y="2916245"/>
-            <a:ext cx="159741" cy="552996"/>
-          </a:xfrm>
-          <a:custGeom>
-            <a:avLst/>
-            <a:gdLst>
-              <a:gd name="connsiteX0" fmla="*/ 159741 w 159741"/>
-              <a:gd name="connsiteY0" fmla="*/ 0 h 552996"/>
-              <a:gd name="connsiteX1" fmla="*/ 159741 w 159741"/>
-              <a:gd name="connsiteY1" fmla="*/ 552996 h 552996"/>
-              <a:gd name="connsiteX2" fmla="*/ 141849 w 159741"/>
-              <a:gd name="connsiteY2" fmla="*/ 543285 h 552996"/>
-              <a:gd name="connsiteX3" fmla="*/ 0 w 159741"/>
-              <a:gd name="connsiteY3" fmla="*/ 276498 h 552996"/>
-              <a:gd name="connsiteX4" fmla="*/ 141849 w 159741"/>
-              <a:gd name="connsiteY4" fmla="*/ 9711 h 552996"/>
-            </a:gdLst>
-            <a:ahLst/>
-            <a:cxnLst>
-              <a:cxn ang="0">
-                <a:pos x="connsiteX0" y="connsiteY0"/>
-              </a:cxn>
-              <a:cxn ang="0">
-                <a:pos x="connsiteX1" y="connsiteY1"/>
-              </a:cxn>
-              <a:cxn ang="0">
-                <a:pos x="connsiteX2" y="connsiteY2"/>
-              </a:cxn>
-              <a:cxn ang="0">
-                <a:pos x="connsiteX3" y="connsiteY3"/>
-              </a:cxn>
-              <a:cxn ang="0">
-                <a:pos x="connsiteX4" y="connsiteY4"/>
-              </a:cxn>
-            </a:cxnLst>
-            <a:rect l="l" t="t" r="r" b="b"/>
-            <a:pathLst>
-              <a:path w="159741" h="552996">
-                <a:moveTo>
-                  <a:pt x="159741" y="0"/>
-                </a:moveTo>
-                <a:lnTo>
-                  <a:pt x="159741" y="552996"/>
-                </a:lnTo>
-                <a:lnTo>
-                  <a:pt x="141849" y="543285"/>
-                </a:lnTo>
-                <a:cubicBezTo>
-                  <a:pt x="56268" y="485467"/>
-                  <a:pt x="0" y="387554"/>
-                  <a:pt x="0" y="276498"/>
-                </a:cubicBezTo>
-                <a:cubicBezTo>
-                  <a:pt x="0" y="165443"/>
-                  <a:pt x="56268" y="67529"/>
-                  <a:pt x="141849" y="9711"/>
-                </a:cubicBezTo>
-                <a:close/>
-              </a:path>
-            </a:pathLst>
-          </a:custGeom>
-          <a:solidFill>
-            <a:schemeClr val="accent2"/>
-          </a:solidFill>
-          <a:ln w="127000">
-            <a:noFill/>
-          </a:ln>
-        </p:spPr>
-        <p:style>
-          <a:lnRef idx="2">
-            <a:schemeClr val="accent1">
-              <a:shade val="50000"/>
-            </a:schemeClr>
-          </a:lnRef>
-          <a:fillRef idx="1">
-            <a:schemeClr val="accent1"/>
-          </a:fillRef>
-          <a:effectRef idx="0">
-            <a:schemeClr val="accent1"/>
-          </a:effectRef>
-          <a:fontRef idx="minor">
-            <a:schemeClr val="lt1"/>
-          </a:fontRef>
-        </p:style>
-        <p:txBody>
-          <a:bodyPr wrap="square" rtlCol="0" anchor="ctr">
-            <a:noAutofit/>
-          </a:bodyPr>
-          <a:lstStyle/>
-          <a:p>
-            <a:pPr algn="ctr"/>
-            <a:endParaRPr lang="en-US"/>
-          </a:p>
-        </p:txBody>
-      </p:sp>
-      <p:sp>
-        <p:nvSpPr>
-          <p:cNvPr id="1039" name="Freeform: Shape 1038">
-            <a:extLst>
-              <a:ext uri="{FF2B5EF4-FFF2-40B4-BE49-F238E27FC236}">
-                <a16:creationId xmlns:a16="http://schemas.microsoft.com/office/drawing/2014/main" id="{7821A508-2985-4905-874A-527429BAABFA}"/>
-              </a:ext>
-              <a:ext uri="{C183D7F6-B498-43B3-948B-1728B52AA6E4}">
-                <adec:decorative xmlns:adec="http://schemas.microsoft.com/office/drawing/2017/decorative" val="1"/>
-              </a:ext>
-            </a:extLst>
-          </p:cNvPr>
-          <p:cNvSpPr>
-            <a:spLocks noGrp="1" noRot="1" noChangeAspect="1" noMove="1" noResize="1" noEditPoints="1" noAdjustHandles="1" noChangeArrowheads="1" noChangeShapeType="1" noTextEdit="1"/>
-          </p:cNvSpPr>
-          <p:nvPr>
-            <p:extLst>
-              <p:ext uri="{386F3935-93C4-4BCD-93E2-E3B085C9AB24}">
-                <p16:designElem xmlns:p16="http://schemas.microsoft.com/office/powerpoint/2015/main" val="1"/>
-              </p:ext>
-            </p:extLst>
-          </p:nvPr>
-        </p:nvSpPr>
-        <p:spPr>
-          <a:xfrm flipH="1">
-            <a:off x="0" y="5835649"/>
-            <a:ext cx="1548180" cy="1022351"/>
-          </a:xfrm>
-          <a:custGeom>
-            <a:avLst/>
-            <a:gdLst>
-              <a:gd name="connsiteX0" fmla="*/ 61913 w 1548180"/>
-              <a:gd name="connsiteY0" fmla="*/ 0 h 1022351"/>
-              <a:gd name="connsiteX1" fmla="*/ 1548180 w 1548180"/>
-              <a:gd name="connsiteY1" fmla="*/ 0 h 1022351"/>
-              <a:gd name="connsiteX2" fmla="*/ 1548180 w 1548180"/>
-              <a:gd name="connsiteY2" fmla="*/ 123825 h 1022351"/>
-              <a:gd name="connsiteX3" fmla="*/ 123825 w 1548180"/>
-              <a:gd name="connsiteY3" fmla="*/ 123825 h 1022351"/>
-              <a:gd name="connsiteX4" fmla="*/ 123825 w 1548180"/>
-              <a:gd name="connsiteY4" fmla="*/ 1022351 h 1022351"/>
-              <a:gd name="connsiteX5" fmla="*/ 0 w 1548180"/>
-              <a:gd name="connsiteY5" fmla="*/ 1022351 h 1022351"/>
-              <a:gd name="connsiteX6" fmla="*/ 0 w 1548180"/>
-              <a:gd name="connsiteY6" fmla="*/ 61913 h 1022351"/>
-              <a:gd name="connsiteX7" fmla="*/ 61913 w 1548180"/>
-              <a:gd name="connsiteY7" fmla="*/ 0 h 1022351"/>
-            </a:gdLst>
-            <a:ahLst/>
-            <a:cxnLst>
-              <a:cxn ang="0">
-                <a:pos x="connsiteX0" y="connsiteY0"/>
-              </a:cxn>
-              <a:cxn ang="0">
-                <a:pos x="connsiteX1" y="connsiteY1"/>
-              </a:cxn>
-              <a:cxn ang="0">
-                <a:pos x="connsiteX2" y="connsiteY2"/>
-              </a:cxn>
-              <a:cxn ang="0">
-                <a:pos x="connsiteX3" y="connsiteY3"/>
-              </a:cxn>
-              <a:cxn ang="0">
-                <a:pos x="connsiteX4" y="connsiteY4"/>
-              </a:cxn>
-              <a:cxn ang="0">
-                <a:pos x="connsiteX5" y="connsiteY5"/>
-              </a:cxn>
-              <a:cxn ang="0">
-                <a:pos x="connsiteX6" y="connsiteY6"/>
-              </a:cxn>
-              <a:cxn ang="0">
-                <a:pos x="connsiteX7" y="connsiteY7"/>
-              </a:cxn>
-            </a:cxnLst>
-            <a:rect l="l" t="t" r="r" b="b"/>
-            <a:pathLst>
-              <a:path w="1548180" h="1022351">
-                <a:moveTo>
-                  <a:pt x="61913" y="0"/>
-                </a:moveTo>
-                <a:lnTo>
-                  <a:pt x="1548180" y="0"/>
-                </a:lnTo>
-                <a:lnTo>
-                  <a:pt x="1548180" y="123825"/>
-                </a:lnTo>
-                <a:lnTo>
-                  <a:pt x="123825" y="123825"/>
-                </a:lnTo>
-                <a:lnTo>
-                  <a:pt x="123825" y="1022351"/>
-                </a:lnTo>
-                <a:lnTo>
-                  <a:pt x="0" y="1022351"/>
-                </a:lnTo>
-                <a:lnTo>
-                  <a:pt x="0" y="61913"/>
-                </a:lnTo>
-                <a:cubicBezTo>
-                  <a:pt x="0" y="27719"/>
-                  <a:pt x="27719" y="0"/>
-                  <a:pt x="61913" y="0"/>
-                </a:cubicBezTo>
-                <a:close/>
-              </a:path>
-            </a:pathLst>
-          </a:custGeom>
-          <a:solidFill>
-            <a:schemeClr val="accent6"/>
-          </a:solidFill>
-          <a:ln w="9525" cap="flat">
-            <a:noFill/>
-            <a:prstDash val="solid"/>
-            <a:miter/>
-          </a:ln>
-        </p:spPr>
-        <p:txBody>
-          <a:bodyPr rtlCol="0" anchor="ctr"/>
-          <a:lstStyle/>
-          <a:p>
-            <a:endParaRPr lang="en-US"/>
-          </a:p>
-        </p:txBody>
-      </p:sp>
-      <p:sp>
-        <p:nvSpPr>
-          <p:cNvPr id="1041" name="Freeform: Shape 1040">
-            <a:extLst>
-              <a:ext uri="{FF2B5EF4-FFF2-40B4-BE49-F238E27FC236}">
-                <a16:creationId xmlns:a16="http://schemas.microsoft.com/office/drawing/2014/main" id="{D2929CB1-0E3C-4B2D-ADC5-0154FB33BA44}"/>
-              </a:ext>
-              <a:ext uri="{C183D7F6-B498-43B3-948B-1728B52AA6E4}">
-                <adec:decorative xmlns:adec="http://schemas.microsoft.com/office/drawing/2017/decorative" val="1"/>
-              </a:ext>
-            </a:extLst>
-          </p:cNvPr>
-          <p:cNvSpPr>
-            <a:spLocks noGrp="1" noRot="1" noChangeAspect="1" noMove="1" noResize="1" noEditPoints="1" noAdjustHandles="1" noChangeArrowheads="1" noChangeShapeType="1" noTextEdit="1"/>
-          </p:cNvSpPr>
-          <p:nvPr>
-            <p:extLst>
-              <p:ext uri="{386F3935-93C4-4BCD-93E2-E3B085C9AB24}">
-                <p16:designElem xmlns:p16="http://schemas.microsoft.com/office/powerpoint/2015/main" val="1"/>
-              </p:ext>
-            </p:extLst>
-          </p:nvPr>
-        </p:nvSpPr>
-        <p:spPr>
-          <a:xfrm flipH="1">
-            <a:off x="3697761" y="5717906"/>
-            <a:ext cx="1771609" cy="1140095"/>
-          </a:xfrm>
-          <a:custGeom>
-            <a:avLst/>
-            <a:gdLst>
-              <a:gd name="connsiteX0" fmla="*/ 1561721 w 1771609"/>
-              <a:gd name="connsiteY0" fmla="*/ 763041 h 1140095"/>
-              <a:gd name="connsiteX1" fmla="*/ 1623024 w 1771609"/>
-              <a:gd name="connsiteY1" fmla="*/ 792810 h 1140095"/>
-              <a:gd name="connsiteX2" fmla="*/ 1711735 w 1771609"/>
-              <a:gd name="connsiteY2" fmla="*/ 970132 h 1140095"/>
-              <a:gd name="connsiteX3" fmla="*/ 1771609 w 1771609"/>
-              <a:gd name="connsiteY3" fmla="*/ 1140095 h 1140095"/>
-              <a:gd name="connsiteX4" fmla="*/ 1637225 w 1771609"/>
-              <a:gd name="connsiteY4" fmla="*/ 1140095 h 1140095"/>
-              <a:gd name="connsiteX5" fmla="*/ 1594820 w 1771609"/>
-              <a:gd name="connsiteY5" fmla="*/ 1019711 h 1140095"/>
-              <a:gd name="connsiteX6" fmla="*/ 1513200 w 1771609"/>
-              <a:gd name="connsiteY6" fmla="*/ 856627 h 1140095"/>
-              <a:gd name="connsiteX7" fmla="*/ 1538499 w 1771609"/>
-              <a:gd name="connsiteY7" fmla="*/ 770415 h 1140095"/>
-              <a:gd name="connsiteX8" fmla="*/ 1561721 w 1771609"/>
-              <a:gd name="connsiteY8" fmla="*/ 763041 h 1140095"/>
-              <a:gd name="connsiteX9" fmla="*/ 933455 w 1771609"/>
-              <a:gd name="connsiteY9" fmla="*/ 161309 h 1140095"/>
-              <a:gd name="connsiteX10" fmla="*/ 957797 w 1771609"/>
-              <a:gd name="connsiteY10" fmla="*/ 167970 h 1140095"/>
-              <a:gd name="connsiteX11" fmla="*/ 1286982 w 1771609"/>
-              <a:gd name="connsiteY11" fmla="*/ 387616 h 1140095"/>
-              <a:gd name="connsiteX12" fmla="*/ 1293725 w 1771609"/>
-              <a:gd name="connsiteY12" fmla="*/ 477075 h 1140095"/>
-              <a:gd name="connsiteX13" fmla="*/ 1245453 w 1771609"/>
-              <a:gd name="connsiteY13" fmla="*/ 499154 h 1140095"/>
-              <a:gd name="connsiteX14" fmla="*/ 1245167 w 1771609"/>
-              <a:gd name="connsiteY14" fmla="*/ 499154 h 1140095"/>
-              <a:gd name="connsiteX15" fmla="*/ 1203638 w 1771609"/>
-              <a:gd name="connsiteY15" fmla="*/ 484104 h 1140095"/>
-              <a:gd name="connsiteX16" fmla="*/ 900647 w 1771609"/>
-              <a:gd name="connsiteY16" fmla="*/ 281508 h 1140095"/>
-              <a:gd name="connsiteX17" fmla="*/ 872454 w 1771609"/>
-              <a:gd name="connsiteY17" fmla="*/ 196164 h 1140095"/>
-              <a:gd name="connsiteX18" fmla="*/ 933455 w 1771609"/>
-              <a:gd name="connsiteY18" fmla="*/ 161309 h 1140095"/>
-              <a:gd name="connsiteX19" fmla="*/ 256260 w 1771609"/>
-              <a:gd name="connsiteY19" fmla="*/ 29 h 1140095"/>
-              <a:gd name="connsiteX20" fmla="*/ 454020 w 1771609"/>
-              <a:gd name="connsiteY20" fmla="*/ 13474 h 1140095"/>
-              <a:gd name="connsiteX21" fmla="*/ 509236 w 1771609"/>
-              <a:gd name="connsiteY21" fmla="*/ 84182 h 1140095"/>
-              <a:gd name="connsiteX22" fmla="*/ 445829 w 1771609"/>
-              <a:gd name="connsiteY22" fmla="*/ 139871 h 1140095"/>
-              <a:gd name="connsiteX23" fmla="*/ 437447 w 1771609"/>
-              <a:gd name="connsiteY23" fmla="*/ 139395 h 1140095"/>
-              <a:gd name="connsiteX24" fmla="*/ 73211 w 1771609"/>
-              <a:gd name="connsiteY24" fmla="*/ 137204 h 1140095"/>
-              <a:gd name="connsiteX25" fmla="*/ 749 w 1771609"/>
-              <a:gd name="connsiteY25" fmla="*/ 84082 h 1140095"/>
-              <a:gd name="connsiteX26" fmla="*/ 53871 w 1771609"/>
-              <a:gd name="connsiteY26" fmla="*/ 11621 h 1140095"/>
-              <a:gd name="connsiteX27" fmla="*/ 58352 w 1771609"/>
-              <a:gd name="connsiteY27" fmla="*/ 11093 h 1140095"/>
-              <a:gd name="connsiteX28" fmla="*/ 256260 w 1771609"/>
-              <a:gd name="connsiteY28" fmla="*/ 29 h 1140095"/>
-            </a:gdLst>
-            <a:ahLst/>
-            <a:cxnLst>
-              <a:cxn ang="0">
-                <a:pos x="connsiteX0" y="connsiteY0"/>
-              </a:cxn>
-              <a:cxn ang="0">
-                <a:pos x="connsiteX1" y="connsiteY1"/>
-              </a:cxn>
-              <a:cxn ang="0">
-                <a:pos x="connsiteX2" y="connsiteY2"/>
-              </a:cxn>
-              <a:cxn ang="0">
-                <a:pos x="connsiteX3" y="connsiteY3"/>
-              </a:cxn>
-              <a:cxn ang="0">
-                <a:pos x="connsiteX4" y="connsiteY4"/>
-              </a:cxn>
-              <a:cxn ang="0">
-                <a:pos x="connsiteX5" y="connsiteY5"/>
-              </a:cxn>
-              <a:cxn ang="0">
-                <a:pos x="connsiteX6" y="connsiteY6"/>
-              </a:cxn>
-              <a:cxn ang="0">
-                <a:pos x="connsiteX7" y="connsiteY7"/>
-              </a:cxn>
-              <a:cxn ang="0">
-                <a:pos x="connsiteX8" y="connsiteY8"/>
-              </a:cxn>
-              <a:cxn ang="0">
-                <a:pos x="connsiteX9" y="connsiteY9"/>
-              </a:cxn>
-              <a:cxn ang="0">
-                <a:pos x="connsiteX10" y="connsiteY10"/>
-              </a:cxn>
-              <a:cxn ang="0">
-                <a:pos x="connsiteX11" y="connsiteY11"/>
-              </a:cxn>
-              <a:cxn ang="0">
-                <a:pos x="connsiteX12" y="connsiteY12"/>
-              </a:cxn>
-              <a:cxn ang="0">
-                <a:pos x="connsiteX13" y="connsiteY13"/>
-              </a:cxn>
-              <a:cxn ang="0">
-                <a:pos x="connsiteX14" y="connsiteY14"/>
-              </a:cxn>
-              <a:cxn ang="0">
-                <a:pos x="connsiteX15" y="connsiteY15"/>
-              </a:cxn>
-              <a:cxn ang="0">
-                <a:pos x="connsiteX16" y="connsiteY16"/>
-              </a:cxn>
-              <a:cxn ang="0">
-                <a:pos x="connsiteX17" y="connsiteY17"/>
-              </a:cxn>
-              <a:cxn ang="0">
-                <a:pos x="connsiteX18" y="connsiteY18"/>
-              </a:cxn>
-              <a:cxn ang="0">
-                <a:pos x="connsiteX19" y="connsiteY19"/>
-              </a:cxn>
-              <a:cxn ang="0">
-                <a:pos x="connsiteX20" y="connsiteY20"/>
-              </a:cxn>
-              <a:cxn ang="0">
-                <a:pos x="connsiteX21" y="connsiteY21"/>
-              </a:cxn>
-              <a:cxn ang="0">
-                <a:pos x="connsiteX22" y="connsiteY22"/>
-              </a:cxn>
-              <a:cxn ang="0">
-                <a:pos x="connsiteX23" y="connsiteY23"/>
-              </a:cxn>
-              <a:cxn ang="0">
-                <a:pos x="connsiteX24" y="connsiteY24"/>
-              </a:cxn>
-              <a:cxn ang="0">
-                <a:pos x="connsiteX25" y="connsiteY25"/>
-              </a:cxn>
-              <a:cxn ang="0">
-                <a:pos x="connsiteX26" y="connsiteY26"/>
-              </a:cxn>
-              <a:cxn ang="0">
-                <a:pos x="connsiteX27" y="connsiteY27"/>
-              </a:cxn>
-              <a:cxn ang="0">
-                <a:pos x="connsiteX28" y="connsiteY28"/>
-              </a:cxn>
-            </a:cxnLst>
-            <a:rect l="l" t="t" r="r" b="b"/>
-            <a:pathLst>
-              <a:path w="1771609" h="1140095">
-                <a:moveTo>
-                  <a:pt x="1561721" y="763041"/>
-                </a:moveTo>
-                <a:cubicBezTo>
-                  <a:pt x="1585506" y="760324"/>
-                  <a:pt x="1609722" y="771249"/>
-                  <a:pt x="1623024" y="792810"/>
-                </a:cubicBezTo>
-                <a:cubicBezTo>
-                  <a:pt x="1656300" y="850065"/>
-                  <a:pt x="1685920" y="909291"/>
-                  <a:pt x="1711735" y="970132"/>
-                </a:cubicBezTo>
-                <a:lnTo>
-                  <a:pt x="1771609" y="1140095"/>
-                </a:lnTo>
-                <a:lnTo>
-                  <a:pt x="1637225" y="1140095"/>
-                </a:lnTo>
-                <a:lnTo>
-                  <a:pt x="1594820" y="1019711"/>
-                </a:lnTo>
-                <a:cubicBezTo>
-                  <a:pt x="1571072" y="963753"/>
-                  <a:pt x="1543818" y="909282"/>
-                  <a:pt x="1513200" y="856627"/>
-                </a:cubicBezTo>
-                <a:cubicBezTo>
-                  <a:pt x="1496379" y="825834"/>
-                  <a:pt x="1507704" y="787236"/>
-                  <a:pt x="1538499" y="770415"/>
-                </a:cubicBezTo>
-                <a:cubicBezTo>
-                  <a:pt x="1545912" y="766367"/>
-                  <a:pt x="1553792" y="763946"/>
-                  <a:pt x="1561721" y="763041"/>
-                </a:cubicBezTo>
-                <a:close/>
-                <a:moveTo>
-                  <a:pt x="933455" y="161309"/>
-                </a:moveTo>
-                <a:cubicBezTo>
-                  <a:pt x="941693" y="161855"/>
-                  <a:pt x="949959" y="164025"/>
-                  <a:pt x="957797" y="167970"/>
-                </a:cubicBezTo>
-                <a:cubicBezTo>
-                  <a:pt x="1076184" y="227289"/>
-                  <a:pt x="1186759" y="301068"/>
-                  <a:pt x="1286982" y="387616"/>
-                </a:cubicBezTo>
-                <a:cubicBezTo>
-                  <a:pt x="1313547" y="410457"/>
-                  <a:pt x="1316566" y="450510"/>
-                  <a:pt x="1293725" y="477075"/>
-                </a:cubicBezTo>
-                <a:cubicBezTo>
-                  <a:pt x="1281638" y="491137"/>
-                  <a:pt x="1263998" y="499204"/>
-                  <a:pt x="1245453" y="499154"/>
-                </a:cubicBezTo>
-                <a:lnTo>
-                  <a:pt x="1245167" y="499154"/>
-                </a:lnTo>
-                <a:cubicBezTo>
-                  <a:pt x="1229965" y="499301"/>
-                  <a:pt x="1215220" y="493956"/>
-                  <a:pt x="1203638" y="484104"/>
-                </a:cubicBezTo>
-                <a:cubicBezTo>
-                  <a:pt x="1111407" y="404300"/>
-                  <a:pt x="1009633" y="336248"/>
-                  <a:pt x="900647" y="281508"/>
-                </a:cubicBezTo>
-                <a:cubicBezTo>
-                  <a:pt x="869295" y="265726"/>
-                  <a:pt x="856672" y="227516"/>
-                  <a:pt x="872454" y="196164"/>
-                </a:cubicBezTo>
-                <a:cubicBezTo>
-                  <a:pt x="884290" y="172650"/>
-                  <a:pt x="908742" y="159670"/>
-                  <a:pt x="933455" y="161309"/>
-                </a:cubicBezTo>
-                <a:close/>
-                <a:moveTo>
-                  <a:pt x="256260" y="29"/>
-                </a:moveTo>
-                <a:cubicBezTo>
-                  <a:pt x="322331" y="427"/>
-                  <a:pt x="388378" y="4909"/>
-                  <a:pt x="454020" y="13474"/>
-                </a:cubicBezTo>
-                <a:cubicBezTo>
-                  <a:pt x="488793" y="17752"/>
-                  <a:pt x="513514" y="49409"/>
-                  <a:pt x="509236" y="84182"/>
-                </a:cubicBezTo>
-                <a:cubicBezTo>
-                  <a:pt x="505303" y="116151"/>
-                  <a:pt x="478038" y="140098"/>
-                  <a:pt x="445829" y="139871"/>
-                </a:cubicBezTo>
-                <a:cubicBezTo>
-                  <a:pt x="443027" y="139899"/>
-                  <a:pt x="440227" y="139740"/>
-                  <a:pt x="437447" y="139395"/>
-                </a:cubicBezTo>
-                <a:cubicBezTo>
-                  <a:pt x="316592" y="123615"/>
-                  <a:pt x="194247" y="122878"/>
-                  <a:pt x="73211" y="137204"/>
-                </a:cubicBezTo>
-                <a:cubicBezTo>
-                  <a:pt x="38532" y="142545"/>
-                  <a:pt x="6090" y="118762"/>
-                  <a:pt x="749" y="84082"/>
-                </a:cubicBezTo>
-                <a:cubicBezTo>
-                  <a:pt x="-4591" y="49403"/>
-                  <a:pt x="19192" y="16961"/>
-                  <a:pt x="53871" y="11621"/>
-                </a:cubicBezTo>
-                <a:cubicBezTo>
-                  <a:pt x="55358" y="11392"/>
-                  <a:pt x="56852" y="11216"/>
-                  <a:pt x="58352" y="11093"/>
-                </a:cubicBezTo>
-                <a:cubicBezTo>
-                  <a:pt x="124093" y="3319"/>
-                  <a:pt x="190189" y="-369"/>
-                  <a:pt x="256260" y="29"/>
-                </a:cubicBezTo>
-                <a:close/>
-              </a:path>
-            </a:pathLst>
-          </a:custGeom>
-          <a:solidFill>
-            <a:schemeClr val="accent4"/>
-          </a:solidFill>
-          <a:ln w="9525" cap="flat">
-            <a:noFill/>
-            <a:prstDash val="solid"/>
-            <a:miter/>
-          </a:ln>
-        </p:spPr>
-        <p:txBody>
-          <a:bodyPr rtlCol="0" anchor="ctr"/>
-          <a:lstStyle/>
-          <a:p>
-            <a:endParaRPr lang="en-US"/>
-          </a:p>
-        </p:txBody>
-      </p:sp>
-      <p:sp>
-        <p:nvSpPr>
-          <p:cNvPr id="1043" name="Freeform: Shape 1042">
-            <a:extLst>
-              <a:ext uri="{FF2B5EF4-FFF2-40B4-BE49-F238E27FC236}">
-                <a16:creationId xmlns:a16="http://schemas.microsoft.com/office/drawing/2014/main" id="{5F2F0C84-BE8C-4DC2-A6D3-30349A801D5C}"/>
-              </a:ext>
-              <a:ext uri="{C183D7F6-B498-43B3-948B-1728B52AA6E4}">
-                <adec:decorative xmlns:adec="http://schemas.microsoft.com/office/drawing/2017/decorative" val="1"/>
-              </a:ext>
-            </a:extLst>
-          </p:cNvPr>
-          <p:cNvSpPr>
-            <a:spLocks noGrp="1" noRot="1" noChangeAspect="1" noMove="1" noResize="1" noEditPoints="1" noAdjustHandles="1" noChangeArrowheads="1" noChangeShapeType="1" noTextEdit="1"/>
-          </p:cNvSpPr>
-          <p:nvPr>
-            <p:extLst>
-              <p:ext uri="{386F3935-93C4-4BCD-93E2-E3B085C9AB24}">
-                <p16:designElem xmlns:p16="http://schemas.microsoft.com/office/powerpoint/2015/main" val="1"/>
-              </p:ext>
-            </p:extLst>
-          </p:nvPr>
-        </p:nvSpPr>
-        <p:spPr>
-          <a:xfrm flipH="1">
-            <a:off x="4520513" y="6258756"/>
-            <a:ext cx="1565940" cy="599245"/>
-          </a:xfrm>
-          <a:custGeom>
-            <a:avLst/>
-            <a:gdLst>
-              <a:gd name="connsiteX0" fmla="*/ 782970 w 1565940"/>
-              <a:gd name="connsiteY0" fmla="*/ 0 h 599245"/>
-              <a:gd name="connsiteX1" fmla="*/ 1528042 w 1565940"/>
-              <a:gd name="connsiteY1" fmla="*/ 480469 h 599245"/>
-              <a:gd name="connsiteX2" fmla="*/ 1565940 w 1565940"/>
-              <a:gd name="connsiteY2" fmla="*/ 599245 h 599245"/>
-              <a:gd name="connsiteX3" fmla="*/ 0 w 1565940"/>
-              <a:gd name="connsiteY3" fmla="*/ 599245 h 599245"/>
-              <a:gd name="connsiteX4" fmla="*/ 37898 w 1565940"/>
-              <a:gd name="connsiteY4" fmla="*/ 480469 h 599245"/>
-              <a:gd name="connsiteX5" fmla="*/ 782970 w 1565940"/>
-              <a:gd name="connsiteY5" fmla="*/ 0 h 599245"/>
-            </a:gdLst>
-            <a:ahLst/>
-            <a:cxnLst>
-              <a:cxn ang="0">
-                <a:pos x="connsiteX0" y="connsiteY0"/>
-              </a:cxn>
-              <a:cxn ang="0">
-                <a:pos x="connsiteX1" y="connsiteY1"/>
-              </a:cxn>
-              <a:cxn ang="0">
-                <a:pos x="connsiteX2" y="connsiteY2"/>
-              </a:cxn>
-              <a:cxn ang="0">
-                <a:pos x="connsiteX3" y="connsiteY3"/>
-              </a:cxn>
-              <a:cxn ang="0">
-                <a:pos x="connsiteX4" y="connsiteY4"/>
-              </a:cxn>
-              <a:cxn ang="0">
-                <a:pos x="connsiteX5" y="connsiteY5"/>
-              </a:cxn>
-            </a:cxnLst>
-            <a:rect l="l" t="t" r="r" b="b"/>
-            <a:pathLst>
-              <a:path w="1565940" h="599245">
-                <a:moveTo>
-                  <a:pt x="782970" y="0"/>
-                </a:moveTo>
-                <a:cubicBezTo>
-                  <a:pt x="1117910" y="0"/>
-                  <a:pt x="1405287" y="198118"/>
-                  <a:pt x="1528042" y="480469"/>
-                </a:cubicBezTo>
-                <a:lnTo>
-                  <a:pt x="1565940" y="599245"/>
-                </a:lnTo>
-                <a:lnTo>
-                  <a:pt x="0" y="599245"/>
-                </a:lnTo>
-                <a:lnTo>
-                  <a:pt x="37898" y="480469"/>
-                </a:lnTo>
-                <a:cubicBezTo>
-                  <a:pt x="160653" y="198118"/>
-                  <a:pt x="448030" y="0"/>
-                  <a:pt x="782970" y="0"/>
-                </a:cubicBezTo>
-                <a:close/>
-              </a:path>
-            </a:pathLst>
-          </a:custGeom>
-          <a:solidFill>
-            <a:schemeClr val="accent2"/>
-          </a:solidFill>
-          <a:ln>
-            <a:noFill/>
-          </a:ln>
-        </p:spPr>
-        <p:style>
-          <a:lnRef idx="2">
-            <a:schemeClr val="accent1">
-              <a:shade val="50000"/>
-            </a:schemeClr>
-          </a:lnRef>
-          <a:fillRef idx="1">
-            <a:schemeClr val="accent1"/>
-          </a:fillRef>
-          <a:effectRef idx="0">
-            <a:schemeClr val="accent1"/>
-          </a:effectRef>
-          <a:fontRef idx="minor">
-            <a:schemeClr val="lt1"/>
-          </a:fontRef>
-        </p:style>
-        <p:txBody>
-          <a:bodyPr wrap="square" rtlCol="0" anchor="ctr">
-            <a:noAutofit/>
-          </a:bodyPr>
-          <a:lstStyle/>
-          <a:p>
-            <a:pPr algn="ctr"/>
-            <a:endParaRPr lang="en-US" dirty="0"/>
-          </a:p>
-        </p:txBody>
-      </p:sp>
       <p:sp>
         <p:nvSpPr>
           <p:cNvPr id="9" name="TextBox 8">
@@ -8901,7 +6543,7 @@
                 <a:latin typeface="Arial" panose="020B0604020202020204" pitchFamily="34" charset="0"/>
                 <a:cs typeface="Arial" panose="020B0604020202020204" pitchFamily="34" charset="0"/>
               </a:rPr>
-              <a:t>Practical considerations for a collaborative engagement</a:t>
+              <a:t>Practical considerations:</a:t>
             </a:r>
           </a:p>
           <a:p>
@@ -9284,1023 +6926,6 @@
           <a:chExt cx="0" cy="0"/>
         </a:xfrm>
       </p:grpSpPr>
-      <p:sp useBgFill="1">
-        <p:nvSpPr>
-          <p:cNvPr id="1031" name="Rectangle 1030">
-            <a:extLst>
-              <a:ext uri="{FF2B5EF4-FFF2-40B4-BE49-F238E27FC236}">
-                <a16:creationId xmlns:a16="http://schemas.microsoft.com/office/drawing/2014/main" id="{362D44EE-C852-4460-B8B5-C4F2BC20510C}"/>
-              </a:ext>
-              <a:ext uri="{C183D7F6-B498-43B3-948B-1728B52AA6E4}">
-                <adec:decorative xmlns:adec="http://schemas.microsoft.com/office/drawing/2017/decorative" val="1"/>
-              </a:ext>
-            </a:extLst>
-          </p:cNvPr>
-          <p:cNvSpPr>
-            <a:spLocks noGrp="1" noRot="1" noChangeAspect="1" noMove="1" noResize="1" noEditPoints="1" noAdjustHandles="1" noChangeArrowheads="1" noChangeShapeType="1" noTextEdit="1"/>
-          </p:cNvSpPr>
-          <p:nvPr>
-            <p:extLst>
-              <p:ext uri="{386F3935-93C4-4BCD-93E2-E3B085C9AB24}">
-                <p16:designElem xmlns:p16="http://schemas.microsoft.com/office/powerpoint/2015/main" val="1"/>
-              </p:ext>
-            </p:extLst>
-          </p:nvPr>
-        </p:nvSpPr>
-        <p:spPr>
-          <a:xfrm>
-            <a:off x="0" y="0"/>
-            <a:ext cx="12192000" cy="6858000"/>
-          </a:xfrm>
-          <a:prstGeom prst="rect">
-            <a:avLst/>
-          </a:prstGeom>
-          <a:ln>
-            <a:noFill/>
-          </a:ln>
-        </p:spPr>
-        <p:style>
-          <a:lnRef idx="2">
-            <a:schemeClr val="accent1">
-              <a:shade val="50000"/>
-            </a:schemeClr>
-          </a:lnRef>
-          <a:fillRef idx="1">
-            <a:schemeClr val="accent1"/>
-          </a:fillRef>
-          <a:effectRef idx="0">
-            <a:schemeClr val="accent1"/>
-          </a:effectRef>
-          <a:fontRef idx="minor">
-            <a:schemeClr val="lt1"/>
-          </a:fontRef>
-        </p:style>
-        <p:txBody>
-          <a:bodyPr rtlCol="0" anchor="ctr"/>
-          <a:lstStyle/>
-          <a:p>
-            <a:pPr algn="ctr"/>
-            <a:endParaRPr lang="en-US"/>
-          </a:p>
-        </p:txBody>
-      </p:sp>
-      <p:sp>
-        <p:nvSpPr>
-          <p:cNvPr id="1033" name="Freeform: Shape 1032">
-            <a:extLst>
-              <a:ext uri="{FF2B5EF4-FFF2-40B4-BE49-F238E27FC236}">
-                <a16:creationId xmlns:a16="http://schemas.microsoft.com/office/drawing/2014/main" id="{658970D8-8D1D-4B5C-894B-E871CC86543D}"/>
-              </a:ext>
-              <a:ext uri="{C183D7F6-B498-43B3-948B-1728B52AA6E4}">
-                <adec:decorative xmlns:adec="http://schemas.microsoft.com/office/drawing/2017/decorative" val="1"/>
-              </a:ext>
-            </a:extLst>
-          </p:cNvPr>
-          <p:cNvSpPr>
-            <a:spLocks noGrp="1" noRot="1" noChangeAspect="1" noMove="1" noResize="1" noEditPoints="1" noAdjustHandles="1" noChangeArrowheads="1" noChangeShapeType="1" noTextEdit="1"/>
-          </p:cNvSpPr>
-          <p:nvPr>
-            <p:extLst>
-              <p:ext uri="{386F3935-93C4-4BCD-93E2-E3B085C9AB24}">
-                <p16:designElem xmlns:p16="http://schemas.microsoft.com/office/powerpoint/2015/main" val="1"/>
-              </p:ext>
-            </p:extLst>
-          </p:nvPr>
-        </p:nvSpPr>
-        <p:spPr>
-          <a:xfrm flipH="1">
-            <a:off x="530529" y="1"/>
-            <a:ext cx="1155142" cy="591009"/>
-          </a:xfrm>
-          <a:custGeom>
-            <a:avLst/>
-            <a:gdLst>
-              <a:gd name="connsiteX0" fmla="*/ 1355 w 1155142"/>
-              <a:gd name="connsiteY0" fmla="*/ 0 h 591009"/>
-              <a:gd name="connsiteX1" fmla="*/ 1153787 w 1155142"/>
-              <a:gd name="connsiteY1" fmla="*/ 0 h 591009"/>
-              <a:gd name="connsiteX2" fmla="*/ 1155142 w 1155142"/>
-              <a:gd name="connsiteY2" fmla="*/ 13438 h 591009"/>
-              <a:gd name="connsiteX3" fmla="*/ 577571 w 1155142"/>
-              <a:gd name="connsiteY3" fmla="*/ 591009 h 591009"/>
-              <a:gd name="connsiteX4" fmla="*/ 0 w 1155142"/>
-              <a:gd name="connsiteY4" fmla="*/ 13438 h 591009"/>
-            </a:gdLst>
-            <a:ahLst/>
-            <a:cxnLst>
-              <a:cxn ang="0">
-                <a:pos x="connsiteX0" y="connsiteY0"/>
-              </a:cxn>
-              <a:cxn ang="0">
-                <a:pos x="connsiteX1" y="connsiteY1"/>
-              </a:cxn>
-              <a:cxn ang="0">
-                <a:pos x="connsiteX2" y="connsiteY2"/>
-              </a:cxn>
-              <a:cxn ang="0">
-                <a:pos x="connsiteX3" y="connsiteY3"/>
-              </a:cxn>
-              <a:cxn ang="0">
-                <a:pos x="connsiteX4" y="connsiteY4"/>
-              </a:cxn>
-            </a:cxnLst>
-            <a:rect l="l" t="t" r="r" b="b"/>
-            <a:pathLst>
-              <a:path w="1155142" h="591009">
-                <a:moveTo>
-                  <a:pt x="1355" y="0"/>
-                </a:moveTo>
-                <a:lnTo>
-                  <a:pt x="1153787" y="0"/>
-                </a:lnTo>
-                <a:lnTo>
-                  <a:pt x="1155142" y="13438"/>
-                </a:lnTo>
-                <a:cubicBezTo>
-                  <a:pt x="1155142" y="332422"/>
-                  <a:pt x="896555" y="591009"/>
-                  <a:pt x="577571" y="591009"/>
-                </a:cubicBezTo>
-                <a:cubicBezTo>
-                  <a:pt x="258587" y="591009"/>
-                  <a:pt x="0" y="332422"/>
-                  <a:pt x="0" y="13438"/>
-                </a:cubicBezTo>
-                <a:close/>
-              </a:path>
-            </a:pathLst>
-          </a:custGeom>
-          <a:solidFill>
-            <a:schemeClr val="accent5"/>
-          </a:solidFill>
-          <a:ln>
-            <a:noFill/>
-          </a:ln>
-        </p:spPr>
-        <p:style>
-          <a:lnRef idx="2">
-            <a:schemeClr val="accent1">
-              <a:shade val="50000"/>
-            </a:schemeClr>
-          </a:lnRef>
-          <a:fillRef idx="1">
-            <a:schemeClr val="accent1"/>
-          </a:fillRef>
-          <a:effectRef idx="0">
-            <a:schemeClr val="accent1"/>
-          </a:effectRef>
-          <a:fontRef idx="minor">
-            <a:schemeClr val="lt1"/>
-          </a:fontRef>
-        </p:style>
-        <p:txBody>
-          <a:bodyPr wrap="square" rtlCol="0" anchor="ctr">
-            <a:noAutofit/>
-          </a:bodyPr>
-          <a:lstStyle/>
-          <a:p>
-            <a:pPr algn="ctr"/>
-            <a:endParaRPr lang="en-US"/>
-          </a:p>
-        </p:txBody>
-      </p:sp>
-      <p:sp>
-        <p:nvSpPr>
-          <p:cNvPr id="1035" name="Freeform: Shape 1034">
-            <a:extLst>
-              <a:ext uri="{FF2B5EF4-FFF2-40B4-BE49-F238E27FC236}">
-                <a16:creationId xmlns:a16="http://schemas.microsoft.com/office/drawing/2014/main" id="{F227E5B6-9132-43CA-B503-37A18562ADF2}"/>
-              </a:ext>
-              <a:ext uri="{C183D7F6-B498-43B3-948B-1728B52AA6E4}">
-                <adec:decorative xmlns:adec="http://schemas.microsoft.com/office/drawing/2017/decorative" val="1"/>
-              </a:ext>
-            </a:extLst>
-          </p:cNvPr>
-          <p:cNvSpPr>
-            <a:spLocks noGrp="1" noRot="1" noChangeAspect="1" noMove="1" noResize="1" noEditPoints="1" noAdjustHandles="1" noChangeArrowheads="1" noChangeShapeType="1" noTextEdit="1"/>
-          </p:cNvSpPr>
-          <p:nvPr>
-            <p:extLst>
-              <p:ext uri="{386F3935-93C4-4BCD-93E2-E3B085C9AB24}">
-                <p16:designElem xmlns:p16="http://schemas.microsoft.com/office/powerpoint/2015/main" val="1"/>
-              </p:ext>
-            </p:extLst>
-          </p:nvPr>
-        </p:nvSpPr>
-        <p:spPr>
-          <a:xfrm flipH="1">
-            <a:off x="4349052" y="0"/>
-            <a:ext cx="1737401" cy="959536"/>
-          </a:xfrm>
-          <a:custGeom>
-            <a:avLst/>
-            <a:gdLst>
-              <a:gd name="connsiteX0" fmla="*/ 0 w 1737401"/>
-              <a:gd name="connsiteY0" fmla="*/ 0 h 959536"/>
-              <a:gd name="connsiteX1" fmla="*/ 123825 w 1737401"/>
-              <a:gd name="connsiteY1" fmla="*/ 0 h 959536"/>
-              <a:gd name="connsiteX2" fmla="*/ 123825 w 1737401"/>
-              <a:gd name="connsiteY2" fmla="*/ 790277 h 959536"/>
-              <a:gd name="connsiteX3" fmla="*/ 1490095 w 1737401"/>
-              <a:gd name="connsiteY3" fmla="*/ 0 h 959536"/>
-              <a:gd name="connsiteX4" fmla="*/ 1737401 w 1737401"/>
-              <a:gd name="connsiteY4" fmla="*/ 0 h 959536"/>
-              <a:gd name="connsiteX5" fmla="*/ 92869 w 1737401"/>
-              <a:gd name="connsiteY5" fmla="*/ 951249 h 959536"/>
-              <a:gd name="connsiteX6" fmla="*/ 61913 w 1737401"/>
-              <a:gd name="connsiteY6" fmla="*/ 959536 h 959536"/>
-              <a:gd name="connsiteX7" fmla="*/ 0 w 1737401"/>
-              <a:gd name="connsiteY7" fmla="*/ 897624 h 959536"/>
-            </a:gdLst>
-            <a:ahLst/>
-            <a:cxnLst>
-              <a:cxn ang="0">
-                <a:pos x="connsiteX0" y="connsiteY0"/>
-              </a:cxn>
-              <a:cxn ang="0">
-                <a:pos x="connsiteX1" y="connsiteY1"/>
-              </a:cxn>
-              <a:cxn ang="0">
-                <a:pos x="connsiteX2" y="connsiteY2"/>
-              </a:cxn>
-              <a:cxn ang="0">
-                <a:pos x="connsiteX3" y="connsiteY3"/>
-              </a:cxn>
-              <a:cxn ang="0">
-                <a:pos x="connsiteX4" y="connsiteY4"/>
-              </a:cxn>
-              <a:cxn ang="0">
-                <a:pos x="connsiteX5" y="connsiteY5"/>
-              </a:cxn>
-              <a:cxn ang="0">
-                <a:pos x="connsiteX6" y="connsiteY6"/>
-              </a:cxn>
-              <a:cxn ang="0">
-                <a:pos x="connsiteX7" y="connsiteY7"/>
-              </a:cxn>
-            </a:cxnLst>
-            <a:rect l="l" t="t" r="r" b="b"/>
-            <a:pathLst>
-              <a:path w="1737401" h="959536">
-                <a:moveTo>
-                  <a:pt x="0" y="0"/>
-                </a:moveTo>
-                <a:lnTo>
-                  <a:pt x="123825" y="0"/>
-                </a:lnTo>
-                <a:lnTo>
-                  <a:pt x="123825" y="790277"/>
-                </a:lnTo>
-                <a:lnTo>
-                  <a:pt x="1490095" y="0"/>
-                </a:lnTo>
-                <a:lnTo>
-                  <a:pt x="1737401" y="0"/>
-                </a:lnTo>
-                <a:lnTo>
-                  <a:pt x="92869" y="951249"/>
-                </a:lnTo>
-                <a:cubicBezTo>
-                  <a:pt x="83458" y="956688"/>
-                  <a:pt x="72780" y="959546"/>
-                  <a:pt x="61913" y="959536"/>
-                </a:cubicBezTo>
-                <a:cubicBezTo>
-                  <a:pt x="27719" y="959536"/>
-                  <a:pt x="0" y="931818"/>
-                  <a:pt x="0" y="897624"/>
-                </a:cubicBezTo>
-                <a:close/>
-              </a:path>
-            </a:pathLst>
-          </a:custGeom>
-          <a:solidFill>
-            <a:schemeClr val="accent6"/>
-          </a:solidFill>
-          <a:ln w="9525" cap="flat">
-            <a:noFill/>
-            <a:prstDash val="solid"/>
-            <a:miter/>
-          </a:ln>
-        </p:spPr>
-        <p:txBody>
-          <a:bodyPr rtlCol="0" anchor="ctr"/>
-          <a:lstStyle/>
-          <a:p>
-            <a:endParaRPr lang="en-US"/>
-          </a:p>
-        </p:txBody>
-      </p:sp>
-      <p:sp>
-        <p:nvSpPr>
-          <p:cNvPr id="1037" name="Freeform: Shape 1036">
-            <a:extLst>
-              <a:ext uri="{FF2B5EF4-FFF2-40B4-BE49-F238E27FC236}">
-                <a16:creationId xmlns:a16="http://schemas.microsoft.com/office/drawing/2014/main" id="{03C2051E-A88D-48E5-BACF-AAED17892722}"/>
-              </a:ext>
-              <a:ext uri="{C183D7F6-B498-43B3-948B-1728B52AA6E4}">
-                <adec:decorative xmlns:adec="http://schemas.microsoft.com/office/drawing/2017/decorative" val="1"/>
-              </a:ext>
-            </a:extLst>
-          </p:cNvPr>
-          <p:cNvSpPr>
-            <a:spLocks noGrp="1" noRot="1" noChangeAspect="1" noMove="1" noResize="1" noEditPoints="1" noAdjustHandles="1" noChangeArrowheads="1" noChangeShapeType="1" noTextEdit="1"/>
-          </p:cNvSpPr>
-          <p:nvPr>
-            <p:extLst>
-              <p:ext uri="{386F3935-93C4-4BCD-93E2-E3B085C9AB24}">
-                <p16:designElem xmlns:p16="http://schemas.microsoft.com/office/powerpoint/2015/main" val="1"/>
-              </p:ext>
-            </p:extLst>
-          </p:nvPr>
-        </p:nvSpPr>
-        <p:spPr>
-          <a:xfrm flipH="1">
-            <a:off x="0" y="2916245"/>
-            <a:ext cx="159741" cy="552996"/>
-          </a:xfrm>
-          <a:custGeom>
-            <a:avLst/>
-            <a:gdLst>
-              <a:gd name="connsiteX0" fmla="*/ 159741 w 159741"/>
-              <a:gd name="connsiteY0" fmla="*/ 0 h 552996"/>
-              <a:gd name="connsiteX1" fmla="*/ 159741 w 159741"/>
-              <a:gd name="connsiteY1" fmla="*/ 552996 h 552996"/>
-              <a:gd name="connsiteX2" fmla="*/ 141849 w 159741"/>
-              <a:gd name="connsiteY2" fmla="*/ 543285 h 552996"/>
-              <a:gd name="connsiteX3" fmla="*/ 0 w 159741"/>
-              <a:gd name="connsiteY3" fmla="*/ 276498 h 552996"/>
-              <a:gd name="connsiteX4" fmla="*/ 141849 w 159741"/>
-              <a:gd name="connsiteY4" fmla="*/ 9711 h 552996"/>
-            </a:gdLst>
-            <a:ahLst/>
-            <a:cxnLst>
-              <a:cxn ang="0">
-                <a:pos x="connsiteX0" y="connsiteY0"/>
-              </a:cxn>
-              <a:cxn ang="0">
-                <a:pos x="connsiteX1" y="connsiteY1"/>
-              </a:cxn>
-              <a:cxn ang="0">
-                <a:pos x="connsiteX2" y="connsiteY2"/>
-              </a:cxn>
-              <a:cxn ang="0">
-                <a:pos x="connsiteX3" y="connsiteY3"/>
-              </a:cxn>
-              <a:cxn ang="0">
-                <a:pos x="connsiteX4" y="connsiteY4"/>
-              </a:cxn>
-            </a:cxnLst>
-            <a:rect l="l" t="t" r="r" b="b"/>
-            <a:pathLst>
-              <a:path w="159741" h="552996">
-                <a:moveTo>
-                  <a:pt x="159741" y="0"/>
-                </a:moveTo>
-                <a:lnTo>
-                  <a:pt x="159741" y="552996"/>
-                </a:lnTo>
-                <a:lnTo>
-                  <a:pt x="141849" y="543285"/>
-                </a:lnTo>
-                <a:cubicBezTo>
-                  <a:pt x="56268" y="485467"/>
-                  <a:pt x="0" y="387554"/>
-                  <a:pt x="0" y="276498"/>
-                </a:cubicBezTo>
-                <a:cubicBezTo>
-                  <a:pt x="0" y="165443"/>
-                  <a:pt x="56268" y="67529"/>
-                  <a:pt x="141849" y="9711"/>
-                </a:cubicBezTo>
-                <a:close/>
-              </a:path>
-            </a:pathLst>
-          </a:custGeom>
-          <a:solidFill>
-            <a:schemeClr val="accent2"/>
-          </a:solidFill>
-          <a:ln w="127000">
-            <a:noFill/>
-          </a:ln>
-        </p:spPr>
-        <p:style>
-          <a:lnRef idx="2">
-            <a:schemeClr val="accent1">
-              <a:shade val="50000"/>
-            </a:schemeClr>
-          </a:lnRef>
-          <a:fillRef idx="1">
-            <a:schemeClr val="accent1"/>
-          </a:fillRef>
-          <a:effectRef idx="0">
-            <a:schemeClr val="accent1"/>
-          </a:effectRef>
-          <a:fontRef idx="minor">
-            <a:schemeClr val="lt1"/>
-          </a:fontRef>
-        </p:style>
-        <p:txBody>
-          <a:bodyPr wrap="square" rtlCol="0" anchor="ctr">
-            <a:noAutofit/>
-          </a:bodyPr>
-          <a:lstStyle/>
-          <a:p>
-            <a:pPr algn="ctr"/>
-            <a:endParaRPr lang="en-US"/>
-          </a:p>
-        </p:txBody>
-      </p:sp>
-      <p:sp>
-        <p:nvSpPr>
-          <p:cNvPr id="1039" name="Freeform: Shape 1038">
-            <a:extLst>
-              <a:ext uri="{FF2B5EF4-FFF2-40B4-BE49-F238E27FC236}">
-                <a16:creationId xmlns:a16="http://schemas.microsoft.com/office/drawing/2014/main" id="{7821A508-2985-4905-874A-527429BAABFA}"/>
-              </a:ext>
-              <a:ext uri="{C183D7F6-B498-43B3-948B-1728B52AA6E4}">
-                <adec:decorative xmlns:adec="http://schemas.microsoft.com/office/drawing/2017/decorative" val="1"/>
-              </a:ext>
-            </a:extLst>
-          </p:cNvPr>
-          <p:cNvSpPr>
-            <a:spLocks noGrp="1" noRot="1" noChangeAspect="1" noMove="1" noResize="1" noEditPoints="1" noAdjustHandles="1" noChangeArrowheads="1" noChangeShapeType="1" noTextEdit="1"/>
-          </p:cNvSpPr>
-          <p:nvPr>
-            <p:extLst>
-              <p:ext uri="{386F3935-93C4-4BCD-93E2-E3B085C9AB24}">
-                <p16:designElem xmlns:p16="http://schemas.microsoft.com/office/powerpoint/2015/main" val="1"/>
-              </p:ext>
-            </p:extLst>
-          </p:nvPr>
-        </p:nvSpPr>
-        <p:spPr>
-          <a:xfrm flipH="1">
-            <a:off x="0" y="5835649"/>
-            <a:ext cx="1548180" cy="1022351"/>
-          </a:xfrm>
-          <a:custGeom>
-            <a:avLst/>
-            <a:gdLst>
-              <a:gd name="connsiteX0" fmla="*/ 61913 w 1548180"/>
-              <a:gd name="connsiteY0" fmla="*/ 0 h 1022351"/>
-              <a:gd name="connsiteX1" fmla="*/ 1548180 w 1548180"/>
-              <a:gd name="connsiteY1" fmla="*/ 0 h 1022351"/>
-              <a:gd name="connsiteX2" fmla="*/ 1548180 w 1548180"/>
-              <a:gd name="connsiteY2" fmla="*/ 123825 h 1022351"/>
-              <a:gd name="connsiteX3" fmla="*/ 123825 w 1548180"/>
-              <a:gd name="connsiteY3" fmla="*/ 123825 h 1022351"/>
-              <a:gd name="connsiteX4" fmla="*/ 123825 w 1548180"/>
-              <a:gd name="connsiteY4" fmla="*/ 1022351 h 1022351"/>
-              <a:gd name="connsiteX5" fmla="*/ 0 w 1548180"/>
-              <a:gd name="connsiteY5" fmla="*/ 1022351 h 1022351"/>
-              <a:gd name="connsiteX6" fmla="*/ 0 w 1548180"/>
-              <a:gd name="connsiteY6" fmla="*/ 61913 h 1022351"/>
-              <a:gd name="connsiteX7" fmla="*/ 61913 w 1548180"/>
-              <a:gd name="connsiteY7" fmla="*/ 0 h 1022351"/>
-            </a:gdLst>
-            <a:ahLst/>
-            <a:cxnLst>
-              <a:cxn ang="0">
-                <a:pos x="connsiteX0" y="connsiteY0"/>
-              </a:cxn>
-              <a:cxn ang="0">
-                <a:pos x="connsiteX1" y="connsiteY1"/>
-              </a:cxn>
-              <a:cxn ang="0">
-                <a:pos x="connsiteX2" y="connsiteY2"/>
-              </a:cxn>
-              <a:cxn ang="0">
-                <a:pos x="connsiteX3" y="connsiteY3"/>
-              </a:cxn>
-              <a:cxn ang="0">
-                <a:pos x="connsiteX4" y="connsiteY4"/>
-              </a:cxn>
-              <a:cxn ang="0">
-                <a:pos x="connsiteX5" y="connsiteY5"/>
-              </a:cxn>
-              <a:cxn ang="0">
-                <a:pos x="connsiteX6" y="connsiteY6"/>
-              </a:cxn>
-              <a:cxn ang="0">
-                <a:pos x="connsiteX7" y="connsiteY7"/>
-              </a:cxn>
-            </a:cxnLst>
-            <a:rect l="l" t="t" r="r" b="b"/>
-            <a:pathLst>
-              <a:path w="1548180" h="1022351">
-                <a:moveTo>
-                  <a:pt x="61913" y="0"/>
-                </a:moveTo>
-                <a:lnTo>
-                  <a:pt x="1548180" y="0"/>
-                </a:lnTo>
-                <a:lnTo>
-                  <a:pt x="1548180" y="123825"/>
-                </a:lnTo>
-                <a:lnTo>
-                  <a:pt x="123825" y="123825"/>
-                </a:lnTo>
-                <a:lnTo>
-                  <a:pt x="123825" y="1022351"/>
-                </a:lnTo>
-                <a:lnTo>
-                  <a:pt x="0" y="1022351"/>
-                </a:lnTo>
-                <a:lnTo>
-                  <a:pt x="0" y="61913"/>
-                </a:lnTo>
-                <a:cubicBezTo>
-                  <a:pt x="0" y="27719"/>
-                  <a:pt x="27719" y="0"/>
-                  <a:pt x="61913" y="0"/>
-                </a:cubicBezTo>
-                <a:close/>
-              </a:path>
-            </a:pathLst>
-          </a:custGeom>
-          <a:solidFill>
-            <a:schemeClr val="accent6"/>
-          </a:solidFill>
-          <a:ln w="9525" cap="flat">
-            <a:noFill/>
-            <a:prstDash val="solid"/>
-            <a:miter/>
-          </a:ln>
-        </p:spPr>
-        <p:txBody>
-          <a:bodyPr rtlCol="0" anchor="ctr"/>
-          <a:lstStyle/>
-          <a:p>
-            <a:endParaRPr lang="en-US"/>
-          </a:p>
-        </p:txBody>
-      </p:sp>
-      <p:sp>
-        <p:nvSpPr>
-          <p:cNvPr id="1041" name="Freeform: Shape 1040">
-            <a:extLst>
-              <a:ext uri="{FF2B5EF4-FFF2-40B4-BE49-F238E27FC236}">
-                <a16:creationId xmlns:a16="http://schemas.microsoft.com/office/drawing/2014/main" id="{D2929CB1-0E3C-4B2D-ADC5-0154FB33BA44}"/>
-              </a:ext>
-              <a:ext uri="{C183D7F6-B498-43B3-948B-1728B52AA6E4}">
-                <adec:decorative xmlns:adec="http://schemas.microsoft.com/office/drawing/2017/decorative" val="1"/>
-              </a:ext>
-            </a:extLst>
-          </p:cNvPr>
-          <p:cNvSpPr>
-            <a:spLocks noGrp="1" noRot="1" noChangeAspect="1" noMove="1" noResize="1" noEditPoints="1" noAdjustHandles="1" noChangeArrowheads="1" noChangeShapeType="1" noTextEdit="1"/>
-          </p:cNvSpPr>
-          <p:nvPr>
-            <p:extLst>
-              <p:ext uri="{386F3935-93C4-4BCD-93E2-E3B085C9AB24}">
-                <p16:designElem xmlns:p16="http://schemas.microsoft.com/office/powerpoint/2015/main" val="1"/>
-              </p:ext>
-            </p:extLst>
-          </p:nvPr>
-        </p:nvSpPr>
-        <p:spPr>
-          <a:xfrm flipH="1">
-            <a:off x="3697761" y="5717906"/>
-            <a:ext cx="1771609" cy="1140095"/>
-          </a:xfrm>
-          <a:custGeom>
-            <a:avLst/>
-            <a:gdLst>
-              <a:gd name="connsiteX0" fmla="*/ 1561721 w 1771609"/>
-              <a:gd name="connsiteY0" fmla="*/ 763041 h 1140095"/>
-              <a:gd name="connsiteX1" fmla="*/ 1623024 w 1771609"/>
-              <a:gd name="connsiteY1" fmla="*/ 792810 h 1140095"/>
-              <a:gd name="connsiteX2" fmla="*/ 1711735 w 1771609"/>
-              <a:gd name="connsiteY2" fmla="*/ 970132 h 1140095"/>
-              <a:gd name="connsiteX3" fmla="*/ 1771609 w 1771609"/>
-              <a:gd name="connsiteY3" fmla="*/ 1140095 h 1140095"/>
-              <a:gd name="connsiteX4" fmla="*/ 1637225 w 1771609"/>
-              <a:gd name="connsiteY4" fmla="*/ 1140095 h 1140095"/>
-              <a:gd name="connsiteX5" fmla="*/ 1594820 w 1771609"/>
-              <a:gd name="connsiteY5" fmla="*/ 1019711 h 1140095"/>
-              <a:gd name="connsiteX6" fmla="*/ 1513200 w 1771609"/>
-              <a:gd name="connsiteY6" fmla="*/ 856627 h 1140095"/>
-              <a:gd name="connsiteX7" fmla="*/ 1538499 w 1771609"/>
-              <a:gd name="connsiteY7" fmla="*/ 770415 h 1140095"/>
-              <a:gd name="connsiteX8" fmla="*/ 1561721 w 1771609"/>
-              <a:gd name="connsiteY8" fmla="*/ 763041 h 1140095"/>
-              <a:gd name="connsiteX9" fmla="*/ 933455 w 1771609"/>
-              <a:gd name="connsiteY9" fmla="*/ 161309 h 1140095"/>
-              <a:gd name="connsiteX10" fmla="*/ 957797 w 1771609"/>
-              <a:gd name="connsiteY10" fmla="*/ 167970 h 1140095"/>
-              <a:gd name="connsiteX11" fmla="*/ 1286982 w 1771609"/>
-              <a:gd name="connsiteY11" fmla="*/ 387616 h 1140095"/>
-              <a:gd name="connsiteX12" fmla="*/ 1293725 w 1771609"/>
-              <a:gd name="connsiteY12" fmla="*/ 477075 h 1140095"/>
-              <a:gd name="connsiteX13" fmla="*/ 1245453 w 1771609"/>
-              <a:gd name="connsiteY13" fmla="*/ 499154 h 1140095"/>
-              <a:gd name="connsiteX14" fmla="*/ 1245167 w 1771609"/>
-              <a:gd name="connsiteY14" fmla="*/ 499154 h 1140095"/>
-              <a:gd name="connsiteX15" fmla="*/ 1203638 w 1771609"/>
-              <a:gd name="connsiteY15" fmla="*/ 484104 h 1140095"/>
-              <a:gd name="connsiteX16" fmla="*/ 900647 w 1771609"/>
-              <a:gd name="connsiteY16" fmla="*/ 281508 h 1140095"/>
-              <a:gd name="connsiteX17" fmla="*/ 872454 w 1771609"/>
-              <a:gd name="connsiteY17" fmla="*/ 196164 h 1140095"/>
-              <a:gd name="connsiteX18" fmla="*/ 933455 w 1771609"/>
-              <a:gd name="connsiteY18" fmla="*/ 161309 h 1140095"/>
-              <a:gd name="connsiteX19" fmla="*/ 256260 w 1771609"/>
-              <a:gd name="connsiteY19" fmla="*/ 29 h 1140095"/>
-              <a:gd name="connsiteX20" fmla="*/ 454020 w 1771609"/>
-              <a:gd name="connsiteY20" fmla="*/ 13474 h 1140095"/>
-              <a:gd name="connsiteX21" fmla="*/ 509236 w 1771609"/>
-              <a:gd name="connsiteY21" fmla="*/ 84182 h 1140095"/>
-              <a:gd name="connsiteX22" fmla="*/ 445829 w 1771609"/>
-              <a:gd name="connsiteY22" fmla="*/ 139871 h 1140095"/>
-              <a:gd name="connsiteX23" fmla="*/ 437447 w 1771609"/>
-              <a:gd name="connsiteY23" fmla="*/ 139395 h 1140095"/>
-              <a:gd name="connsiteX24" fmla="*/ 73211 w 1771609"/>
-              <a:gd name="connsiteY24" fmla="*/ 137204 h 1140095"/>
-              <a:gd name="connsiteX25" fmla="*/ 749 w 1771609"/>
-              <a:gd name="connsiteY25" fmla="*/ 84082 h 1140095"/>
-              <a:gd name="connsiteX26" fmla="*/ 53871 w 1771609"/>
-              <a:gd name="connsiteY26" fmla="*/ 11621 h 1140095"/>
-              <a:gd name="connsiteX27" fmla="*/ 58352 w 1771609"/>
-              <a:gd name="connsiteY27" fmla="*/ 11093 h 1140095"/>
-              <a:gd name="connsiteX28" fmla="*/ 256260 w 1771609"/>
-              <a:gd name="connsiteY28" fmla="*/ 29 h 1140095"/>
-            </a:gdLst>
-            <a:ahLst/>
-            <a:cxnLst>
-              <a:cxn ang="0">
-                <a:pos x="connsiteX0" y="connsiteY0"/>
-              </a:cxn>
-              <a:cxn ang="0">
-                <a:pos x="connsiteX1" y="connsiteY1"/>
-              </a:cxn>
-              <a:cxn ang="0">
-                <a:pos x="connsiteX2" y="connsiteY2"/>
-              </a:cxn>
-              <a:cxn ang="0">
-                <a:pos x="connsiteX3" y="connsiteY3"/>
-              </a:cxn>
-              <a:cxn ang="0">
-                <a:pos x="connsiteX4" y="connsiteY4"/>
-              </a:cxn>
-              <a:cxn ang="0">
-                <a:pos x="connsiteX5" y="connsiteY5"/>
-              </a:cxn>
-              <a:cxn ang="0">
-                <a:pos x="connsiteX6" y="connsiteY6"/>
-              </a:cxn>
-              <a:cxn ang="0">
-                <a:pos x="connsiteX7" y="connsiteY7"/>
-              </a:cxn>
-              <a:cxn ang="0">
-                <a:pos x="connsiteX8" y="connsiteY8"/>
-              </a:cxn>
-              <a:cxn ang="0">
-                <a:pos x="connsiteX9" y="connsiteY9"/>
-              </a:cxn>
-              <a:cxn ang="0">
-                <a:pos x="connsiteX10" y="connsiteY10"/>
-              </a:cxn>
-              <a:cxn ang="0">
-                <a:pos x="connsiteX11" y="connsiteY11"/>
-              </a:cxn>
-              <a:cxn ang="0">
-                <a:pos x="connsiteX12" y="connsiteY12"/>
-              </a:cxn>
-              <a:cxn ang="0">
-                <a:pos x="connsiteX13" y="connsiteY13"/>
-              </a:cxn>
-              <a:cxn ang="0">
-                <a:pos x="connsiteX14" y="connsiteY14"/>
-              </a:cxn>
-              <a:cxn ang="0">
-                <a:pos x="connsiteX15" y="connsiteY15"/>
-              </a:cxn>
-              <a:cxn ang="0">
-                <a:pos x="connsiteX16" y="connsiteY16"/>
-              </a:cxn>
-              <a:cxn ang="0">
-                <a:pos x="connsiteX17" y="connsiteY17"/>
-              </a:cxn>
-              <a:cxn ang="0">
-                <a:pos x="connsiteX18" y="connsiteY18"/>
-              </a:cxn>
-              <a:cxn ang="0">
-                <a:pos x="connsiteX19" y="connsiteY19"/>
-              </a:cxn>
-              <a:cxn ang="0">
-                <a:pos x="connsiteX20" y="connsiteY20"/>
-              </a:cxn>
-              <a:cxn ang="0">
-                <a:pos x="connsiteX21" y="connsiteY21"/>
-              </a:cxn>
-              <a:cxn ang="0">
-                <a:pos x="connsiteX22" y="connsiteY22"/>
-              </a:cxn>
-              <a:cxn ang="0">
-                <a:pos x="connsiteX23" y="connsiteY23"/>
-              </a:cxn>
-              <a:cxn ang="0">
-                <a:pos x="connsiteX24" y="connsiteY24"/>
-              </a:cxn>
-              <a:cxn ang="0">
-                <a:pos x="connsiteX25" y="connsiteY25"/>
-              </a:cxn>
-              <a:cxn ang="0">
-                <a:pos x="connsiteX26" y="connsiteY26"/>
-              </a:cxn>
-              <a:cxn ang="0">
-                <a:pos x="connsiteX27" y="connsiteY27"/>
-              </a:cxn>
-              <a:cxn ang="0">
-                <a:pos x="connsiteX28" y="connsiteY28"/>
-              </a:cxn>
-            </a:cxnLst>
-            <a:rect l="l" t="t" r="r" b="b"/>
-            <a:pathLst>
-              <a:path w="1771609" h="1140095">
-                <a:moveTo>
-                  <a:pt x="1561721" y="763041"/>
-                </a:moveTo>
-                <a:cubicBezTo>
-                  <a:pt x="1585506" y="760324"/>
-                  <a:pt x="1609722" y="771249"/>
-                  <a:pt x="1623024" y="792810"/>
-                </a:cubicBezTo>
-                <a:cubicBezTo>
-                  <a:pt x="1656300" y="850065"/>
-                  <a:pt x="1685920" y="909291"/>
-                  <a:pt x="1711735" y="970132"/>
-                </a:cubicBezTo>
-                <a:lnTo>
-                  <a:pt x="1771609" y="1140095"/>
-                </a:lnTo>
-                <a:lnTo>
-                  <a:pt x="1637225" y="1140095"/>
-                </a:lnTo>
-                <a:lnTo>
-                  <a:pt x="1594820" y="1019711"/>
-                </a:lnTo>
-                <a:cubicBezTo>
-                  <a:pt x="1571072" y="963753"/>
-                  <a:pt x="1543818" y="909282"/>
-                  <a:pt x="1513200" y="856627"/>
-                </a:cubicBezTo>
-                <a:cubicBezTo>
-                  <a:pt x="1496379" y="825834"/>
-                  <a:pt x="1507704" y="787236"/>
-                  <a:pt x="1538499" y="770415"/>
-                </a:cubicBezTo>
-                <a:cubicBezTo>
-                  <a:pt x="1545912" y="766367"/>
-                  <a:pt x="1553792" y="763946"/>
-                  <a:pt x="1561721" y="763041"/>
-                </a:cubicBezTo>
-                <a:close/>
-                <a:moveTo>
-                  <a:pt x="933455" y="161309"/>
-                </a:moveTo>
-                <a:cubicBezTo>
-                  <a:pt x="941693" y="161855"/>
-                  <a:pt x="949959" y="164025"/>
-                  <a:pt x="957797" y="167970"/>
-                </a:cubicBezTo>
-                <a:cubicBezTo>
-                  <a:pt x="1076184" y="227289"/>
-                  <a:pt x="1186759" y="301068"/>
-                  <a:pt x="1286982" y="387616"/>
-                </a:cubicBezTo>
-                <a:cubicBezTo>
-                  <a:pt x="1313547" y="410457"/>
-                  <a:pt x="1316566" y="450510"/>
-                  <a:pt x="1293725" y="477075"/>
-                </a:cubicBezTo>
-                <a:cubicBezTo>
-                  <a:pt x="1281638" y="491137"/>
-                  <a:pt x="1263998" y="499204"/>
-                  <a:pt x="1245453" y="499154"/>
-                </a:cubicBezTo>
-                <a:lnTo>
-                  <a:pt x="1245167" y="499154"/>
-                </a:lnTo>
-                <a:cubicBezTo>
-                  <a:pt x="1229965" y="499301"/>
-                  <a:pt x="1215220" y="493956"/>
-                  <a:pt x="1203638" y="484104"/>
-                </a:cubicBezTo>
-                <a:cubicBezTo>
-                  <a:pt x="1111407" y="404300"/>
-                  <a:pt x="1009633" y="336248"/>
-                  <a:pt x="900647" y="281508"/>
-                </a:cubicBezTo>
-                <a:cubicBezTo>
-                  <a:pt x="869295" y="265726"/>
-                  <a:pt x="856672" y="227516"/>
-                  <a:pt x="872454" y="196164"/>
-                </a:cubicBezTo>
-                <a:cubicBezTo>
-                  <a:pt x="884290" y="172650"/>
-                  <a:pt x="908742" y="159670"/>
-                  <a:pt x="933455" y="161309"/>
-                </a:cubicBezTo>
-                <a:close/>
-                <a:moveTo>
-                  <a:pt x="256260" y="29"/>
-                </a:moveTo>
-                <a:cubicBezTo>
-                  <a:pt x="322331" y="427"/>
-                  <a:pt x="388378" y="4909"/>
-                  <a:pt x="454020" y="13474"/>
-                </a:cubicBezTo>
-                <a:cubicBezTo>
-                  <a:pt x="488793" y="17752"/>
-                  <a:pt x="513514" y="49409"/>
-                  <a:pt x="509236" y="84182"/>
-                </a:cubicBezTo>
-                <a:cubicBezTo>
-                  <a:pt x="505303" y="116151"/>
-                  <a:pt x="478038" y="140098"/>
-                  <a:pt x="445829" y="139871"/>
-                </a:cubicBezTo>
-                <a:cubicBezTo>
-                  <a:pt x="443027" y="139899"/>
-                  <a:pt x="440227" y="139740"/>
-                  <a:pt x="437447" y="139395"/>
-                </a:cubicBezTo>
-                <a:cubicBezTo>
-                  <a:pt x="316592" y="123615"/>
-                  <a:pt x="194247" y="122878"/>
-                  <a:pt x="73211" y="137204"/>
-                </a:cubicBezTo>
-                <a:cubicBezTo>
-                  <a:pt x="38532" y="142545"/>
-                  <a:pt x="6090" y="118762"/>
-                  <a:pt x="749" y="84082"/>
-                </a:cubicBezTo>
-                <a:cubicBezTo>
-                  <a:pt x="-4591" y="49403"/>
-                  <a:pt x="19192" y="16961"/>
-                  <a:pt x="53871" y="11621"/>
-                </a:cubicBezTo>
-                <a:cubicBezTo>
-                  <a:pt x="55358" y="11392"/>
-                  <a:pt x="56852" y="11216"/>
-                  <a:pt x="58352" y="11093"/>
-                </a:cubicBezTo>
-                <a:cubicBezTo>
-                  <a:pt x="124093" y="3319"/>
-                  <a:pt x="190189" y="-369"/>
-                  <a:pt x="256260" y="29"/>
-                </a:cubicBezTo>
-                <a:close/>
-              </a:path>
-            </a:pathLst>
-          </a:custGeom>
-          <a:solidFill>
-            <a:schemeClr val="accent4"/>
-          </a:solidFill>
-          <a:ln w="9525" cap="flat">
-            <a:noFill/>
-            <a:prstDash val="solid"/>
-            <a:miter/>
-          </a:ln>
-        </p:spPr>
-        <p:txBody>
-          <a:bodyPr rtlCol="0" anchor="ctr"/>
-          <a:lstStyle/>
-          <a:p>
-            <a:endParaRPr lang="en-US"/>
-          </a:p>
-        </p:txBody>
-      </p:sp>
-      <p:sp>
-        <p:nvSpPr>
-          <p:cNvPr id="1043" name="Freeform: Shape 1042">
-            <a:extLst>
-              <a:ext uri="{FF2B5EF4-FFF2-40B4-BE49-F238E27FC236}">
-                <a16:creationId xmlns:a16="http://schemas.microsoft.com/office/drawing/2014/main" id="{5F2F0C84-BE8C-4DC2-A6D3-30349A801D5C}"/>
-              </a:ext>
-              <a:ext uri="{C183D7F6-B498-43B3-948B-1728B52AA6E4}">
-                <adec:decorative xmlns:adec="http://schemas.microsoft.com/office/drawing/2017/decorative" val="1"/>
-              </a:ext>
-            </a:extLst>
-          </p:cNvPr>
-          <p:cNvSpPr>
-            <a:spLocks noGrp="1" noRot="1" noChangeAspect="1" noMove="1" noResize="1" noEditPoints="1" noAdjustHandles="1" noChangeArrowheads="1" noChangeShapeType="1" noTextEdit="1"/>
-          </p:cNvSpPr>
-          <p:nvPr>
-            <p:extLst>
-              <p:ext uri="{386F3935-93C4-4BCD-93E2-E3B085C9AB24}">
-                <p16:designElem xmlns:p16="http://schemas.microsoft.com/office/powerpoint/2015/main" val="1"/>
-              </p:ext>
-            </p:extLst>
-          </p:nvPr>
-        </p:nvSpPr>
-        <p:spPr>
-          <a:xfrm flipH="1">
-            <a:off x="4520513" y="6258756"/>
-            <a:ext cx="1565940" cy="599245"/>
-          </a:xfrm>
-          <a:custGeom>
-            <a:avLst/>
-            <a:gdLst>
-              <a:gd name="connsiteX0" fmla="*/ 782970 w 1565940"/>
-              <a:gd name="connsiteY0" fmla="*/ 0 h 599245"/>
-              <a:gd name="connsiteX1" fmla="*/ 1528042 w 1565940"/>
-              <a:gd name="connsiteY1" fmla="*/ 480469 h 599245"/>
-              <a:gd name="connsiteX2" fmla="*/ 1565940 w 1565940"/>
-              <a:gd name="connsiteY2" fmla="*/ 599245 h 599245"/>
-              <a:gd name="connsiteX3" fmla="*/ 0 w 1565940"/>
-              <a:gd name="connsiteY3" fmla="*/ 599245 h 599245"/>
-              <a:gd name="connsiteX4" fmla="*/ 37898 w 1565940"/>
-              <a:gd name="connsiteY4" fmla="*/ 480469 h 599245"/>
-              <a:gd name="connsiteX5" fmla="*/ 782970 w 1565940"/>
-              <a:gd name="connsiteY5" fmla="*/ 0 h 599245"/>
-            </a:gdLst>
-            <a:ahLst/>
-            <a:cxnLst>
-              <a:cxn ang="0">
-                <a:pos x="connsiteX0" y="connsiteY0"/>
-              </a:cxn>
-              <a:cxn ang="0">
-                <a:pos x="connsiteX1" y="connsiteY1"/>
-              </a:cxn>
-              <a:cxn ang="0">
-                <a:pos x="connsiteX2" y="connsiteY2"/>
-              </a:cxn>
-              <a:cxn ang="0">
-                <a:pos x="connsiteX3" y="connsiteY3"/>
-              </a:cxn>
-              <a:cxn ang="0">
-                <a:pos x="connsiteX4" y="connsiteY4"/>
-              </a:cxn>
-              <a:cxn ang="0">
-                <a:pos x="connsiteX5" y="connsiteY5"/>
-              </a:cxn>
-            </a:cxnLst>
-            <a:rect l="l" t="t" r="r" b="b"/>
-            <a:pathLst>
-              <a:path w="1565940" h="599245">
-                <a:moveTo>
-                  <a:pt x="782970" y="0"/>
-                </a:moveTo>
-                <a:cubicBezTo>
-                  <a:pt x="1117910" y="0"/>
-                  <a:pt x="1405287" y="198118"/>
-                  <a:pt x="1528042" y="480469"/>
-                </a:cubicBezTo>
-                <a:lnTo>
-                  <a:pt x="1565940" y="599245"/>
-                </a:lnTo>
-                <a:lnTo>
-                  <a:pt x="0" y="599245"/>
-                </a:lnTo>
-                <a:lnTo>
-                  <a:pt x="37898" y="480469"/>
-                </a:lnTo>
-                <a:cubicBezTo>
-                  <a:pt x="160653" y="198118"/>
-                  <a:pt x="448030" y="0"/>
-                  <a:pt x="782970" y="0"/>
-                </a:cubicBezTo>
-                <a:close/>
-              </a:path>
-            </a:pathLst>
-          </a:custGeom>
-          <a:solidFill>
-            <a:schemeClr val="accent2"/>
-          </a:solidFill>
-          <a:ln>
-            <a:noFill/>
-          </a:ln>
-        </p:spPr>
-        <p:style>
-          <a:lnRef idx="2">
-            <a:schemeClr val="accent1">
-              <a:shade val="50000"/>
-            </a:schemeClr>
-          </a:lnRef>
-          <a:fillRef idx="1">
-            <a:schemeClr val="accent1"/>
-          </a:fillRef>
-          <a:effectRef idx="0">
-            <a:schemeClr val="accent1"/>
-          </a:effectRef>
-          <a:fontRef idx="minor">
-            <a:schemeClr val="lt1"/>
-          </a:fontRef>
-        </p:style>
-        <p:txBody>
-          <a:bodyPr wrap="square" rtlCol="0" anchor="ctr">
-            <a:noAutofit/>
-          </a:bodyPr>
-          <a:lstStyle/>
-          <a:p>
-            <a:pPr algn="ctr"/>
-            <a:endParaRPr lang="en-US" dirty="0"/>
-          </a:p>
-        </p:txBody>
-      </p:sp>
       <p:sp>
         <p:nvSpPr>
           <p:cNvPr id="9" name="TextBox 8">
@@ -10636,1023 +7261,6 @@
           <a:chExt cx="0" cy="0"/>
         </a:xfrm>
       </p:grpSpPr>
-      <p:sp useBgFill="1">
-        <p:nvSpPr>
-          <p:cNvPr id="1031" name="Rectangle 1030">
-            <a:extLst>
-              <a:ext uri="{FF2B5EF4-FFF2-40B4-BE49-F238E27FC236}">
-                <a16:creationId xmlns:a16="http://schemas.microsoft.com/office/drawing/2014/main" id="{362D44EE-C852-4460-B8B5-C4F2BC20510C}"/>
-              </a:ext>
-              <a:ext uri="{C183D7F6-B498-43B3-948B-1728B52AA6E4}">
-                <adec:decorative xmlns:adec="http://schemas.microsoft.com/office/drawing/2017/decorative" val="1"/>
-              </a:ext>
-            </a:extLst>
-          </p:cNvPr>
-          <p:cNvSpPr>
-            <a:spLocks noGrp="1" noRot="1" noChangeAspect="1" noMove="1" noResize="1" noEditPoints="1" noAdjustHandles="1" noChangeArrowheads="1" noChangeShapeType="1" noTextEdit="1"/>
-          </p:cNvSpPr>
-          <p:nvPr>
-            <p:extLst>
-              <p:ext uri="{386F3935-93C4-4BCD-93E2-E3B085C9AB24}">
-                <p16:designElem xmlns:p16="http://schemas.microsoft.com/office/powerpoint/2015/main" val="1"/>
-              </p:ext>
-            </p:extLst>
-          </p:nvPr>
-        </p:nvSpPr>
-        <p:spPr>
-          <a:xfrm>
-            <a:off x="0" y="0"/>
-            <a:ext cx="12192000" cy="6858000"/>
-          </a:xfrm>
-          <a:prstGeom prst="rect">
-            <a:avLst/>
-          </a:prstGeom>
-          <a:ln>
-            <a:noFill/>
-          </a:ln>
-        </p:spPr>
-        <p:style>
-          <a:lnRef idx="2">
-            <a:schemeClr val="accent1">
-              <a:shade val="50000"/>
-            </a:schemeClr>
-          </a:lnRef>
-          <a:fillRef idx="1">
-            <a:schemeClr val="accent1"/>
-          </a:fillRef>
-          <a:effectRef idx="0">
-            <a:schemeClr val="accent1"/>
-          </a:effectRef>
-          <a:fontRef idx="minor">
-            <a:schemeClr val="lt1"/>
-          </a:fontRef>
-        </p:style>
-        <p:txBody>
-          <a:bodyPr rtlCol="0" anchor="ctr"/>
-          <a:lstStyle/>
-          <a:p>
-            <a:pPr algn="ctr"/>
-            <a:endParaRPr lang="en-US"/>
-          </a:p>
-        </p:txBody>
-      </p:sp>
-      <p:sp>
-        <p:nvSpPr>
-          <p:cNvPr id="1033" name="Freeform: Shape 1032">
-            <a:extLst>
-              <a:ext uri="{FF2B5EF4-FFF2-40B4-BE49-F238E27FC236}">
-                <a16:creationId xmlns:a16="http://schemas.microsoft.com/office/drawing/2014/main" id="{658970D8-8D1D-4B5C-894B-E871CC86543D}"/>
-              </a:ext>
-              <a:ext uri="{C183D7F6-B498-43B3-948B-1728B52AA6E4}">
-                <adec:decorative xmlns:adec="http://schemas.microsoft.com/office/drawing/2017/decorative" val="1"/>
-              </a:ext>
-            </a:extLst>
-          </p:cNvPr>
-          <p:cNvSpPr>
-            <a:spLocks noGrp="1" noRot="1" noChangeAspect="1" noMove="1" noResize="1" noEditPoints="1" noAdjustHandles="1" noChangeArrowheads="1" noChangeShapeType="1" noTextEdit="1"/>
-          </p:cNvSpPr>
-          <p:nvPr>
-            <p:extLst>
-              <p:ext uri="{386F3935-93C4-4BCD-93E2-E3B085C9AB24}">
-                <p16:designElem xmlns:p16="http://schemas.microsoft.com/office/powerpoint/2015/main" val="1"/>
-              </p:ext>
-            </p:extLst>
-          </p:nvPr>
-        </p:nvSpPr>
-        <p:spPr>
-          <a:xfrm flipH="1">
-            <a:off x="530529" y="1"/>
-            <a:ext cx="1155142" cy="591009"/>
-          </a:xfrm>
-          <a:custGeom>
-            <a:avLst/>
-            <a:gdLst>
-              <a:gd name="connsiteX0" fmla="*/ 1355 w 1155142"/>
-              <a:gd name="connsiteY0" fmla="*/ 0 h 591009"/>
-              <a:gd name="connsiteX1" fmla="*/ 1153787 w 1155142"/>
-              <a:gd name="connsiteY1" fmla="*/ 0 h 591009"/>
-              <a:gd name="connsiteX2" fmla="*/ 1155142 w 1155142"/>
-              <a:gd name="connsiteY2" fmla="*/ 13438 h 591009"/>
-              <a:gd name="connsiteX3" fmla="*/ 577571 w 1155142"/>
-              <a:gd name="connsiteY3" fmla="*/ 591009 h 591009"/>
-              <a:gd name="connsiteX4" fmla="*/ 0 w 1155142"/>
-              <a:gd name="connsiteY4" fmla="*/ 13438 h 591009"/>
-            </a:gdLst>
-            <a:ahLst/>
-            <a:cxnLst>
-              <a:cxn ang="0">
-                <a:pos x="connsiteX0" y="connsiteY0"/>
-              </a:cxn>
-              <a:cxn ang="0">
-                <a:pos x="connsiteX1" y="connsiteY1"/>
-              </a:cxn>
-              <a:cxn ang="0">
-                <a:pos x="connsiteX2" y="connsiteY2"/>
-              </a:cxn>
-              <a:cxn ang="0">
-                <a:pos x="connsiteX3" y="connsiteY3"/>
-              </a:cxn>
-              <a:cxn ang="0">
-                <a:pos x="connsiteX4" y="connsiteY4"/>
-              </a:cxn>
-            </a:cxnLst>
-            <a:rect l="l" t="t" r="r" b="b"/>
-            <a:pathLst>
-              <a:path w="1155142" h="591009">
-                <a:moveTo>
-                  <a:pt x="1355" y="0"/>
-                </a:moveTo>
-                <a:lnTo>
-                  <a:pt x="1153787" y="0"/>
-                </a:lnTo>
-                <a:lnTo>
-                  <a:pt x="1155142" y="13438"/>
-                </a:lnTo>
-                <a:cubicBezTo>
-                  <a:pt x="1155142" y="332422"/>
-                  <a:pt x="896555" y="591009"/>
-                  <a:pt x="577571" y="591009"/>
-                </a:cubicBezTo>
-                <a:cubicBezTo>
-                  <a:pt x="258587" y="591009"/>
-                  <a:pt x="0" y="332422"/>
-                  <a:pt x="0" y="13438"/>
-                </a:cubicBezTo>
-                <a:close/>
-              </a:path>
-            </a:pathLst>
-          </a:custGeom>
-          <a:solidFill>
-            <a:schemeClr val="accent5"/>
-          </a:solidFill>
-          <a:ln>
-            <a:noFill/>
-          </a:ln>
-        </p:spPr>
-        <p:style>
-          <a:lnRef idx="2">
-            <a:schemeClr val="accent1">
-              <a:shade val="50000"/>
-            </a:schemeClr>
-          </a:lnRef>
-          <a:fillRef idx="1">
-            <a:schemeClr val="accent1"/>
-          </a:fillRef>
-          <a:effectRef idx="0">
-            <a:schemeClr val="accent1"/>
-          </a:effectRef>
-          <a:fontRef idx="minor">
-            <a:schemeClr val="lt1"/>
-          </a:fontRef>
-        </p:style>
-        <p:txBody>
-          <a:bodyPr wrap="square" rtlCol="0" anchor="ctr">
-            <a:noAutofit/>
-          </a:bodyPr>
-          <a:lstStyle/>
-          <a:p>
-            <a:pPr algn="ctr"/>
-            <a:endParaRPr lang="en-US"/>
-          </a:p>
-        </p:txBody>
-      </p:sp>
-      <p:sp>
-        <p:nvSpPr>
-          <p:cNvPr id="1035" name="Freeform: Shape 1034">
-            <a:extLst>
-              <a:ext uri="{FF2B5EF4-FFF2-40B4-BE49-F238E27FC236}">
-                <a16:creationId xmlns:a16="http://schemas.microsoft.com/office/drawing/2014/main" id="{F227E5B6-9132-43CA-B503-37A18562ADF2}"/>
-              </a:ext>
-              <a:ext uri="{C183D7F6-B498-43B3-948B-1728B52AA6E4}">
-                <adec:decorative xmlns:adec="http://schemas.microsoft.com/office/drawing/2017/decorative" val="1"/>
-              </a:ext>
-            </a:extLst>
-          </p:cNvPr>
-          <p:cNvSpPr>
-            <a:spLocks noGrp="1" noRot="1" noChangeAspect="1" noMove="1" noResize="1" noEditPoints="1" noAdjustHandles="1" noChangeArrowheads="1" noChangeShapeType="1" noTextEdit="1"/>
-          </p:cNvSpPr>
-          <p:nvPr>
-            <p:extLst>
-              <p:ext uri="{386F3935-93C4-4BCD-93E2-E3B085C9AB24}">
-                <p16:designElem xmlns:p16="http://schemas.microsoft.com/office/powerpoint/2015/main" val="1"/>
-              </p:ext>
-            </p:extLst>
-          </p:nvPr>
-        </p:nvSpPr>
-        <p:spPr>
-          <a:xfrm flipH="1">
-            <a:off x="4349052" y="0"/>
-            <a:ext cx="1737401" cy="959536"/>
-          </a:xfrm>
-          <a:custGeom>
-            <a:avLst/>
-            <a:gdLst>
-              <a:gd name="connsiteX0" fmla="*/ 0 w 1737401"/>
-              <a:gd name="connsiteY0" fmla="*/ 0 h 959536"/>
-              <a:gd name="connsiteX1" fmla="*/ 123825 w 1737401"/>
-              <a:gd name="connsiteY1" fmla="*/ 0 h 959536"/>
-              <a:gd name="connsiteX2" fmla="*/ 123825 w 1737401"/>
-              <a:gd name="connsiteY2" fmla="*/ 790277 h 959536"/>
-              <a:gd name="connsiteX3" fmla="*/ 1490095 w 1737401"/>
-              <a:gd name="connsiteY3" fmla="*/ 0 h 959536"/>
-              <a:gd name="connsiteX4" fmla="*/ 1737401 w 1737401"/>
-              <a:gd name="connsiteY4" fmla="*/ 0 h 959536"/>
-              <a:gd name="connsiteX5" fmla="*/ 92869 w 1737401"/>
-              <a:gd name="connsiteY5" fmla="*/ 951249 h 959536"/>
-              <a:gd name="connsiteX6" fmla="*/ 61913 w 1737401"/>
-              <a:gd name="connsiteY6" fmla="*/ 959536 h 959536"/>
-              <a:gd name="connsiteX7" fmla="*/ 0 w 1737401"/>
-              <a:gd name="connsiteY7" fmla="*/ 897624 h 959536"/>
-            </a:gdLst>
-            <a:ahLst/>
-            <a:cxnLst>
-              <a:cxn ang="0">
-                <a:pos x="connsiteX0" y="connsiteY0"/>
-              </a:cxn>
-              <a:cxn ang="0">
-                <a:pos x="connsiteX1" y="connsiteY1"/>
-              </a:cxn>
-              <a:cxn ang="0">
-                <a:pos x="connsiteX2" y="connsiteY2"/>
-              </a:cxn>
-              <a:cxn ang="0">
-                <a:pos x="connsiteX3" y="connsiteY3"/>
-              </a:cxn>
-              <a:cxn ang="0">
-                <a:pos x="connsiteX4" y="connsiteY4"/>
-              </a:cxn>
-              <a:cxn ang="0">
-                <a:pos x="connsiteX5" y="connsiteY5"/>
-              </a:cxn>
-              <a:cxn ang="0">
-                <a:pos x="connsiteX6" y="connsiteY6"/>
-              </a:cxn>
-              <a:cxn ang="0">
-                <a:pos x="connsiteX7" y="connsiteY7"/>
-              </a:cxn>
-            </a:cxnLst>
-            <a:rect l="l" t="t" r="r" b="b"/>
-            <a:pathLst>
-              <a:path w="1737401" h="959536">
-                <a:moveTo>
-                  <a:pt x="0" y="0"/>
-                </a:moveTo>
-                <a:lnTo>
-                  <a:pt x="123825" y="0"/>
-                </a:lnTo>
-                <a:lnTo>
-                  <a:pt x="123825" y="790277"/>
-                </a:lnTo>
-                <a:lnTo>
-                  <a:pt x="1490095" y="0"/>
-                </a:lnTo>
-                <a:lnTo>
-                  <a:pt x="1737401" y="0"/>
-                </a:lnTo>
-                <a:lnTo>
-                  <a:pt x="92869" y="951249"/>
-                </a:lnTo>
-                <a:cubicBezTo>
-                  <a:pt x="83458" y="956688"/>
-                  <a:pt x="72780" y="959546"/>
-                  <a:pt x="61913" y="959536"/>
-                </a:cubicBezTo>
-                <a:cubicBezTo>
-                  <a:pt x="27719" y="959536"/>
-                  <a:pt x="0" y="931818"/>
-                  <a:pt x="0" y="897624"/>
-                </a:cubicBezTo>
-                <a:close/>
-              </a:path>
-            </a:pathLst>
-          </a:custGeom>
-          <a:solidFill>
-            <a:schemeClr val="accent6"/>
-          </a:solidFill>
-          <a:ln w="9525" cap="flat">
-            <a:noFill/>
-            <a:prstDash val="solid"/>
-            <a:miter/>
-          </a:ln>
-        </p:spPr>
-        <p:txBody>
-          <a:bodyPr rtlCol="0" anchor="ctr"/>
-          <a:lstStyle/>
-          <a:p>
-            <a:endParaRPr lang="en-US"/>
-          </a:p>
-        </p:txBody>
-      </p:sp>
-      <p:sp>
-        <p:nvSpPr>
-          <p:cNvPr id="1037" name="Freeform: Shape 1036">
-            <a:extLst>
-              <a:ext uri="{FF2B5EF4-FFF2-40B4-BE49-F238E27FC236}">
-                <a16:creationId xmlns:a16="http://schemas.microsoft.com/office/drawing/2014/main" id="{03C2051E-A88D-48E5-BACF-AAED17892722}"/>
-              </a:ext>
-              <a:ext uri="{C183D7F6-B498-43B3-948B-1728B52AA6E4}">
-                <adec:decorative xmlns:adec="http://schemas.microsoft.com/office/drawing/2017/decorative" val="1"/>
-              </a:ext>
-            </a:extLst>
-          </p:cNvPr>
-          <p:cNvSpPr>
-            <a:spLocks noGrp="1" noRot="1" noChangeAspect="1" noMove="1" noResize="1" noEditPoints="1" noAdjustHandles="1" noChangeArrowheads="1" noChangeShapeType="1" noTextEdit="1"/>
-          </p:cNvSpPr>
-          <p:nvPr>
-            <p:extLst>
-              <p:ext uri="{386F3935-93C4-4BCD-93E2-E3B085C9AB24}">
-                <p16:designElem xmlns:p16="http://schemas.microsoft.com/office/powerpoint/2015/main" val="1"/>
-              </p:ext>
-            </p:extLst>
-          </p:nvPr>
-        </p:nvSpPr>
-        <p:spPr>
-          <a:xfrm flipH="1">
-            <a:off x="0" y="2916245"/>
-            <a:ext cx="159741" cy="552996"/>
-          </a:xfrm>
-          <a:custGeom>
-            <a:avLst/>
-            <a:gdLst>
-              <a:gd name="connsiteX0" fmla="*/ 159741 w 159741"/>
-              <a:gd name="connsiteY0" fmla="*/ 0 h 552996"/>
-              <a:gd name="connsiteX1" fmla="*/ 159741 w 159741"/>
-              <a:gd name="connsiteY1" fmla="*/ 552996 h 552996"/>
-              <a:gd name="connsiteX2" fmla="*/ 141849 w 159741"/>
-              <a:gd name="connsiteY2" fmla="*/ 543285 h 552996"/>
-              <a:gd name="connsiteX3" fmla="*/ 0 w 159741"/>
-              <a:gd name="connsiteY3" fmla="*/ 276498 h 552996"/>
-              <a:gd name="connsiteX4" fmla="*/ 141849 w 159741"/>
-              <a:gd name="connsiteY4" fmla="*/ 9711 h 552996"/>
-            </a:gdLst>
-            <a:ahLst/>
-            <a:cxnLst>
-              <a:cxn ang="0">
-                <a:pos x="connsiteX0" y="connsiteY0"/>
-              </a:cxn>
-              <a:cxn ang="0">
-                <a:pos x="connsiteX1" y="connsiteY1"/>
-              </a:cxn>
-              <a:cxn ang="0">
-                <a:pos x="connsiteX2" y="connsiteY2"/>
-              </a:cxn>
-              <a:cxn ang="0">
-                <a:pos x="connsiteX3" y="connsiteY3"/>
-              </a:cxn>
-              <a:cxn ang="0">
-                <a:pos x="connsiteX4" y="connsiteY4"/>
-              </a:cxn>
-            </a:cxnLst>
-            <a:rect l="l" t="t" r="r" b="b"/>
-            <a:pathLst>
-              <a:path w="159741" h="552996">
-                <a:moveTo>
-                  <a:pt x="159741" y="0"/>
-                </a:moveTo>
-                <a:lnTo>
-                  <a:pt x="159741" y="552996"/>
-                </a:lnTo>
-                <a:lnTo>
-                  <a:pt x="141849" y="543285"/>
-                </a:lnTo>
-                <a:cubicBezTo>
-                  <a:pt x="56268" y="485467"/>
-                  <a:pt x="0" y="387554"/>
-                  <a:pt x="0" y="276498"/>
-                </a:cubicBezTo>
-                <a:cubicBezTo>
-                  <a:pt x="0" y="165443"/>
-                  <a:pt x="56268" y="67529"/>
-                  <a:pt x="141849" y="9711"/>
-                </a:cubicBezTo>
-                <a:close/>
-              </a:path>
-            </a:pathLst>
-          </a:custGeom>
-          <a:solidFill>
-            <a:schemeClr val="accent2"/>
-          </a:solidFill>
-          <a:ln w="127000">
-            <a:noFill/>
-          </a:ln>
-        </p:spPr>
-        <p:style>
-          <a:lnRef idx="2">
-            <a:schemeClr val="accent1">
-              <a:shade val="50000"/>
-            </a:schemeClr>
-          </a:lnRef>
-          <a:fillRef idx="1">
-            <a:schemeClr val="accent1"/>
-          </a:fillRef>
-          <a:effectRef idx="0">
-            <a:schemeClr val="accent1"/>
-          </a:effectRef>
-          <a:fontRef idx="minor">
-            <a:schemeClr val="lt1"/>
-          </a:fontRef>
-        </p:style>
-        <p:txBody>
-          <a:bodyPr wrap="square" rtlCol="0" anchor="ctr">
-            <a:noAutofit/>
-          </a:bodyPr>
-          <a:lstStyle/>
-          <a:p>
-            <a:pPr algn="ctr"/>
-            <a:endParaRPr lang="en-US"/>
-          </a:p>
-        </p:txBody>
-      </p:sp>
-      <p:sp>
-        <p:nvSpPr>
-          <p:cNvPr id="1039" name="Freeform: Shape 1038">
-            <a:extLst>
-              <a:ext uri="{FF2B5EF4-FFF2-40B4-BE49-F238E27FC236}">
-                <a16:creationId xmlns:a16="http://schemas.microsoft.com/office/drawing/2014/main" id="{7821A508-2985-4905-874A-527429BAABFA}"/>
-              </a:ext>
-              <a:ext uri="{C183D7F6-B498-43B3-948B-1728B52AA6E4}">
-                <adec:decorative xmlns:adec="http://schemas.microsoft.com/office/drawing/2017/decorative" val="1"/>
-              </a:ext>
-            </a:extLst>
-          </p:cNvPr>
-          <p:cNvSpPr>
-            <a:spLocks noGrp="1" noRot="1" noChangeAspect="1" noMove="1" noResize="1" noEditPoints="1" noAdjustHandles="1" noChangeArrowheads="1" noChangeShapeType="1" noTextEdit="1"/>
-          </p:cNvSpPr>
-          <p:nvPr>
-            <p:extLst>
-              <p:ext uri="{386F3935-93C4-4BCD-93E2-E3B085C9AB24}">
-                <p16:designElem xmlns:p16="http://schemas.microsoft.com/office/powerpoint/2015/main" val="1"/>
-              </p:ext>
-            </p:extLst>
-          </p:nvPr>
-        </p:nvSpPr>
-        <p:spPr>
-          <a:xfrm flipH="1">
-            <a:off x="0" y="5835649"/>
-            <a:ext cx="1548180" cy="1022351"/>
-          </a:xfrm>
-          <a:custGeom>
-            <a:avLst/>
-            <a:gdLst>
-              <a:gd name="connsiteX0" fmla="*/ 61913 w 1548180"/>
-              <a:gd name="connsiteY0" fmla="*/ 0 h 1022351"/>
-              <a:gd name="connsiteX1" fmla="*/ 1548180 w 1548180"/>
-              <a:gd name="connsiteY1" fmla="*/ 0 h 1022351"/>
-              <a:gd name="connsiteX2" fmla="*/ 1548180 w 1548180"/>
-              <a:gd name="connsiteY2" fmla="*/ 123825 h 1022351"/>
-              <a:gd name="connsiteX3" fmla="*/ 123825 w 1548180"/>
-              <a:gd name="connsiteY3" fmla="*/ 123825 h 1022351"/>
-              <a:gd name="connsiteX4" fmla="*/ 123825 w 1548180"/>
-              <a:gd name="connsiteY4" fmla="*/ 1022351 h 1022351"/>
-              <a:gd name="connsiteX5" fmla="*/ 0 w 1548180"/>
-              <a:gd name="connsiteY5" fmla="*/ 1022351 h 1022351"/>
-              <a:gd name="connsiteX6" fmla="*/ 0 w 1548180"/>
-              <a:gd name="connsiteY6" fmla="*/ 61913 h 1022351"/>
-              <a:gd name="connsiteX7" fmla="*/ 61913 w 1548180"/>
-              <a:gd name="connsiteY7" fmla="*/ 0 h 1022351"/>
-            </a:gdLst>
-            <a:ahLst/>
-            <a:cxnLst>
-              <a:cxn ang="0">
-                <a:pos x="connsiteX0" y="connsiteY0"/>
-              </a:cxn>
-              <a:cxn ang="0">
-                <a:pos x="connsiteX1" y="connsiteY1"/>
-              </a:cxn>
-              <a:cxn ang="0">
-                <a:pos x="connsiteX2" y="connsiteY2"/>
-              </a:cxn>
-              <a:cxn ang="0">
-                <a:pos x="connsiteX3" y="connsiteY3"/>
-              </a:cxn>
-              <a:cxn ang="0">
-                <a:pos x="connsiteX4" y="connsiteY4"/>
-              </a:cxn>
-              <a:cxn ang="0">
-                <a:pos x="connsiteX5" y="connsiteY5"/>
-              </a:cxn>
-              <a:cxn ang="0">
-                <a:pos x="connsiteX6" y="connsiteY6"/>
-              </a:cxn>
-              <a:cxn ang="0">
-                <a:pos x="connsiteX7" y="connsiteY7"/>
-              </a:cxn>
-            </a:cxnLst>
-            <a:rect l="l" t="t" r="r" b="b"/>
-            <a:pathLst>
-              <a:path w="1548180" h="1022351">
-                <a:moveTo>
-                  <a:pt x="61913" y="0"/>
-                </a:moveTo>
-                <a:lnTo>
-                  <a:pt x="1548180" y="0"/>
-                </a:lnTo>
-                <a:lnTo>
-                  <a:pt x="1548180" y="123825"/>
-                </a:lnTo>
-                <a:lnTo>
-                  <a:pt x="123825" y="123825"/>
-                </a:lnTo>
-                <a:lnTo>
-                  <a:pt x="123825" y="1022351"/>
-                </a:lnTo>
-                <a:lnTo>
-                  <a:pt x="0" y="1022351"/>
-                </a:lnTo>
-                <a:lnTo>
-                  <a:pt x="0" y="61913"/>
-                </a:lnTo>
-                <a:cubicBezTo>
-                  <a:pt x="0" y="27719"/>
-                  <a:pt x="27719" y="0"/>
-                  <a:pt x="61913" y="0"/>
-                </a:cubicBezTo>
-                <a:close/>
-              </a:path>
-            </a:pathLst>
-          </a:custGeom>
-          <a:solidFill>
-            <a:schemeClr val="accent6"/>
-          </a:solidFill>
-          <a:ln w="9525" cap="flat">
-            <a:noFill/>
-            <a:prstDash val="solid"/>
-            <a:miter/>
-          </a:ln>
-        </p:spPr>
-        <p:txBody>
-          <a:bodyPr rtlCol="0" anchor="ctr"/>
-          <a:lstStyle/>
-          <a:p>
-            <a:endParaRPr lang="en-US"/>
-          </a:p>
-        </p:txBody>
-      </p:sp>
-      <p:sp>
-        <p:nvSpPr>
-          <p:cNvPr id="1041" name="Freeform: Shape 1040">
-            <a:extLst>
-              <a:ext uri="{FF2B5EF4-FFF2-40B4-BE49-F238E27FC236}">
-                <a16:creationId xmlns:a16="http://schemas.microsoft.com/office/drawing/2014/main" id="{D2929CB1-0E3C-4B2D-ADC5-0154FB33BA44}"/>
-              </a:ext>
-              <a:ext uri="{C183D7F6-B498-43B3-948B-1728B52AA6E4}">
-                <adec:decorative xmlns:adec="http://schemas.microsoft.com/office/drawing/2017/decorative" val="1"/>
-              </a:ext>
-            </a:extLst>
-          </p:cNvPr>
-          <p:cNvSpPr>
-            <a:spLocks noGrp="1" noRot="1" noChangeAspect="1" noMove="1" noResize="1" noEditPoints="1" noAdjustHandles="1" noChangeArrowheads="1" noChangeShapeType="1" noTextEdit="1"/>
-          </p:cNvSpPr>
-          <p:nvPr>
-            <p:extLst>
-              <p:ext uri="{386F3935-93C4-4BCD-93E2-E3B085C9AB24}">
-                <p16:designElem xmlns:p16="http://schemas.microsoft.com/office/powerpoint/2015/main" val="1"/>
-              </p:ext>
-            </p:extLst>
-          </p:nvPr>
-        </p:nvSpPr>
-        <p:spPr>
-          <a:xfrm flipH="1">
-            <a:off x="3697761" y="5717906"/>
-            <a:ext cx="1771609" cy="1140095"/>
-          </a:xfrm>
-          <a:custGeom>
-            <a:avLst/>
-            <a:gdLst>
-              <a:gd name="connsiteX0" fmla="*/ 1561721 w 1771609"/>
-              <a:gd name="connsiteY0" fmla="*/ 763041 h 1140095"/>
-              <a:gd name="connsiteX1" fmla="*/ 1623024 w 1771609"/>
-              <a:gd name="connsiteY1" fmla="*/ 792810 h 1140095"/>
-              <a:gd name="connsiteX2" fmla="*/ 1711735 w 1771609"/>
-              <a:gd name="connsiteY2" fmla="*/ 970132 h 1140095"/>
-              <a:gd name="connsiteX3" fmla="*/ 1771609 w 1771609"/>
-              <a:gd name="connsiteY3" fmla="*/ 1140095 h 1140095"/>
-              <a:gd name="connsiteX4" fmla="*/ 1637225 w 1771609"/>
-              <a:gd name="connsiteY4" fmla="*/ 1140095 h 1140095"/>
-              <a:gd name="connsiteX5" fmla="*/ 1594820 w 1771609"/>
-              <a:gd name="connsiteY5" fmla="*/ 1019711 h 1140095"/>
-              <a:gd name="connsiteX6" fmla="*/ 1513200 w 1771609"/>
-              <a:gd name="connsiteY6" fmla="*/ 856627 h 1140095"/>
-              <a:gd name="connsiteX7" fmla="*/ 1538499 w 1771609"/>
-              <a:gd name="connsiteY7" fmla="*/ 770415 h 1140095"/>
-              <a:gd name="connsiteX8" fmla="*/ 1561721 w 1771609"/>
-              <a:gd name="connsiteY8" fmla="*/ 763041 h 1140095"/>
-              <a:gd name="connsiteX9" fmla="*/ 933455 w 1771609"/>
-              <a:gd name="connsiteY9" fmla="*/ 161309 h 1140095"/>
-              <a:gd name="connsiteX10" fmla="*/ 957797 w 1771609"/>
-              <a:gd name="connsiteY10" fmla="*/ 167970 h 1140095"/>
-              <a:gd name="connsiteX11" fmla="*/ 1286982 w 1771609"/>
-              <a:gd name="connsiteY11" fmla="*/ 387616 h 1140095"/>
-              <a:gd name="connsiteX12" fmla="*/ 1293725 w 1771609"/>
-              <a:gd name="connsiteY12" fmla="*/ 477075 h 1140095"/>
-              <a:gd name="connsiteX13" fmla="*/ 1245453 w 1771609"/>
-              <a:gd name="connsiteY13" fmla="*/ 499154 h 1140095"/>
-              <a:gd name="connsiteX14" fmla="*/ 1245167 w 1771609"/>
-              <a:gd name="connsiteY14" fmla="*/ 499154 h 1140095"/>
-              <a:gd name="connsiteX15" fmla="*/ 1203638 w 1771609"/>
-              <a:gd name="connsiteY15" fmla="*/ 484104 h 1140095"/>
-              <a:gd name="connsiteX16" fmla="*/ 900647 w 1771609"/>
-              <a:gd name="connsiteY16" fmla="*/ 281508 h 1140095"/>
-              <a:gd name="connsiteX17" fmla="*/ 872454 w 1771609"/>
-              <a:gd name="connsiteY17" fmla="*/ 196164 h 1140095"/>
-              <a:gd name="connsiteX18" fmla="*/ 933455 w 1771609"/>
-              <a:gd name="connsiteY18" fmla="*/ 161309 h 1140095"/>
-              <a:gd name="connsiteX19" fmla="*/ 256260 w 1771609"/>
-              <a:gd name="connsiteY19" fmla="*/ 29 h 1140095"/>
-              <a:gd name="connsiteX20" fmla="*/ 454020 w 1771609"/>
-              <a:gd name="connsiteY20" fmla="*/ 13474 h 1140095"/>
-              <a:gd name="connsiteX21" fmla="*/ 509236 w 1771609"/>
-              <a:gd name="connsiteY21" fmla="*/ 84182 h 1140095"/>
-              <a:gd name="connsiteX22" fmla="*/ 445829 w 1771609"/>
-              <a:gd name="connsiteY22" fmla="*/ 139871 h 1140095"/>
-              <a:gd name="connsiteX23" fmla="*/ 437447 w 1771609"/>
-              <a:gd name="connsiteY23" fmla="*/ 139395 h 1140095"/>
-              <a:gd name="connsiteX24" fmla="*/ 73211 w 1771609"/>
-              <a:gd name="connsiteY24" fmla="*/ 137204 h 1140095"/>
-              <a:gd name="connsiteX25" fmla="*/ 749 w 1771609"/>
-              <a:gd name="connsiteY25" fmla="*/ 84082 h 1140095"/>
-              <a:gd name="connsiteX26" fmla="*/ 53871 w 1771609"/>
-              <a:gd name="connsiteY26" fmla="*/ 11621 h 1140095"/>
-              <a:gd name="connsiteX27" fmla="*/ 58352 w 1771609"/>
-              <a:gd name="connsiteY27" fmla="*/ 11093 h 1140095"/>
-              <a:gd name="connsiteX28" fmla="*/ 256260 w 1771609"/>
-              <a:gd name="connsiteY28" fmla="*/ 29 h 1140095"/>
-            </a:gdLst>
-            <a:ahLst/>
-            <a:cxnLst>
-              <a:cxn ang="0">
-                <a:pos x="connsiteX0" y="connsiteY0"/>
-              </a:cxn>
-              <a:cxn ang="0">
-                <a:pos x="connsiteX1" y="connsiteY1"/>
-              </a:cxn>
-              <a:cxn ang="0">
-                <a:pos x="connsiteX2" y="connsiteY2"/>
-              </a:cxn>
-              <a:cxn ang="0">
-                <a:pos x="connsiteX3" y="connsiteY3"/>
-              </a:cxn>
-              <a:cxn ang="0">
-                <a:pos x="connsiteX4" y="connsiteY4"/>
-              </a:cxn>
-              <a:cxn ang="0">
-                <a:pos x="connsiteX5" y="connsiteY5"/>
-              </a:cxn>
-              <a:cxn ang="0">
-                <a:pos x="connsiteX6" y="connsiteY6"/>
-              </a:cxn>
-              <a:cxn ang="0">
-                <a:pos x="connsiteX7" y="connsiteY7"/>
-              </a:cxn>
-              <a:cxn ang="0">
-                <a:pos x="connsiteX8" y="connsiteY8"/>
-              </a:cxn>
-              <a:cxn ang="0">
-                <a:pos x="connsiteX9" y="connsiteY9"/>
-              </a:cxn>
-              <a:cxn ang="0">
-                <a:pos x="connsiteX10" y="connsiteY10"/>
-              </a:cxn>
-              <a:cxn ang="0">
-                <a:pos x="connsiteX11" y="connsiteY11"/>
-              </a:cxn>
-              <a:cxn ang="0">
-                <a:pos x="connsiteX12" y="connsiteY12"/>
-              </a:cxn>
-              <a:cxn ang="0">
-                <a:pos x="connsiteX13" y="connsiteY13"/>
-              </a:cxn>
-              <a:cxn ang="0">
-                <a:pos x="connsiteX14" y="connsiteY14"/>
-              </a:cxn>
-              <a:cxn ang="0">
-                <a:pos x="connsiteX15" y="connsiteY15"/>
-              </a:cxn>
-              <a:cxn ang="0">
-                <a:pos x="connsiteX16" y="connsiteY16"/>
-              </a:cxn>
-              <a:cxn ang="0">
-                <a:pos x="connsiteX17" y="connsiteY17"/>
-              </a:cxn>
-              <a:cxn ang="0">
-                <a:pos x="connsiteX18" y="connsiteY18"/>
-              </a:cxn>
-              <a:cxn ang="0">
-                <a:pos x="connsiteX19" y="connsiteY19"/>
-              </a:cxn>
-              <a:cxn ang="0">
-                <a:pos x="connsiteX20" y="connsiteY20"/>
-              </a:cxn>
-              <a:cxn ang="0">
-                <a:pos x="connsiteX21" y="connsiteY21"/>
-              </a:cxn>
-              <a:cxn ang="0">
-                <a:pos x="connsiteX22" y="connsiteY22"/>
-              </a:cxn>
-              <a:cxn ang="0">
-                <a:pos x="connsiteX23" y="connsiteY23"/>
-              </a:cxn>
-              <a:cxn ang="0">
-                <a:pos x="connsiteX24" y="connsiteY24"/>
-              </a:cxn>
-              <a:cxn ang="0">
-                <a:pos x="connsiteX25" y="connsiteY25"/>
-              </a:cxn>
-              <a:cxn ang="0">
-                <a:pos x="connsiteX26" y="connsiteY26"/>
-              </a:cxn>
-              <a:cxn ang="0">
-                <a:pos x="connsiteX27" y="connsiteY27"/>
-              </a:cxn>
-              <a:cxn ang="0">
-                <a:pos x="connsiteX28" y="connsiteY28"/>
-              </a:cxn>
-            </a:cxnLst>
-            <a:rect l="l" t="t" r="r" b="b"/>
-            <a:pathLst>
-              <a:path w="1771609" h="1140095">
-                <a:moveTo>
-                  <a:pt x="1561721" y="763041"/>
-                </a:moveTo>
-                <a:cubicBezTo>
-                  <a:pt x="1585506" y="760324"/>
-                  <a:pt x="1609722" y="771249"/>
-                  <a:pt x="1623024" y="792810"/>
-                </a:cubicBezTo>
-                <a:cubicBezTo>
-                  <a:pt x="1656300" y="850065"/>
-                  <a:pt x="1685920" y="909291"/>
-                  <a:pt x="1711735" y="970132"/>
-                </a:cubicBezTo>
-                <a:lnTo>
-                  <a:pt x="1771609" y="1140095"/>
-                </a:lnTo>
-                <a:lnTo>
-                  <a:pt x="1637225" y="1140095"/>
-                </a:lnTo>
-                <a:lnTo>
-                  <a:pt x="1594820" y="1019711"/>
-                </a:lnTo>
-                <a:cubicBezTo>
-                  <a:pt x="1571072" y="963753"/>
-                  <a:pt x="1543818" y="909282"/>
-                  <a:pt x="1513200" y="856627"/>
-                </a:cubicBezTo>
-                <a:cubicBezTo>
-                  <a:pt x="1496379" y="825834"/>
-                  <a:pt x="1507704" y="787236"/>
-                  <a:pt x="1538499" y="770415"/>
-                </a:cubicBezTo>
-                <a:cubicBezTo>
-                  <a:pt x="1545912" y="766367"/>
-                  <a:pt x="1553792" y="763946"/>
-                  <a:pt x="1561721" y="763041"/>
-                </a:cubicBezTo>
-                <a:close/>
-                <a:moveTo>
-                  <a:pt x="933455" y="161309"/>
-                </a:moveTo>
-                <a:cubicBezTo>
-                  <a:pt x="941693" y="161855"/>
-                  <a:pt x="949959" y="164025"/>
-                  <a:pt x="957797" y="167970"/>
-                </a:cubicBezTo>
-                <a:cubicBezTo>
-                  <a:pt x="1076184" y="227289"/>
-                  <a:pt x="1186759" y="301068"/>
-                  <a:pt x="1286982" y="387616"/>
-                </a:cubicBezTo>
-                <a:cubicBezTo>
-                  <a:pt x="1313547" y="410457"/>
-                  <a:pt x="1316566" y="450510"/>
-                  <a:pt x="1293725" y="477075"/>
-                </a:cubicBezTo>
-                <a:cubicBezTo>
-                  <a:pt x="1281638" y="491137"/>
-                  <a:pt x="1263998" y="499204"/>
-                  <a:pt x="1245453" y="499154"/>
-                </a:cubicBezTo>
-                <a:lnTo>
-                  <a:pt x="1245167" y="499154"/>
-                </a:lnTo>
-                <a:cubicBezTo>
-                  <a:pt x="1229965" y="499301"/>
-                  <a:pt x="1215220" y="493956"/>
-                  <a:pt x="1203638" y="484104"/>
-                </a:cubicBezTo>
-                <a:cubicBezTo>
-                  <a:pt x="1111407" y="404300"/>
-                  <a:pt x="1009633" y="336248"/>
-                  <a:pt x="900647" y="281508"/>
-                </a:cubicBezTo>
-                <a:cubicBezTo>
-                  <a:pt x="869295" y="265726"/>
-                  <a:pt x="856672" y="227516"/>
-                  <a:pt x="872454" y="196164"/>
-                </a:cubicBezTo>
-                <a:cubicBezTo>
-                  <a:pt x="884290" y="172650"/>
-                  <a:pt x="908742" y="159670"/>
-                  <a:pt x="933455" y="161309"/>
-                </a:cubicBezTo>
-                <a:close/>
-                <a:moveTo>
-                  <a:pt x="256260" y="29"/>
-                </a:moveTo>
-                <a:cubicBezTo>
-                  <a:pt x="322331" y="427"/>
-                  <a:pt x="388378" y="4909"/>
-                  <a:pt x="454020" y="13474"/>
-                </a:cubicBezTo>
-                <a:cubicBezTo>
-                  <a:pt x="488793" y="17752"/>
-                  <a:pt x="513514" y="49409"/>
-                  <a:pt x="509236" y="84182"/>
-                </a:cubicBezTo>
-                <a:cubicBezTo>
-                  <a:pt x="505303" y="116151"/>
-                  <a:pt x="478038" y="140098"/>
-                  <a:pt x="445829" y="139871"/>
-                </a:cubicBezTo>
-                <a:cubicBezTo>
-                  <a:pt x="443027" y="139899"/>
-                  <a:pt x="440227" y="139740"/>
-                  <a:pt x="437447" y="139395"/>
-                </a:cubicBezTo>
-                <a:cubicBezTo>
-                  <a:pt x="316592" y="123615"/>
-                  <a:pt x="194247" y="122878"/>
-                  <a:pt x="73211" y="137204"/>
-                </a:cubicBezTo>
-                <a:cubicBezTo>
-                  <a:pt x="38532" y="142545"/>
-                  <a:pt x="6090" y="118762"/>
-                  <a:pt x="749" y="84082"/>
-                </a:cubicBezTo>
-                <a:cubicBezTo>
-                  <a:pt x="-4591" y="49403"/>
-                  <a:pt x="19192" y="16961"/>
-                  <a:pt x="53871" y="11621"/>
-                </a:cubicBezTo>
-                <a:cubicBezTo>
-                  <a:pt x="55358" y="11392"/>
-                  <a:pt x="56852" y="11216"/>
-                  <a:pt x="58352" y="11093"/>
-                </a:cubicBezTo>
-                <a:cubicBezTo>
-                  <a:pt x="124093" y="3319"/>
-                  <a:pt x="190189" y="-369"/>
-                  <a:pt x="256260" y="29"/>
-                </a:cubicBezTo>
-                <a:close/>
-              </a:path>
-            </a:pathLst>
-          </a:custGeom>
-          <a:solidFill>
-            <a:schemeClr val="accent4"/>
-          </a:solidFill>
-          <a:ln w="9525" cap="flat">
-            <a:noFill/>
-            <a:prstDash val="solid"/>
-            <a:miter/>
-          </a:ln>
-        </p:spPr>
-        <p:txBody>
-          <a:bodyPr rtlCol="0" anchor="ctr"/>
-          <a:lstStyle/>
-          <a:p>
-            <a:endParaRPr lang="en-US"/>
-          </a:p>
-        </p:txBody>
-      </p:sp>
-      <p:sp>
-        <p:nvSpPr>
-          <p:cNvPr id="1043" name="Freeform: Shape 1042">
-            <a:extLst>
-              <a:ext uri="{FF2B5EF4-FFF2-40B4-BE49-F238E27FC236}">
-                <a16:creationId xmlns:a16="http://schemas.microsoft.com/office/drawing/2014/main" id="{5F2F0C84-BE8C-4DC2-A6D3-30349A801D5C}"/>
-              </a:ext>
-              <a:ext uri="{C183D7F6-B498-43B3-948B-1728B52AA6E4}">
-                <adec:decorative xmlns:adec="http://schemas.microsoft.com/office/drawing/2017/decorative" val="1"/>
-              </a:ext>
-            </a:extLst>
-          </p:cNvPr>
-          <p:cNvSpPr>
-            <a:spLocks noGrp="1" noRot="1" noChangeAspect="1" noMove="1" noResize="1" noEditPoints="1" noAdjustHandles="1" noChangeArrowheads="1" noChangeShapeType="1" noTextEdit="1"/>
-          </p:cNvSpPr>
-          <p:nvPr>
-            <p:extLst>
-              <p:ext uri="{386F3935-93C4-4BCD-93E2-E3B085C9AB24}">
-                <p16:designElem xmlns:p16="http://schemas.microsoft.com/office/powerpoint/2015/main" val="1"/>
-              </p:ext>
-            </p:extLst>
-          </p:nvPr>
-        </p:nvSpPr>
-        <p:spPr>
-          <a:xfrm flipH="1">
-            <a:off x="4520513" y="6258756"/>
-            <a:ext cx="1565940" cy="599245"/>
-          </a:xfrm>
-          <a:custGeom>
-            <a:avLst/>
-            <a:gdLst>
-              <a:gd name="connsiteX0" fmla="*/ 782970 w 1565940"/>
-              <a:gd name="connsiteY0" fmla="*/ 0 h 599245"/>
-              <a:gd name="connsiteX1" fmla="*/ 1528042 w 1565940"/>
-              <a:gd name="connsiteY1" fmla="*/ 480469 h 599245"/>
-              <a:gd name="connsiteX2" fmla="*/ 1565940 w 1565940"/>
-              <a:gd name="connsiteY2" fmla="*/ 599245 h 599245"/>
-              <a:gd name="connsiteX3" fmla="*/ 0 w 1565940"/>
-              <a:gd name="connsiteY3" fmla="*/ 599245 h 599245"/>
-              <a:gd name="connsiteX4" fmla="*/ 37898 w 1565940"/>
-              <a:gd name="connsiteY4" fmla="*/ 480469 h 599245"/>
-              <a:gd name="connsiteX5" fmla="*/ 782970 w 1565940"/>
-              <a:gd name="connsiteY5" fmla="*/ 0 h 599245"/>
-            </a:gdLst>
-            <a:ahLst/>
-            <a:cxnLst>
-              <a:cxn ang="0">
-                <a:pos x="connsiteX0" y="connsiteY0"/>
-              </a:cxn>
-              <a:cxn ang="0">
-                <a:pos x="connsiteX1" y="connsiteY1"/>
-              </a:cxn>
-              <a:cxn ang="0">
-                <a:pos x="connsiteX2" y="connsiteY2"/>
-              </a:cxn>
-              <a:cxn ang="0">
-                <a:pos x="connsiteX3" y="connsiteY3"/>
-              </a:cxn>
-              <a:cxn ang="0">
-                <a:pos x="connsiteX4" y="connsiteY4"/>
-              </a:cxn>
-              <a:cxn ang="0">
-                <a:pos x="connsiteX5" y="connsiteY5"/>
-              </a:cxn>
-            </a:cxnLst>
-            <a:rect l="l" t="t" r="r" b="b"/>
-            <a:pathLst>
-              <a:path w="1565940" h="599245">
-                <a:moveTo>
-                  <a:pt x="782970" y="0"/>
-                </a:moveTo>
-                <a:cubicBezTo>
-                  <a:pt x="1117910" y="0"/>
-                  <a:pt x="1405287" y="198118"/>
-                  <a:pt x="1528042" y="480469"/>
-                </a:cubicBezTo>
-                <a:lnTo>
-                  <a:pt x="1565940" y="599245"/>
-                </a:lnTo>
-                <a:lnTo>
-                  <a:pt x="0" y="599245"/>
-                </a:lnTo>
-                <a:lnTo>
-                  <a:pt x="37898" y="480469"/>
-                </a:lnTo>
-                <a:cubicBezTo>
-                  <a:pt x="160653" y="198118"/>
-                  <a:pt x="448030" y="0"/>
-                  <a:pt x="782970" y="0"/>
-                </a:cubicBezTo>
-                <a:close/>
-              </a:path>
-            </a:pathLst>
-          </a:custGeom>
-          <a:solidFill>
-            <a:schemeClr val="accent2"/>
-          </a:solidFill>
-          <a:ln>
-            <a:noFill/>
-          </a:ln>
-        </p:spPr>
-        <p:style>
-          <a:lnRef idx="2">
-            <a:schemeClr val="accent1">
-              <a:shade val="50000"/>
-            </a:schemeClr>
-          </a:lnRef>
-          <a:fillRef idx="1">
-            <a:schemeClr val="accent1"/>
-          </a:fillRef>
-          <a:effectRef idx="0">
-            <a:schemeClr val="accent1"/>
-          </a:effectRef>
-          <a:fontRef idx="minor">
-            <a:schemeClr val="lt1"/>
-          </a:fontRef>
-        </p:style>
-        <p:txBody>
-          <a:bodyPr wrap="square" rtlCol="0" anchor="ctr">
-            <a:noAutofit/>
-          </a:bodyPr>
-          <a:lstStyle/>
-          <a:p>
-            <a:pPr algn="ctr"/>
-            <a:endParaRPr lang="en-US" dirty="0"/>
-          </a:p>
-        </p:txBody>
-      </p:sp>
       <p:sp>
         <p:nvSpPr>
           <p:cNvPr id="3" name="TextBox 2">
@@ -11710,7 +7318,7 @@
 <file path=ppt/theme/theme1.xml><?xml version="1.0" encoding="utf-8"?>
 <a:theme xmlns:a="http://schemas.openxmlformats.org/drawingml/2006/main" name="Office Theme">
   <a:themeElements>
-    <a:clrScheme name="Office">
+    <a:clrScheme name="Office Theme">
       <a:dk1>
         <a:sysClr val="windowText" lastClr="000000"/>
       </a:dk1>
@@ -11724,22 +7332,22 @@
         <a:srgbClr val="E7E6E6"/>
       </a:lt2>
       <a:accent1>
-        <a:srgbClr val="4472C4"/>
+        <a:srgbClr val="1D9A78"/>
       </a:accent1>
       <a:accent2>
-        <a:srgbClr val="ED7D31"/>
+        <a:srgbClr val="8BC145"/>
       </a:accent2>
       <a:accent3>
-        <a:srgbClr val="A5A5A5"/>
+        <a:srgbClr val="36AFCE"/>
       </a:accent3>
       <a:accent4>
-        <a:srgbClr val="FFC000"/>
+        <a:srgbClr val="1D6FA9"/>
       </a:accent4>
       <a:accent5>
-        <a:srgbClr val="5B9BD5"/>
+        <a:srgbClr val="B74919"/>
       </a:accent5>
       <a:accent6>
-        <a:srgbClr val="70AD47"/>
+        <a:srgbClr val="F19D19"/>
       </a:accent6>
       <a:hlink>
         <a:srgbClr val="0563C1"/>
@@ -11748,7 +7356,7 @@
         <a:srgbClr val="954F72"/>
       </a:folHlink>
     </a:clrScheme>
-    <a:fontScheme name="Office">
+    <a:fontScheme name="Office Theme">
       <a:majorFont>
         <a:latin typeface="Calibri Light" panose="020F0302020204030204"/>
         <a:ea typeface=""/>
@@ -11783,23 +7391,6 @@
         <a:font script="Viet" typeface="Times New Roman"/>
         <a:font script="Uigh" typeface="Microsoft Uighur"/>
         <a:font script="Geor" typeface="Sylfaen"/>
-        <a:font script="Armn" typeface="Arial"/>
-        <a:font script="Bugi" typeface="Leelawadee UI"/>
-        <a:font script="Bopo" typeface="Microsoft JhengHei"/>
-        <a:font script="Java" typeface="Javanese Text"/>
-        <a:font script="Lisu" typeface="Segoe UI"/>
-        <a:font script="Mymr" typeface="Myanmar Text"/>
-        <a:font script="Nkoo" typeface="Ebrima"/>
-        <a:font script="Olck" typeface="Nirmala UI"/>
-        <a:font script="Osma" typeface="Ebrima"/>
-        <a:font script="Phag" typeface="Phagspa"/>
-        <a:font script="Syrn" typeface="Estrangelo Edessa"/>
-        <a:font script="Syrj" typeface="Estrangelo Edessa"/>
-        <a:font script="Syre" typeface="Estrangelo Edessa"/>
-        <a:font script="Sora" typeface="Nirmala UI"/>
-        <a:font script="Tale" typeface="Microsoft Tai Le"/>
-        <a:font script="Talu" typeface="Microsoft New Tai Lue"/>
-        <a:font script="Tfng" typeface="Ebrima"/>
       </a:majorFont>
       <a:minorFont>
         <a:latin typeface="Calibri" panose="020F0502020204030204"/>
@@ -11835,26 +7426,9 @@
         <a:font script="Viet" typeface="Arial"/>
         <a:font script="Uigh" typeface="Microsoft Uighur"/>
         <a:font script="Geor" typeface="Sylfaen"/>
-        <a:font script="Armn" typeface="Arial"/>
-        <a:font script="Bugi" typeface="Leelawadee UI"/>
-        <a:font script="Bopo" typeface="Microsoft JhengHei"/>
-        <a:font script="Java" typeface="Javanese Text"/>
-        <a:font script="Lisu" typeface="Segoe UI"/>
-        <a:font script="Mymr" typeface="Myanmar Text"/>
-        <a:font script="Nkoo" typeface="Ebrima"/>
-        <a:font script="Olck" typeface="Nirmala UI"/>
-        <a:font script="Osma" typeface="Ebrima"/>
-        <a:font script="Phag" typeface="Phagspa"/>
-        <a:font script="Syrn" typeface="Estrangelo Edessa"/>
-        <a:font script="Syrj" typeface="Estrangelo Edessa"/>
-        <a:font script="Syre" typeface="Estrangelo Edessa"/>
-        <a:font script="Sora" typeface="Nirmala UI"/>
-        <a:font script="Tale" typeface="Microsoft Tai Le"/>
-        <a:font script="Talu" typeface="Microsoft New Tai Lue"/>
-        <a:font script="Tfng" typeface="Ebrima"/>
       </a:minorFont>
     </a:fontScheme>
-    <a:fmtScheme name="Office">
+    <a:fmtScheme name="Office Theme">
       <a:fillStyleLst>
         <a:solidFill>
           <a:schemeClr val="phClr"/>
@@ -11996,7 +7570,7 @@
   <a:extraClrSchemeLst/>
   <a:extLst>
     <a:ext uri="{05A4C25C-085E-4340-85A3-A5531E510DB2}">
-      <thm15:themeFamily xmlns:thm15="http://schemas.microsoft.com/office/thememl/2012/main" name="Office Theme" id="{62F939B6-93AF-4DB8-9C6B-D6C7DFDC589F}" vid="{4A3C46E8-61CC-4603-A589-7422A47A8E4A}"/>
+      <thm15:themeFamily xmlns:thm15="http://schemas.microsoft.com/office/thememl/2012/main" name="Office Theme 2013 - 2022" id="{62F939B6-93AF-4DB8-9C6B-D6C7DFDC589F}" vid="{AE6F2518-B084-4896-AF52-66CC2144AA26}"/>
     </a:ext>
   </a:extLst>
 </a:theme>

--- a/ARDC_Skills_Summit_GM.pptx
+++ b/ARDC_Skills_Summit_GM.pptx
@@ -4490,7 +4490,21 @@
                 <a:latin typeface="Arial" panose="020B0604020202020204" pitchFamily="34" charset="0"/>
                 <a:cs typeface="Arial" panose="020B0604020202020204" pitchFamily="34" charset="0"/>
               </a:rPr>
-              <a:t>SIH approached to run bespoke versions via "contact us" form on SIH website</a:t>
+              <a:t>SIH approached to run bespoke versions </a:t>
+            </a:r>
+            <a:r>
+              <a:rPr lang="en-AU" sz="1800" i="1" dirty="0">
+                <a:latin typeface="Arial" panose="020B0604020202020204" pitchFamily="34" charset="0"/>
+                <a:cs typeface="Arial" panose="020B0604020202020204" pitchFamily="34" charset="0"/>
+              </a:rPr>
+              <a:t>via</a:t>
+            </a:r>
+            <a:r>
+              <a:rPr lang="en-AU" sz="1800" dirty="0">
+                <a:latin typeface="Arial" panose="020B0604020202020204" pitchFamily="34" charset="0"/>
+                <a:cs typeface="Arial" panose="020B0604020202020204" pitchFamily="34" charset="0"/>
+              </a:rPr>
+              <a:t> "contact us" form on SIH website</a:t>
             </a:r>
             <a:br>
               <a:rPr lang="en-AU" sz="1800" dirty="0">
@@ -4683,9 +4697,7 @@
           <a:prstGeom prst="rect">
             <a:avLst/>
           </a:prstGeom>
-          <a:solidFill>
-            <a:srgbClr val="D23207"/>
-          </a:solidFill>
+          <a:noFill/>
           <a:ln w="57150">
             <a:solidFill>
               <a:srgbClr val="D23207"/>
@@ -5459,7 +5471,7 @@
                 <a:ea typeface="Times New Roman" panose="02020603050405020304" pitchFamily="18" charset="0"/>
                 <a:cs typeface="Arial" panose="020B0604020202020204" pitchFamily="34" charset="0"/>
               </a:rPr>
-              <a:t>Improved reputation and visibility in industry/academic community;</a:t>
+              <a:t>Improved reputation and visibility in industry/university;</a:t>
             </a:r>
             <a:endParaRPr lang="en-AU" sz="2400" b="1" dirty="0">
               <a:solidFill>

--- a/ARDC_Skills_Summit_GM.pptx
+++ b/ARDC_Skills_Summit_GM.pptx
@@ -4903,7 +4903,7 @@
         </p:nvSpPr>
         <p:spPr>
           <a:xfrm>
-            <a:off x="8207631" y="2077884"/>
+            <a:off x="8190698" y="2077884"/>
             <a:ext cx="3990506" cy="400110"/>
           </a:xfrm>
           <a:prstGeom prst="rect">
@@ -5433,7 +5433,30 @@
                 <a:ea typeface="Calibri" panose="020F0502020204030204" pitchFamily="34" charset="0"/>
                 <a:cs typeface="Arial" panose="020B0604020202020204" pitchFamily="34" charset="0"/>
               </a:rPr>
-              <a:t>Further ongoing collaboration beyond the single course;</a:t>
+              <a:t>Further ongoing collaboration beyond the single </a:t>
+            </a:r>
+            <a:r>
+              <a:rPr lang="en-AU" sz="2400" b="1" dirty="0">
+                <a:solidFill>
+                  <a:schemeClr val="bg1"/>
+                </a:solidFill>
+                <a:latin typeface="Arial" panose="020B0604020202020204" pitchFamily="34" charset="0"/>
+                <a:ea typeface="Calibri" panose="020F0502020204030204" pitchFamily="34" charset="0"/>
+                <a:cs typeface="Arial" panose="020B0604020202020204" pitchFamily="34" charset="0"/>
+              </a:rPr>
+              <a:t>training</a:t>
+            </a:r>
+            <a:r>
+              <a:rPr lang="en-AU" sz="2400" b="1" dirty="0">
+                <a:solidFill>
+                  <a:schemeClr val="bg1"/>
+                </a:solidFill>
+                <a:effectLst/>
+                <a:latin typeface="Arial" panose="020B0604020202020204" pitchFamily="34" charset="0"/>
+                <a:ea typeface="Calibri" panose="020F0502020204030204" pitchFamily="34" charset="0"/>
+                <a:cs typeface="Arial" panose="020B0604020202020204" pitchFamily="34" charset="0"/>
+              </a:rPr>
+              <a:t>;</a:t>
             </a:r>
             <a:br>
               <a:rPr lang="en-AU" sz="2400" b="1" dirty="0">
